--- a/chapter05/图片/pic.pptx
+++ b/chapter05/图片/pic.pptx
@@ -5,13 +5,12 @@
     <p:sldMasterId id="2147483648" r:id="rId1"/>
   </p:sldMasterIdLst>
   <p:sldIdLst>
-    <p:sldId id="264" r:id="rId2"/>
-    <p:sldId id="265" r:id="rId3"/>
-    <p:sldId id="266" r:id="rId4"/>
-    <p:sldId id="267" r:id="rId5"/>
-    <p:sldId id="270" r:id="rId6"/>
-    <p:sldId id="268" r:id="rId7"/>
-    <p:sldId id="269" r:id="rId8"/>
+    <p:sldId id="265" r:id="rId2"/>
+    <p:sldId id="266" r:id="rId3"/>
+    <p:sldId id="267" r:id="rId4"/>
+    <p:sldId id="270" r:id="rId5"/>
+    <p:sldId id="268" r:id="rId6"/>
+    <p:sldId id="269" r:id="rId7"/>
   </p:sldIdLst>
   <p:sldSz cx="12192000" cy="6858000"/>
   <p:notesSz cx="6858000" cy="9144000"/>
@@ -112,7 +111,7 @@
   </p:defaultTextStyle>
   <p:extLst>
     <p:ext uri="{EFAFB233-063F-42B5-8137-9DF3F51BA10A}">
-      <p15:sldGuideLst xmlns="" xmlns:p15="http://schemas.microsoft.com/office/powerpoint/2012/main">
+      <p15:sldGuideLst xmlns:p15="http://schemas.microsoft.com/office/powerpoint/2012/main" xmlns="">
         <p15:guide id="1" orient="horz" pos="2183" userDrawn="1">
           <p15:clr>
             <a:srgbClr val="A4A3A4"/>
@@ -151,7 +150,7 @@
           <p:cNvPr id="2" name="标题 1">
             <a:extLst>
               <a:ext uri="{FF2B5EF4-FFF2-40B4-BE49-F238E27FC236}">
-                <a16:creationId xmlns="" xmlns:a16="http://schemas.microsoft.com/office/drawing/2014/main" id="{12986E34-FEF9-4831-AA2D-1FC29FD006DC}"/>
+                <a16:creationId xmlns:a16="http://schemas.microsoft.com/office/drawing/2014/main" xmlns="" id="{12986E34-FEF9-4831-AA2D-1FC29FD006DC}"/>
               </a:ext>
             </a:extLst>
           </p:cNvPr>
@@ -188,7 +187,7 @@
           <p:cNvPr id="3" name="副标题 2">
             <a:extLst>
               <a:ext uri="{FF2B5EF4-FFF2-40B4-BE49-F238E27FC236}">
-                <a16:creationId xmlns="" xmlns:a16="http://schemas.microsoft.com/office/drawing/2014/main" id="{A7F12879-2770-4762-A523-99D6DEFBA1BF}"/>
+                <a16:creationId xmlns:a16="http://schemas.microsoft.com/office/drawing/2014/main" xmlns="" id="{A7F12879-2770-4762-A523-99D6DEFBA1BF}"/>
               </a:ext>
             </a:extLst>
           </p:cNvPr>
@@ -258,7 +257,7 @@
           <p:cNvPr id="4" name="日期占位符 3">
             <a:extLst>
               <a:ext uri="{FF2B5EF4-FFF2-40B4-BE49-F238E27FC236}">
-                <a16:creationId xmlns="" xmlns:a16="http://schemas.microsoft.com/office/drawing/2014/main" id="{A2B85CF8-D6B2-4524-A127-7586F78B9627}"/>
+                <a16:creationId xmlns:a16="http://schemas.microsoft.com/office/drawing/2014/main" xmlns="" id="{A2B85CF8-D6B2-4524-A127-7586F78B9627}"/>
               </a:ext>
             </a:extLst>
           </p:cNvPr>
@@ -276,7 +275,7 @@
           <a:p>
             <a:fld id="{FE9404C0-6422-4143-92E6-4B46A6C8788E}" type="datetimeFigureOut">
               <a:rPr lang="zh-CN" altLang="en-US" smtClean="0"/>
-              <a:t>2020/2/8</a:t>
+              <a:t>2020/3/25</a:t>
             </a:fld>
             <a:endParaRPr lang="zh-CN" altLang="en-US"/>
           </a:p>
@@ -287,7 +286,7 @@
           <p:cNvPr id="5" name="页脚占位符 4">
             <a:extLst>
               <a:ext uri="{FF2B5EF4-FFF2-40B4-BE49-F238E27FC236}">
-                <a16:creationId xmlns="" xmlns:a16="http://schemas.microsoft.com/office/drawing/2014/main" id="{57B42FE9-EE41-4847-9403-FE22702A41EC}"/>
+                <a16:creationId xmlns:a16="http://schemas.microsoft.com/office/drawing/2014/main" xmlns="" id="{57B42FE9-EE41-4847-9403-FE22702A41EC}"/>
               </a:ext>
             </a:extLst>
           </p:cNvPr>
@@ -312,7 +311,7 @@
           <p:cNvPr id="6" name="灯片编号占位符 5">
             <a:extLst>
               <a:ext uri="{FF2B5EF4-FFF2-40B4-BE49-F238E27FC236}">
-                <a16:creationId xmlns="" xmlns:a16="http://schemas.microsoft.com/office/drawing/2014/main" id="{FDAFAFF0-6DB3-49F2-BC18-66A3DDE3ADEB}"/>
+                <a16:creationId xmlns:a16="http://schemas.microsoft.com/office/drawing/2014/main" xmlns="" id="{FDAFAFF0-6DB3-49F2-BC18-66A3DDE3ADEB}"/>
               </a:ext>
             </a:extLst>
           </p:cNvPr>
@@ -371,7 +370,7 @@
           <p:cNvPr id="2" name="标题 1">
             <a:extLst>
               <a:ext uri="{FF2B5EF4-FFF2-40B4-BE49-F238E27FC236}">
-                <a16:creationId xmlns="" xmlns:a16="http://schemas.microsoft.com/office/drawing/2014/main" id="{7A046118-91AA-4311-BD69-46E3EDEAE70B}"/>
+                <a16:creationId xmlns:a16="http://schemas.microsoft.com/office/drawing/2014/main" xmlns="" id="{7A046118-91AA-4311-BD69-46E3EDEAE70B}"/>
               </a:ext>
             </a:extLst>
           </p:cNvPr>
@@ -399,7 +398,7 @@
           <p:cNvPr id="3" name="竖排文字占位符 2">
             <a:extLst>
               <a:ext uri="{FF2B5EF4-FFF2-40B4-BE49-F238E27FC236}">
-                <a16:creationId xmlns="" xmlns:a16="http://schemas.microsoft.com/office/drawing/2014/main" id="{9D534011-F605-4D89-8AA7-5BBCAF9D0C33}"/>
+                <a16:creationId xmlns:a16="http://schemas.microsoft.com/office/drawing/2014/main" xmlns="" id="{9D534011-F605-4D89-8AA7-5BBCAF9D0C33}"/>
               </a:ext>
             </a:extLst>
           </p:cNvPr>
@@ -456,7 +455,7 @@
           <p:cNvPr id="4" name="日期占位符 3">
             <a:extLst>
               <a:ext uri="{FF2B5EF4-FFF2-40B4-BE49-F238E27FC236}">
-                <a16:creationId xmlns="" xmlns:a16="http://schemas.microsoft.com/office/drawing/2014/main" id="{02E422A4-85B2-4E86-95CF-DD06658AC9EE}"/>
+                <a16:creationId xmlns:a16="http://schemas.microsoft.com/office/drawing/2014/main" xmlns="" id="{02E422A4-85B2-4E86-95CF-DD06658AC9EE}"/>
               </a:ext>
             </a:extLst>
           </p:cNvPr>
@@ -474,7 +473,7 @@
           <a:p>
             <a:fld id="{FE9404C0-6422-4143-92E6-4B46A6C8788E}" type="datetimeFigureOut">
               <a:rPr lang="zh-CN" altLang="en-US" smtClean="0"/>
-              <a:t>2020/2/8</a:t>
+              <a:t>2020/3/25</a:t>
             </a:fld>
             <a:endParaRPr lang="zh-CN" altLang="en-US"/>
           </a:p>
@@ -485,7 +484,7 @@
           <p:cNvPr id="5" name="页脚占位符 4">
             <a:extLst>
               <a:ext uri="{FF2B5EF4-FFF2-40B4-BE49-F238E27FC236}">
-                <a16:creationId xmlns="" xmlns:a16="http://schemas.microsoft.com/office/drawing/2014/main" id="{5BF49DF7-D357-4F22-94DE-2407F3DB0C26}"/>
+                <a16:creationId xmlns:a16="http://schemas.microsoft.com/office/drawing/2014/main" xmlns="" id="{5BF49DF7-D357-4F22-94DE-2407F3DB0C26}"/>
               </a:ext>
             </a:extLst>
           </p:cNvPr>
@@ -510,7 +509,7 @@
           <p:cNvPr id="6" name="灯片编号占位符 5">
             <a:extLst>
               <a:ext uri="{FF2B5EF4-FFF2-40B4-BE49-F238E27FC236}">
-                <a16:creationId xmlns="" xmlns:a16="http://schemas.microsoft.com/office/drawing/2014/main" id="{79CD8B4D-C2F1-4BBF-B5C6-B966480F318D}"/>
+                <a16:creationId xmlns:a16="http://schemas.microsoft.com/office/drawing/2014/main" xmlns="" id="{79CD8B4D-C2F1-4BBF-B5C6-B966480F318D}"/>
               </a:ext>
             </a:extLst>
           </p:cNvPr>
@@ -569,7 +568,7 @@
           <p:cNvPr id="2" name="竖排标题 1">
             <a:extLst>
               <a:ext uri="{FF2B5EF4-FFF2-40B4-BE49-F238E27FC236}">
-                <a16:creationId xmlns="" xmlns:a16="http://schemas.microsoft.com/office/drawing/2014/main" id="{8C4BC19C-5DBF-4F71-84E7-E92A944D1444}"/>
+                <a16:creationId xmlns:a16="http://schemas.microsoft.com/office/drawing/2014/main" xmlns="" id="{8C4BC19C-5DBF-4F71-84E7-E92A944D1444}"/>
               </a:ext>
             </a:extLst>
           </p:cNvPr>
@@ -602,7 +601,7 @@
           <p:cNvPr id="3" name="竖排文字占位符 2">
             <a:extLst>
               <a:ext uri="{FF2B5EF4-FFF2-40B4-BE49-F238E27FC236}">
-                <a16:creationId xmlns="" xmlns:a16="http://schemas.microsoft.com/office/drawing/2014/main" id="{E138625A-7454-4764-9715-8ECAF85BC8B1}"/>
+                <a16:creationId xmlns:a16="http://schemas.microsoft.com/office/drawing/2014/main" xmlns="" id="{E138625A-7454-4764-9715-8ECAF85BC8B1}"/>
               </a:ext>
             </a:extLst>
           </p:cNvPr>
@@ -664,7 +663,7 @@
           <p:cNvPr id="4" name="日期占位符 3">
             <a:extLst>
               <a:ext uri="{FF2B5EF4-FFF2-40B4-BE49-F238E27FC236}">
-                <a16:creationId xmlns="" xmlns:a16="http://schemas.microsoft.com/office/drawing/2014/main" id="{9ADED46A-DD45-4E90-923E-F07106C27235}"/>
+                <a16:creationId xmlns:a16="http://schemas.microsoft.com/office/drawing/2014/main" xmlns="" id="{9ADED46A-DD45-4E90-923E-F07106C27235}"/>
               </a:ext>
             </a:extLst>
           </p:cNvPr>
@@ -682,7 +681,7 @@
           <a:p>
             <a:fld id="{FE9404C0-6422-4143-92E6-4B46A6C8788E}" type="datetimeFigureOut">
               <a:rPr lang="zh-CN" altLang="en-US" smtClean="0"/>
-              <a:t>2020/2/8</a:t>
+              <a:t>2020/3/25</a:t>
             </a:fld>
             <a:endParaRPr lang="zh-CN" altLang="en-US"/>
           </a:p>
@@ -693,7 +692,7 @@
           <p:cNvPr id="5" name="页脚占位符 4">
             <a:extLst>
               <a:ext uri="{FF2B5EF4-FFF2-40B4-BE49-F238E27FC236}">
-                <a16:creationId xmlns="" xmlns:a16="http://schemas.microsoft.com/office/drawing/2014/main" id="{9837A68A-A3B0-4AF2-8D4E-2CBD3C07A517}"/>
+                <a16:creationId xmlns:a16="http://schemas.microsoft.com/office/drawing/2014/main" xmlns="" id="{9837A68A-A3B0-4AF2-8D4E-2CBD3C07A517}"/>
               </a:ext>
             </a:extLst>
           </p:cNvPr>
@@ -718,7 +717,7 @@
           <p:cNvPr id="6" name="灯片编号占位符 5">
             <a:extLst>
               <a:ext uri="{FF2B5EF4-FFF2-40B4-BE49-F238E27FC236}">
-                <a16:creationId xmlns="" xmlns:a16="http://schemas.microsoft.com/office/drawing/2014/main" id="{D886DA6D-C2E4-4A86-AB26-BBFA1BB6F42E}"/>
+                <a16:creationId xmlns:a16="http://schemas.microsoft.com/office/drawing/2014/main" xmlns="" id="{D886DA6D-C2E4-4A86-AB26-BBFA1BB6F42E}"/>
               </a:ext>
             </a:extLst>
           </p:cNvPr>
@@ -777,7 +776,7 @@
           <p:cNvPr id="2" name="标题 1">
             <a:extLst>
               <a:ext uri="{FF2B5EF4-FFF2-40B4-BE49-F238E27FC236}">
-                <a16:creationId xmlns="" xmlns:a16="http://schemas.microsoft.com/office/drawing/2014/main" id="{6BBE35F1-ACEC-4948-8D32-527722B5DD94}"/>
+                <a16:creationId xmlns:a16="http://schemas.microsoft.com/office/drawing/2014/main" xmlns="" id="{6BBE35F1-ACEC-4948-8D32-527722B5DD94}"/>
               </a:ext>
             </a:extLst>
           </p:cNvPr>
@@ -805,7 +804,7 @@
           <p:cNvPr id="3" name="内容占位符 2">
             <a:extLst>
               <a:ext uri="{FF2B5EF4-FFF2-40B4-BE49-F238E27FC236}">
-                <a16:creationId xmlns="" xmlns:a16="http://schemas.microsoft.com/office/drawing/2014/main" id="{66709081-52BB-4B11-9DC3-F0D8D4AB6326}"/>
+                <a16:creationId xmlns:a16="http://schemas.microsoft.com/office/drawing/2014/main" xmlns="" id="{66709081-52BB-4B11-9DC3-F0D8D4AB6326}"/>
               </a:ext>
             </a:extLst>
           </p:cNvPr>
@@ -862,7 +861,7 @@
           <p:cNvPr id="4" name="日期占位符 3">
             <a:extLst>
               <a:ext uri="{FF2B5EF4-FFF2-40B4-BE49-F238E27FC236}">
-                <a16:creationId xmlns="" xmlns:a16="http://schemas.microsoft.com/office/drawing/2014/main" id="{6F2D114B-8A63-4ACF-9C3E-A495216C4EB4}"/>
+                <a16:creationId xmlns:a16="http://schemas.microsoft.com/office/drawing/2014/main" xmlns="" id="{6F2D114B-8A63-4ACF-9C3E-A495216C4EB4}"/>
               </a:ext>
             </a:extLst>
           </p:cNvPr>
@@ -880,7 +879,7 @@
           <a:p>
             <a:fld id="{FE9404C0-6422-4143-92E6-4B46A6C8788E}" type="datetimeFigureOut">
               <a:rPr lang="zh-CN" altLang="en-US" smtClean="0"/>
-              <a:t>2020/2/8</a:t>
+              <a:t>2020/3/25</a:t>
             </a:fld>
             <a:endParaRPr lang="zh-CN" altLang="en-US"/>
           </a:p>
@@ -891,7 +890,7 @@
           <p:cNvPr id="5" name="页脚占位符 4">
             <a:extLst>
               <a:ext uri="{FF2B5EF4-FFF2-40B4-BE49-F238E27FC236}">
-                <a16:creationId xmlns="" xmlns:a16="http://schemas.microsoft.com/office/drawing/2014/main" id="{748B4062-8F9B-48AE-97C7-445824D4D22B}"/>
+                <a16:creationId xmlns:a16="http://schemas.microsoft.com/office/drawing/2014/main" xmlns="" id="{748B4062-8F9B-48AE-97C7-445824D4D22B}"/>
               </a:ext>
             </a:extLst>
           </p:cNvPr>
@@ -916,7 +915,7 @@
           <p:cNvPr id="6" name="灯片编号占位符 5">
             <a:extLst>
               <a:ext uri="{FF2B5EF4-FFF2-40B4-BE49-F238E27FC236}">
-                <a16:creationId xmlns="" xmlns:a16="http://schemas.microsoft.com/office/drawing/2014/main" id="{08D36F54-FFDF-413E-AE28-E9B9752BC4B3}"/>
+                <a16:creationId xmlns:a16="http://schemas.microsoft.com/office/drawing/2014/main" xmlns="" id="{08D36F54-FFDF-413E-AE28-E9B9752BC4B3}"/>
               </a:ext>
             </a:extLst>
           </p:cNvPr>
@@ -975,7 +974,7 @@
           <p:cNvPr id="2" name="标题 1">
             <a:extLst>
               <a:ext uri="{FF2B5EF4-FFF2-40B4-BE49-F238E27FC236}">
-                <a16:creationId xmlns="" xmlns:a16="http://schemas.microsoft.com/office/drawing/2014/main" id="{6FA6A5F5-4B44-4622-8F2A-823D46D85463}"/>
+                <a16:creationId xmlns:a16="http://schemas.microsoft.com/office/drawing/2014/main" xmlns="" id="{6FA6A5F5-4B44-4622-8F2A-823D46D85463}"/>
               </a:ext>
             </a:extLst>
           </p:cNvPr>
@@ -1012,7 +1011,7 @@
           <p:cNvPr id="3" name="文本占位符 2">
             <a:extLst>
               <a:ext uri="{FF2B5EF4-FFF2-40B4-BE49-F238E27FC236}">
-                <a16:creationId xmlns="" xmlns:a16="http://schemas.microsoft.com/office/drawing/2014/main" id="{229752EE-1ED2-4EA6-B866-AA1223CD93CF}"/>
+                <a16:creationId xmlns:a16="http://schemas.microsoft.com/office/drawing/2014/main" xmlns="" id="{229752EE-1ED2-4EA6-B866-AA1223CD93CF}"/>
               </a:ext>
             </a:extLst>
           </p:cNvPr>
@@ -1137,7 +1136,7 @@
           <p:cNvPr id="4" name="日期占位符 3">
             <a:extLst>
               <a:ext uri="{FF2B5EF4-FFF2-40B4-BE49-F238E27FC236}">
-                <a16:creationId xmlns="" xmlns:a16="http://schemas.microsoft.com/office/drawing/2014/main" id="{1C877BF5-590C-44C7-A3D5-9CDDFC552D60}"/>
+                <a16:creationId xmlns:a16="http://schemas.microsoft.com/office/drawing/2014/main" xmlns="" id="{1C877BF5-590C-44C7-A3D5-9CDDFC552D60}"/>
               </a:ext>
             </a:extLst>
           </p:cNvPr>
@@ -1155,7 +1154,7 @@
           <a:p>
             <a:fld id="{FE9404C0-6422-4143-92E6-4B46A6C8788E}" type="datetimeFigureOut">
               <a:rPr lang="zh-CN" altLang="en-US" smtClean="0"/>
-              <a:t>2020/2/8</a:t>
+              <a:t>2020/3/25</a:t>
             </a:fld>
             <a:endParaRPr lang="zh-CN" altLang="en-US"/>
           </a:p>
@@ -1166,7 +1165,7 @@
           <p:cNvPr id="5" name="页脚占位符 4">
             <a:extLst>
               <a:ext uri="{FF2B5EF4-FFF2-40B4-BE49-F238E27FC236}">
-                <a16:creationId xmlns="" xmlns:a16="http://schemas.microsoft.com/office/drawing/2014/main" id="{97997D8F-5296-4D1D-88B3-F4F942E265B2}"/>
+                <a16:creationId xmlns:a16="http://schemas.microsoft.com/office/drawing/2014/main" xmlns="" id="{97997D8F-5296-4D1D-88B3-F4F942E265B2}"/>
               </a:ext>
             </a:extLst>
           </p:cNvPr>
@@ -1191,7 +1190,7 @@
           <p:cNvPr id="6" name="灯片编号占位符 5">
             <a:extLst>
               <a:ext uri="{FF2B5EF4-FFF2-40B4-BE49-F238E27FC236}">
-                <a16:creationId xmlns="" xmlns:a16="http://schemas.microsoft.com/office/drawing/2014/main" id="{76BE45E3-6C0F-47E3-9070-01677C2D6992}"/>
+                <a16:creationId xmlns:a16="http://schemas.microsoft.com/office/drawing/2014/main" xmlns="" id="{76BE45E3-6C0F-47E3-9070-01677C2D6992}"/>
               </a:ext>
             </a:extLst>
           </p:cNvPr>
@@ -1250,7 +1249,7 @@
           <p:cNvPr id="2" name="标题 1">
             <a:extLst>
               <a:ext uri="{FF2B5EF4-FFF2-40B4-BE49-F238E27FC236}">
-                <a16:creationId xmlns="" xmlns:a16="http://schemas.microsoft.com/office/drawing/2014/main" id="{97E45025-DECB-4382-AE58-F7C599D28D9D}"/>
+                <a16:creationId xmlns:a16="http://schemas.microsoft.com/office/drawing/2014/main" xmlns="" id="{97E45025-DECB-4382-AE58-F7C599D28D9D}"/>
               </a:ext>
             </a:extLst>
           </p:cNvPr>
@@ -1278,7 +1277,7 @@
           <p:cNvPr id="3" name="内容占位符 2">
             <a:extLst>
               <a:ext uri="{FF2B5EF4-FFF2-40B4-BE49-F238E27FC236}">
-                <a16:creationId xmlns="" xmlns:a16="http://schemas.microsoft.com/office/drawing/2014/main" id="{CCF59A90-3A59-44B7-967D-EF67B27FBB71}"/>
+                <a16:creationId xmlns:a16="http://schemas.microsoft.com/office/drawing/2014/main" xmlns="" id="{CCF59A90-3A59-44B7-967D-EF67B27FBB71}"/>
               </a:ext>
             </a:extLst>
           </p:cNvPr>
@@ -1340,7 +1339,7 @@
           <p:cNvPr id="4" name="内容占位符 3">
             <a:extLst>
               <a:ext uri="{FF2B5EF4-FFF2-40B4-BE49-F238E27FC236}">
-                <a16:creationId xmlns="" xmlns:a16="http://schemas.microsoft.com/office/drawing/2014/main" id="{CC5C1521-DCD9-45B9-94E6-1465AA33556F}"/>
+                <a16:creationId xmlns:a16="http://schemas.microsoft.com/office/drawing/2014/main" xmlns="" id="{CC5C1521-DCD9-45B9-94E6-1465AA33556F}"/>
               </a:ext>
             </a:extLst>
           </p:cNvPr>
@@ -1402,7 +1401,7 @@
           <p:cNvPr id="5" name="日期占位符 4">
             <a:extLst>
               <a:ext uri="{FF2B5EF4-FFF2-40B4-BE49-F238E27FC236}">
-                <a16:creationId xmlns="" xmlns:a16="http://schemas.microsoft.com/office/drawing/2014/main" id="{A8BFDF93-4E95-4F8E-9EE8-36A0B1F84E5B}"/>
+                <a16:creationId xmlns:a16="http://schemas.microsoft.com/office/drawing/2014/main" xmlns="" id="{A8BFDF93-4E95-4F8E-9EE8-36A0B1F84E5B}"/>
               </a:ext>
             </a:extLst>
           </p:cNvPr>
@@ -1420,7 +1419,7 @@
           <a:p>
             <a:fld id="{FE9404C0-6422-4143-92E6-4B46A6C8788E}" type="datetimeFigureOut">
               <a:rPr lang="zh-CN" altLang="en-US" smtClean="0"/>
-              <a:t>2020/2/8</a:t>
+              <a:t>2020/3/25</a:t>
             </a:fld>
             <a:endParaRPr lang="zh-CN" altLang="en-US"/>
           </a:p>
@@ -1431,7 +1430,7 @@
           <p:cNvPr id="6" name="页脚占位符 5">
             <a:extLst>
               <a:ext uri="{FF2B5EF4-FFF2-40B4-BE49-F238E27FC236}">
-                <a16:creationId xmlns="" xmlns:a16="http://schemas.microsoft.com/office/drawing/2014/main" id="{CEF10C95-729C-4752-BB64-9253E0C96DB1}"/>
+                <a16:creationId xmlns:a16="http://schemas.microsoft.com/office/drawing/2014/main" xmlns="" id="{CEF10C95-729C-4752-BB64-9253E0C96DB1}"/>
               </a:ext>
             </a:extLst>
           </p:cNvPr>
@@ -1456,7 +1455,7 @@
           <p:cNvPr id="7" name="灯片编号占位符 6">
             <a:extLst>
               <a:ext uri="{FF2B5EF4-FFF2-40B4-BE49-F238E27FC236}">
-                <a16:creationId xmlns="" xmlns:a16="http://schemas.microsoft.com/office/drawing/2014/main" id="{FB1A13DA-44C7-4971-9F27-2997F6884BE1}"/>
+                <a16:creationId xmlns:a16="http://schemas.microsoft.com/office/drawing/2014/main" xmlns="" id="{FB1A13DA-44C7-4971-9F27-2997F6884BE1}"/>
               </a:ext>
             </a:extLst>
           </p:cNvPr>
@@ -1515,7 +1514,7 @@
           <p:cNvPr id="2" name="标题 1">
             <a:extLst>
               <a:ext uri="{FF2B5EF4-FFF2-40B4-BE49-F238E27FC236}">
-                <a16:creationId xmlns="" xmlns:a16="http://schemas.microsoft.com/office/drawing/2014/main" id="{6868D3C8-5E5B-424A-AC56-76FB7C6DD51F}"/>
+                <a16:creationId xmlns:a16="http://schemas.microsoft.com/office/drawing/2014/main" xmlns="" id="{6868D3C8-5E5B-424A-AC56-76FB7C6DD51F}"/>
               </a:ext>
             </a:extLst>
           </p:cNvPr>
@@ -1548,7 +1547,7 @@
           <p:cNvPr id="3" name="文本占位符 2">
             <a:extLst>
               <a:ext uri="{FF2B5EF4-FFF2-40B4-BE49-F238E27FC236}">
-                <a16:creationId xmlns="" xmlns:a16="http://schemas.microsoft.com/office/drawing/2014/main" id="{F91F123E-2953-435E-AA34-3F9C682B4B4A}"/>
+                <a16:creationId xmlns:a16="http://schemas.microsoft.com/office/drawing/2014/main" xmlns="" id="{F91F123E-2953-435E-AA34-3F9C682B4B4A}"/>
               </a:ext>
             </a:extLst>
           </p:cNvPr>
@@ -1619,7 +1618,7 @@
           <p:cNvPr id="4" name="内容占位符 3">
             <a:extLst>
               <a:ext uri="{FF2B5EF4-FFF2-40B4-BE49-F238E27FC236}">
-                <a16:creationId xmlns="" xmlns:a16="http://schemas.microsoft.com/office/drawing/2014/main" id="{EB8B9558-0A3B-4740-9FFD-8C3111AC63DF}"/>
+                <a16:creationId xmlns:a16="http://schemas.microsoft.com/office/drawing/2014/main" xmlns="" id="{EB8B9558-0A3B-4740-9FFD-8C3111AC63DF}"/>
               </a:ext>
             </a:extLst>
           </p:cNvPr>
@@ -1681,7 +1680,7 @@
           <p:cNvPr id="5" name="文本占位符 4">
             <a:extLst>
               <a:ext uri="{FF2B5EF4-FFF2-40B4-BE49-F238E27FC236}">
-                <a16:creationId xmlns="" xmlns:a16="http://schemas.microsoft.com/office/drawing/2014/main" id="{305E210D-C65A-49C2-9B10-222AF6745ADE}"/>
+                <a16:creationId xmlns:a16="http://schemas.microsoft.com/office/drawing/2014/main" xmlns="" id="{305E210D-C65A-49C2-9B10-222AF6745ADE}"/>
               </a:ext>
             </a:extLst>
           </p:cNvPr>
@@ -1752,7 +1751,7 @@
           <p:cNvPr id="6" name="内容占位符 5">
             <a:extLst>
               <a:ext uri="{FF2B5EF4-FFF2-40B4-BE49-F238E27FC236}">
-                <a16:creationId xmlns="" xmlns:a16="http://schemas.microsoft.com/office/drawing/2014/main" id="{1B2340FC-523E-4F56-964C-1E91A44555A6}"/>
+                <a16:creationId xmlns:a16="http://schemas.microsoft.com/office/drawing/2014/main" xmlns="" id="{1B2340FC-523E-4F56-964C-1E91A44555A6}"/>
               </a:ext>
             </a:extLst>
           </p:cNvPr>
@@ -1814,7 +1813,7 @@
           <p:cNvPr id="7" name="日期占位符 6">
             <a:extLst>
               <a:ext uri="{FF2B5EF4-FFF2-40B4-BE49-F238E27FC236}">
-                <a16:creationId xmlns="" xmlns:a16="http://schemas.microsoft.com/office/drawing/2014/main" id="{B3C6EF6A-886D-4487-AC84-036F1F80FE57}"/>
+                <a16:creationId xmlns:a16="http://schemas.microsoft.com/office/drawing/2014/main" xmlns="" id="{B3C6EF6A-886D-4487-AC84-036F1F80FE57}"/>
               </a:ext>
             </a:extLst>
           </p:cNvPr>
@@ -1832,7 +1831,7 @@
           <a:p>
             <a:fld id="{FE9404C0-6422-4143-92E6-4B46A6C8788E}" type="datetimeFigureOut">
               <a:rPr lang="zh-CN" altLang="en-US" smtClean="0"/>
-              <a:t>2020/2/8</a:t>
+              <a:t>2020/3/25</a:t>
             </a:fld>
             <a:endParaRPr lang="zh-CN" altLang="en-US"/>
           </a:p>
@@ -1843,7 +1842,7 @@
           <p:cNvPr id="8" name="页脚占位符 7">
             <a:extLst>
               <a:ext uri="{FF2B5EF4-FFF2-40B4-BE49-F238E27FC236}">
-                <a16:creationId xmlns="" xmlns:a16="http://schemas.microsoft.com/office/drawing/2014/main" id="{2E37B16E-AA13-4BC0-A477-F26B2FC7B8FA}"/>
+                <a16:creationId xmlns:a16="http://schemas.microsoft.com/office/drawing/2014/main" xmlns="" id="{2E37B16E-AA13-4BC0-A477-F26B2FC7B8FA}"/>
               </a:ext>
             </a:extLst>
           </p:cNvPr>
@@ -1868,7 +1867,7 @@
           <p:cNvPr id="9" name="灯片编号占位符 8">
             <a:extLst>
               <a:ext uri="{FF2B5EF4-FFF2-40B4-BE49-F238E27FC236}">
-                <a16:creationId xmlns="" xmlns:a16="http://schemas.microsoft.com/office/drawing/2014/main" id="{61F15F57-86B0-4C9A-B0B7-4DFFB2D1F7CD}"/>
+                <a16:creationId xmlns:a16="http://schemas.microsoft.com/office/drawing/2014/main" xmlns="" id="{61F15F57-86B0-4C9A-B0B7-4DFFB2D1F7CD}"/>
               </a:ext>
             </a:extLst>
           </p:cNvPr>
@@ -1927,7 +1926,7 @@
           <p:cNvPr id="2" name="标题 1">
             <a:extLst>
               <a:ext uri="{FF2B5EF4-FFF2-40B4-BE49-F238E27FC236}">
-                <a16:creationId xmlns="" xmlns:a16="http://schemas.microsoft.com/office/drawing/2014/main" id="{DFE21141-4D43-4F69-898B-56DAE666D721}"/>
+                <a16:creationId xmlns:a16="http://schemas.microsoft.com/office/drawing/2014/main" xmlns="" id="{DFE21141-4D43-4F69-898B-56DAE666D721}"/>
               </a:ext>
             </a:extLst>
           </p:cNvPr>
@@ -1955,7 +1954,7 @@
           <p:cNvPr id="3" name="日期占位符 2">
             <a:extLst>
               <a:ext uri="{FF2B5EF4-FFF2-40B4-BE49-F238E27FC236}">
-                <a16:creationId xmlns="" xmlns:a16="http://schemas.microsoft.com/office/drawing/2014/main" id="{BE56515A-3FE4-4173-A6FD-C4D76CC1EA35}"/>
+                <a16:creationId xmlns:a16="http://schemas.microsoft.com/office/drawing/2014/main" xmlns="" id="{BE56515A-3FE4-4173-A6FD-C4D76CC1EA35}"/>
               </a:ext>
             </a:extLst>
           </p:cNvPr>
@@ -1973,7 +1972,7 @@
           <a:p>
             <a:fld id="{FE9404C0-6422-4143-92E6-4B46A6C8788E}" type="datetimeFigureOut">
               <a:rPr lang="zh-CN" altLang="en-US" smtClean="0"/>
-              <a:t>2020/2/8</a:t>
+              <a:t>2020/3/25</a:t>
             </a:fld>
             <a:endParaRPr lang="zh-CN" altLang="en-US"/>
           </a:p>
@@ -1984,7 +1983,7 @@
           <p:cNvPr id="4" name="页脚占位符 3">
             <a:extLst>
               <a:ext uri="{FF2B5EF4-FFF2-40B4-BE49-F238E27FC236}">
-                <a16:creationId xmlns="" xmlns:a16="http://schemas.microsoft.com/office/drawing/2014/main" id="{EBBCE21E-C2BB-4C2E-A4FB-E38A9D5BF14D}"/>
+                <a16:creationId xmlns:a16="http://schemas.microsoft.com/office/drawing/2014/main" xmlns="" id="{EBBCE21E-C2BB-4C2E-A4FB-E38A9D5BF14D}"/>
               </a:ext>
             </a:extLst>
           </p:cNvPr>
@@ -2009,7 +2008,7 @@
           <p:cNvPr id="5" name="灯片编号占位符 4">
             <a:extLst>
               <a:ext uri="{FF2B5EF4-FFF2-40B4-BE49-F238E27FC236}">
-                <a16:creationId xmlns="" xmlns:a16="http://schemas.microsoft.com/office/drawing/2014/main" id="{01572B68-407E-4A3C-BE83-4C19532C9629}"/>
+                <a16:creationId xmlns:a16="http://schemas.microsoft.com/office/drawing/2014/main" xmlns="" id="{01572B68-407E-4A3C-BE83-4C19532C9629}"/>
               </a:ext>
             </a:extLst>
           </p:cNvPr>
@@ -2068,7 +2067,7 @@
           <p:cNvPr id="2" name="日期占位符 1">
             <a:extLst>
               <a:ext uri="{FF2B5EF4-FFF2-40B4-BE49-F238E27FC236}">
-                <a16:creationId xmlns="" xmlns:a16="http://schemas.microsoft.com/office/drawing/2014/main" id="{EC14194F-E53D-4B08-845F-494708D7D401}"/>
+                <a16:creationId xmlns:a16="http://schemas.microsoft.com/office/drawing/2014/main" xmlns="" id="{EC14194F-E53D-4B08-845F-494708D7D401}"/>
               </a:ext>
             </a:extLst>
           </p:cNvPr>
@@ -2086,7 +2085,7 @@
           <a:p>
             <a:fld id="{FE9404C0-6422-4143-92E6-4B46A6C8788E}" type="datetimeFigureOut">
               <a:rPr lang="zh-CN" altLang="en-US" smtClean="0"/>
-              <a:t>2020/2/8</a:t>
+              <a:t>2020/3/25</a:t>
             </a:fld>
             <a:endParaRPr lang="zh-CN" altLang="en-US"/>
           </a:p>
@@ -2097,7 +2096,7 @@
           <p:cNvPr id="3" name="页脚占位符 2">
             <a:extLst>
               <a:ext uri="{FF2B5EF4-FFF2-40B4-BE49-F238E27FC236}">
-                <a16:creationId xmlns="" xmlns:a16="http://schemas.microsoft.com/office/drawing/2014/main" id="{6C26F88D-C1B4-4D8A-843C-007AE72A927A}"/>
+                <a16:creationId xmlns:a16="http://schemas.microsoft.com/office/drawing/2014/main" xmlns="" id="{6C26F88D-C1B4-4D8A-843C-007AE72A927A}"/>
               </a:ext>
             </a:extLst>
           </p:cNvPr>
@@ -2122,7 +2121,7 @@
           <p:cNvPr id="4" name="灯片编号占位符 3">
             <a:extLst>
               <a:ext uri="{FF2B5EF4-FFF2-40B4-BE49-F238E27FC236}">
-                <a16:creationId xmlns="" xmlns:a16="http://schemas.microsoft.com/office/drawing/2014/main" id="{1F8FE571-AE21-4725-8D39-24445BE3F0FE}"/>
+                <a16:creationId xmlns:a16="http://schemas.microsoft.com/office/drawing/2014/main" xmlns="" id="{1F8FE571-AE21-4725-8D39-24445BE3F0FE}"/>
               </a:ext>
             </a:extLst>
           </p:cNvPr>
@@ -2181,7 +2180,7 @@
           <p:cNvPr id="2" name="标题 1">
             <a:extLst>
               <a:ext uri="{FF2B5EF4-FFF2-40B4-BE49-F238E27FC236}">
-                <a16:creationId xmlns="" xmlns:a16="http://schemas.microsoft.com/office/drawing/2014/main" id="{CBE1602A-71DE-4719-B625-C7550C38FC89}"/>
+                <a16:creationId xmlns:a16="http://schemas.microsoft.com/office/drawing/2014/main" xmlns="" id="{CBE1602A-71DE-4719-B625-C7550C38FC89}"/>
               </a:ext>
             </a:extLst>
           </p:cNvPr>
@@ -2218,7 +2217,7 @@
           <p:cNvPr id="3" name="内容占位符 2">
             <a:extLst>
               <a:ext uri="{FF2B5EF4-FFF2-40B4-BE49-F238E27FC236}">
-                <a16:creationId xmlns="" xmlns:a16="http://schemas.microsoft.com/office/drawing/2014/main" id="{7A21E57D-69DB-4975-9DB5-1F339F6F1E56}"/>
+                <a16:creationId xmlns:a16="http://schemas.microsoft.com/office/drawing/2014/main" xmlns="" id="{7A21E57D-69DB-4975-9DB5-1F339F6F1E56}"/>
               </a:ext>
             </a:extLst>
           </p:cNvPr>
@@ -2308,7 +2307,7 @@
           <p:cNvPr id="4" name="文本占位符 3">
             <a:extLst>
               <a:ext uri="{FF2B5EF4-FFF2-40B4-BE49-F238E27FC236}">
-                <a16:creationId xmlns="" xmlns:a16="http://schemas.microsoft.com/office/drawing/2014/main" id="{F4D60A58-CB58-4F59-BCD9-6671E938735C}"/>
+                <a16:creationId xmlns:a16="http://schemas.microsoft.com/office/drawing/2014/main" xmlns="" id="{F4D60A58-CB58-4F59-BCD9-6671E938735C}"/>
               </a:ext>
             </a:extLst>
           </p:cNvPr>
@@ -2379,7 +2378,7 @@
           <p:cNvPr id="5" name="日期占位符 4">
             <a:extLst>
               <a:ext uri="{FF2B5EF4-FFF2-40B4-BE49-F238E27FC236}">
-                <a16:creationId xmlns="" xmlns:a16="http://schemas.microsoft.com/office/drawing/2014/main" id="{BFB723FF-D988-4381-B02D-29B5F43F8D23}"/>
+                <a16:creationId xmlns:a16="http://schemas.microsoft.com/office/drawing/2014/main" xmlns="" id="{BFB723FF-D988-4381-B02D-29B5F43F8D23}"/>
               </a:ext>
             </a:extLst>
           </p:cNvPr>
@@ -2397,7 +2396,7 @@
           <a:p>
             <a:fld id="{FE9404C0-6422-4143-92E6-4B46A6C8788E}" type="datetimeFigureOut">
               <a:rPr lang="zh-CN" altLang="en-US" smtClean="0"/>
-              <a:t>2020/2/8</a:t>
+              <a:t>2020/3/25</a:t>
             </a:fld>
             <a:endParaRPr lang="zh-CN" altLang="en-US"/>
           </a:p>
@@ -2408,7 +2407,7 @@
           <p:cNvPr id="6" name="页脚占位符 5">
             <a:extLst>
               <a:ext uri="{FF2B5EF4-FFF2-40B4-BE49-F238E27FC236}">
-                <a16:creationId xmlns="" xmlns:a16="http://schemas.microsoft.com/office/drawing/2014/main" id="{B8927260-C16C-4FB9-9321-11332D42F294}"/>
+                <a16:creationId xmlns:a16="http://schemas.microsoft.com/office/drawing/2014/main" xmlns="" id="{B8927260-C16C-4FB9-9321-11332D42F294}"/>
               </a:ext>
             </a:extLst>
           </p:cNvPr>
@@ -2433,7 +2432,7 @@
           <p:cNvPr id="7" name="灯片编号占位符 6">
             <a:extLst>
               <a:ext uri="{FF2B5EF4-FFF2-40B4-BE49-F238E27FC236}">
-                <a16:creationId xmlns="" xmlns:a16="http://schemas.microsoft.com/office/drawing/2014/main" id="{953F6609-5F84-4FC0-A55D-77C2C02E1B83}"/>
+                <a16:creationId xmlns:a16="http://schemas.microsoft.com/office/drawing/2014/main" xmlns="" id="{953F6609-5F84-4FC0-A55D-77C2C02E1B83}"/>
               </a:ext>
             </a:extLst>
           </p:cNvPr>
@@ -2492,7 +2491,7 @@
           <p:cNvPr id="2" name="标题 1">
             <a:extLst>
               <a:ext uri="{FF2B5EF4-FFF2-40B4-BE49-F238E27FC236}">
-                <a16:creationId xmlns="" xmlns:a16="http://schemas.microsoft.com/office/drawing/2014/main" id="{3F9DC2B0-1A3D-4826-B97E-A36D84EC0A0B}"/>
+                <a16:creationId xmlns:a16="http://schemas.microsoft.com/office/drawing/2014/main" xmlns="" id="{3F9DC2B0-1A3D-4826-B97E-A36D84EC0A0B}"/>
               </a:ext>
             </a:extLst>
           </p:cNvPr>
@@ -2529,7 +2528,7 @@
           <p:cNvPr id="3" name="图片占位符 2">
             <a:extLst>
               <a:ext uri="{FF2B5EF4-FFF2-40B4-BE49-F238E27FC236}">
-                <a16:creationId xmlns="" xmlns:a16="http://schemas.microsoft.com/office/drawing/2014/main" id="{42595506-FED8-4622-AD25-0892FE73E1B4}"/>
+                <a16:creationId xmlns:a16="http://schemas.microsoft.com/office/drawing/2014/main" xmlns="" id="{42595506-FED8-4622-AD25-0892FE73E1B4}"/>
               </a:ext>
             </a:extLst>
           </p:cNvPr>
@@ -2596,7 +2595,7 @@
           <p:cNvPr id="4" name="文本占位符 3">
             <a:extLst>
               <a:ext uri="{FF2B5EF4-FFF2-40B4-BE49-F238E27FC236}">
-                <a16:creationId xmlns="" xmlns:a16="http://schemas.microsoft.com/office/drawing/2014/main" id="{1D52FD1D-627D-473E-B4F5-A91BBA3796F1}"/>
+                <a16:creationId xmlns:a16="http://schemas.microsoft.com/office/drawing/2014/main" xmlns="" id="{1D52FD1D-627D-473E-B4F5-A91BBA3796F1}"/>
               </a:ext>
             </a:extLst>
           </p:cNvPr>
@@ -2667,7 +2666,7 @@
           <p:cNvPr id="5" name="日期占位符 4">
             <a:extLst>
               <a:ext uri="{FF2B5EF4-FFF2-40B4-BE49-F238E27FC236}">
-                <a16:creationId xmlns="" xmlns:a16="http://schemas.microsoft.com/office/drawing/2014/main" id="{3E589BC8-7452-43F3-83A3-DE2061B39E18}"/>
+                <a16:creationId xmlns:a16="http://schemas.microsoft.com/office/drawing/2014/main" xmlns="" id="{3E589BC8-7452-43F3-83A3-DE2061B39E18}"/>
               </a:ext>
             </a:extLst>
           </p:cNvPr>
@@ -2685,7 +2684,7 @@
           <a:p>
             <a:fld id="{FE9404C0-6422-4143-92E6-4B46A6C8788E}" type="datetimeFigureOut">
               <a:rPr lang="zh-CN" altLang="en-US" smtClean="0"/>
-              <a:t>2020/2/8</a:t>
+              <a:t>2020/3/25</a:t>
             </a:fld>
             <a:endParaRPr lang="zh-CN" altLang="en-US"/>
           </a:p>
@@ -2696,7 +2695,7 @@
           <p:cNvPr id="6" name="页脚占位符 5">
             <a:extLst>
               <a:ext uri="{FF2B5EF4-FFF2-40B4-BE49-F238E27FC236}">
-                <a16:creationId xmlns="" xmlns:a16="http://schemas.microsoft.com/office/drawing/2014/main" id="{B89C746E-AB48-46AF-A73D-92B72A6A56E9}"/>
+                <a16:creationId xmlns:a16="http://schemas.microsoft.com/office/drawing/2014/main" xmlns="" id="{B89C746E-AB48-46AF-A73D-92B72A6A56E9}"/>
               </a:ext>
             </a:extLst>
           </p:cNvPr>
@@ -2721,7 +2720,7 @@
           <p:cNvPr id="7" name="灯片编号占位符 6">
             <a:extLst>
               <a:ext uri="{FF2B5EF4-FFF2-40B4-BE49-F238E27FC236}">
-                <a16:creationId xmlns="" xmlns:a16="http://schemas.microsoft.com/office/drawing/2014/main" id="{69B6AA15-8473-49D5-A100-9190E6595776}"/>
+                <a16:creationId xmlns:a16="http://schemas.microsoft.com/office/drawing/2014/main" xmlns="" id="{69B6AA15-8473-49D5-A100-9190E6595776}"/>
               </a:ext>
             </a:extLst>
           </p:cNvPr>
@@ -2785,7 +2784,7 @@
           <p:cNvPr id="2" name="标题占位符 1">
             <a:extLst>
               <a:ext uri="{FF2B5EF4-FFF2-40B4-BE49-F238E27FC236}">
-                <a16:creationId xmlns="" xmlns:a16="http://schemas.microsoft.com/office/drawing/2014/main" id="{285E51D1-EEFA-418C-8B3D-306F6701763E}"/>
+                <a16:creationId xmlns:a16="http://schemas.microsoft.com/office/drawing/2014/main" xmlns="" id="{285E51D1-EEFA-418C-8B3D-306F6701763E}"/>
               </a:ext>
             </a:extLst>
           </p:cNvPr>
@@ -2823,7 +2822,7 @@
           <p:cNvPr id="3" name="文本占位符 2">
             <a:extLst>
               <a:ext uri="{FF2B5EF4-FFF2-40B4-BE49-F238E27FC236}">
-                <a16:creationId xmlns="" xmlns:a16="http://schemas.microsoft.com/office/drawing/2014/main" id="{BF9105EC-85F7-4FA2-AEBC-CE1C2E273E9B}"/>
+                <a16:creationId xmlns:a16="http://schemas.microsoft.com/office/drawing/2014/main" xmlns="" id="{BF9105EC-85F7-4FA2-AEBC-CE1C2E273E9B}"/>
               </a:ext>
             </a:extLst>
           </p:cNvPr>
@@ -2890,7 +2889,7 @@
           <p:cNvPr id="4" name="日期占位符 3">
             <a:extLst>
               <a:ext uri="{FF2B5EF4-FFF2-40B4-BE49-F238E27FC236}">
-                <a16:creationId xmlns="" xmlns:a16="http://schemas.microsoft.com/office/drawing/2014/main" id="{F2E45660-D2CC-438F-B9FA-4ED36647759A}"/>
+                <a16:creationId xmlns:a16="http://schemas.microsoft.com/office/drawing/2014/main" xmlns="" id="{F2E45660-D2CC-438F-B9FA-4ED36647759A}"/>
               </a:ext>
             </a:extLst>
           </p:cNvPr>
@@ -2926,7 +2925,7 @@
           <a:p>
             <a:fld id="{FE9404C0-6422-4143-92E6-4B46A6C8788E}" type="datetimeFigureOut">
               <a:rPr lang="zh-CN" altLang="en-US" smtClean="0"/>
-              <a:t>2020/2/8</a:t>
+              <a:t>2020/3/25</a:t>
             </a:fld>
             <a:endParaRPr lang="zh-CN" altLang="en-US"/>
           </a:p>
@@ -2937,7 +2936,7 @@
           <p:cNvPr id="5" name="页脚占位符 4">
             <a:extLst>
               <a:ext uri="{FF2B5EF4-FFF2-40B4-BE49-F238E27FC236}">
-                <a16:creationId xmlns="" xmlns:a16="http://schemas.microsoft.com/office/drawing/2014/main" id="{325AAF16-3F79-4D7C-8A0E-8E25C1487BBE}"/>
+                <a16:creationId xmlns:a16="http://schemas.microsoft.com/office/drawing/2014/main" xmlns="" id="{325AAF16-3F79-4D7C-8A0E-8E25C1487BBE}"/>
               </a:ext>
             </a:extLst>
           </p:cNvPr>
@@ -2980,7 +2979,7 @@
           <p:cNvPr id="6" name="灯片编号占位符 5">
             <a:extLst>
               <a:ext uri="{FF2B5EF4-FFF2-40B4-BE49-F238E27FC236}">
-                <a16:creationId xmlns="" xmlns:a16="http://schemas.microsoft.com/office/drawing/2014/main" id="{6080BD9D-B02F-404E-AC07-1033FBD3E008}"/>
+                <a16:creationId xmlns:a16="http://schemas.microsoft.com/office/drawing/2014/main" xmlns="" id="{6080BD9D-B02F-404E-AC07-1033FBD3E008}"/>
               </a:ext>
             </a:extLst>
           </p:cNvPr>
@@ -3343,381 +3342,12 @@
           <a:chExt cx="0" cy="0"/>
         </a:xfrm>
       </p:grpSpPr>
-      <p:sp>
-        <p:nvSpPr>
-          <p:cNvPr id="4" name="任意多边形: 形状 3">
-            <a:extLst>
-              <a:ext uri="{FF2B5EF4-FFF2-40B4-BE49-F238E27FC236}">
-                <a16:creationId xmlns="" xmlns:a16="http://schemas.microsoft.com/office/drawing/2014/main" id="{B68C7CA2-F5FB-4D5E-98D2-2F131DC46222}"/>
-              </a:ext>
-            </a:extLst>
-          </p:cNvPr>
-          <p:cNvSpPr/>
-          <p:nvPr/>
-        </p:nvSpPr>
-        <p:spPr>
-          <a:xfrm>
-            <a:off x="1554480" y="1923840"/>
-            <a:ext cx="10162903" cy="2372257"/>
-          </a:xfrm>
-          <a:custGeom>
-            <a:avLst/>
-            <a:gdLst>
-              <a:gd name="connsiteX0" fmla="*/ 0 w 10162903"/>
-              <a:gd name="connsiteY0" fmla="*/ 1668446 h 2372257"/>
-              <a:gd name="connsiteX1" fmla="*/ 1776549 w 10162903"/>
-              <a:gd name="connsiteY1" fmla="*/ 9463 h 2372257"/>
-              <a:gd name="connsiteX2" fmla="*/ 8321040 w 10162903"/>
-              <a:gd name="connsiteY2" fmla="*/ 2334651 h 2372257"/>
-              <a:gd name="connsiteX3" fmla="*/ 10162903 w 10162903"/>
-              <a:gd name="connsiteY3" fmla="*/ 1550880 h 2372257"/>
-            </a:gdLst>
-            <a:ahLst/>
-            <a:cxnLst>
-              <a:cxn ang="0">
-                <a:pos x="connsiteX0" y="connsiteY0"/>
-              </a:cxn>
-              <a:cxn ang="0">
-                <a:pos x="connsiteX1" y="connsiteY1"/>
-              </a:cxn>
-              <a:cxn ang="0">
-                <a:pos x="connsiteX2" y="connsiteY2"/>
-              </a:cxn>
-              <a:cxn ang="0">
-                <a:pos x="connsiteX3" y="connsiteY3"/>
-              </a:cxn>
-            </a:cxnLst>
-            <a:rect l="l" t="t" r="r" b="b"/>
-            <a:pathLst>
-              <a:path w="10162903" h="2372257">
-                <a:moveTo>
-                  <a:pt x="0" y="1668446"/>
-                </a:moveTo>
-                <a:cubicBezTo>
-                  <a:pt x="194854" y="783437"/>
-                  <a:pt x="389709" y="-101571"/>
-                  <a:pt x="1776549" y="9463"/>
-                </a:cubicBezTo>
-                <a:cubicBezTo>
-                  <a:pt x="3163389" y="120497"/>
-                  <a:pt x="6923314" y="2077748"/>
-                  <a:pt x="8321040" y="2334651"/>
-                </a:cubicBezTo>
-                <a:cubicBezTo>
-                  <a:pt x="9718766" y="2591554"/>
-                  <a:pt x="9862457" y="1444200"/>
-                  <a:pt x="10162903" y="1550880"/>
-                </a:cubicBezTo>
-              </a:path>
-            </a:pathLst>
-          </a:custGeom>
-          <a:ln w="76200"/>
-        </p:spPr>
-        <p:style>
-          <a:lnRef idx="1">
-            <a:schemeClr val="dk1"/>
-          </a:lnRef>
-          <a:fillRef idx="0">
-            <a:schemeClr val="dk1"/>
-          </a:fillRef>
-          <a:effectRef idx="0">
-            <a:schemeClr val="dk1"/>
-          </a:effectRef>
-          <a:fontRef idx="minor">
-            <a:schemeClr val="tx1"/>
-          </a:fontRef>
-        </p:style>
-        <p:txBody>
-          <a:bodyPr rtlCol="0" anchor="ctr"/>
-          <a:lstStyle/>
-          <a:p>
-            <a:pPr algn="ctr"/>
-            <a:endParaRPr lang="zh-CN" altLang="en-US"/>
-          </a:p>
-        </p:txBody>
-      </p:sp>
-      <p:sp>
-        <p:nvSpPr>
-          <p:cNvPr id="5" name="任意多边形: 形状 4">
-            <a:extLst>
-              <a:ext uri="{FF2B5EF4-FFF2-40B4-BE49-F238E27FC236}">
-                <a16:creationId xmlns="" xmlns:a16="http://schemas.microsoft.com/office/drawing/2014/main" id="{EA56805F-E40A-4A7C-989D-61FEF21E2EB7}"/>
-              </a:ext>
-            </a:extLst>
-          </p:cNvPr>
-          <p:cNvSpPr/>
-          <p:nvPr/>
-        </p:nvSpPr>
-        <p:spPr>
-          <a:xfrm>
-            <a:off x="253828" y="1983838"/>
-            <a:ext cx="1326778" cy="3154709"/>
-          </a:xfrm>
-          <a:custGeom>
-            <a:avLst/>
-            <a:gdLst>
-              <a:gd name="connsiteX0" fmla="*/ 1326778 w 1326778"/>
-              <a:gd name="connsiteY0" fmla="*/ 1543133 h 3154709"/>
-              <a:gd name="connsiteX1" fmla="*/ 987143 w 1326778"/>
-              <a:gd name="connsiteY1" fmla="*/ 3110676 h 3154709"/>
-              <a:gd name="connsiteX2" fmla="*/ 72743 w 1326778"/>
-              <a:gd name="connsiteY2" fmla="*/ 1716 h 3154709"/>
-            </a:gdLst>
-            <a:ahLst/>
-            <a:cxnLst>
-              <a:cxn ang="0">
-                <a:pos x="connsiteX0" y="connsiteY0"/>
-              </a:cxn>
-              <a:cxn ang="0">
-                <a:pos x="connsiteX1" y="connsiteY1"/>
-              </a:cxn>
-              <a:cxn ang="0">
-                <a:pos x="connsiteX2" y="connsiteY2"/>
-              </a:cxn>
-            </a:cxnLst>
-            <a:rect l="l" t="t" r="r" b="b"/>
-            <a:pathLst>
-              <a:path w="1326778" h="3154709">
-                <a:moveTo>
-                  <a:pt x="1326778" y="1543133"/>
-                </a:moveTo>
-                <a:cubicBezTo>
-                  <a:pt x="1261463" y="2455356"/>
-                  <a:pt x="1196149" y="3367579"/>
-                  <a:pt x="987143" y="3110676"/>
-                </a:cubicBezTo>
-                <a:cubicBezTo>
-                  <a:pt x="778137" y="2853773"/>
-                  <a:pt x="-284308" y="-81015"/>
-                  <a:pt x="72743" y="1716"/>
-                </a:cubicBezTo>
-              </a:path>
-            </a:pathLst>
-          </a:custGeom>
-          <a:ln w="76200"/>
-        </p:spPr>
-        <p:style>
-          <a:lnRef idx="1">
-            <a:schemeClr val="dk1"/>
-          </a:lnRef>
-          <a:fillRef idx="0">
-            <a:schemeClr val="dk1"/>
-          </a:fillRef>
-          <a:effectRef idx="0">
-            <a:schemeClr val="dk1"/>
-          </a:effectRef>
-          <a:fontRef idx="minor">
-            <a:schemeClr val="tx1"/>
-          </a:fontRef>
-        </p:style>
-        <p:txBody>
-          <a:bodyPr rtlCol="0" anchor="ctr"/>
-          <a:lstStyle/>
-          <a:p>
-            <a:pPr algn="ctr"/>
-            <a:endParaRPr lang="zh-CN" altLang="en-US"/>
-          </a:p>
-        </p:txBody>
-      </p:sp>
-      <p:pic>
-        <p:nvPicPr>
-          <p:cNvPr id="6" name="图片 5">
-            <a:extLst>
-              <a:ext uri="{FF2B5EF4-FFF2-40B4-BE49-F238E27FC236}">
-                <a16:creationId xmlns="" xmlns:a16="http://schemas.microsoft.com/office/drawing/2014/main" id="{FA8855FF-D431-4B95-B7E7-B2F77CD7751C}"/>
-              </a:ext>
-            </a:extLst>
-          </p:cNvPr>
-          <p:cNvPicPr>
-            <a:picLocks noChangeAspect="1"/>
-          </p:cNvPicPr>
-          <p:nvPr/>
-        </p:nvPicPr>
-        <p:blipFill>
-          <a:blip r:embed="rId2" cstate="print">
-            <a:extLst>
-              <a:ext uri="{28A0092B-C50C-407E-A947-70E740481C1C}">
-                <a14:useLocalDpi xmlns:a14="http://schemas.microsoft.com/office/drawing/2010/main" val="0"/>
-              </a:ext>
-            </a:extLst>
-          </a:blip>
-          <a:stretch>
-            <a:fillRect/>
-          </a:stretch>
-        </p:blipFill>
-        <p:spPr>
-          <a:xfrm>
-            <a:off x="2320127" y="1257248"/>
-            <a:ext cx="1174511" cy="940526"/>
-          </a:xfrm>
-          <a:prstGeom prst="rect">
-            <a:avLst/>
-          </a:prstGeom>
-        </p:spPr>
-      </p:pic>
-      <p:sp>
-        <p:nvSpPr>
-          <p:cNvPr id="9" name="文本框 8">
-            <a:extLst>
-              <a:ext uri="{FF2B5EF4-FFF2-40B4-BE49-F238E27FC236}">
-                <a16:creationId xmlns="" xmlns:a16="http://schemas.microsoft.com/office/drawing/2014/main" id="{6EC0CA4F-5364-490A-97CA-FDC7EC0DAA84}"/>
-              </a:ext>
-            </a:extLst>
-          </p:cNvPr>
-          <p:cNvSpPr txBox="1"/>
-          <p:nvPr/>
-        </p:nvSpPr>
-        <p:spPr>
-          <a:xfrm>
-            <a:off x="3494638" y="1191774"/>
-            <a:ext cx="1463040" cy="584775"/>
-          </a:xfrm>
-          <a:prstGeom prst="rect">
-            <a:avLst/>
-          </a:prstGeom>
-          <a:noFill/>
-        </p:spPr>
-        <p:txBody>
-          <a:bodyPr wrap="square" rtlCol="0">
-            <a:spAutoFit/>
-          </a:bodyPr>
-          <a:lstStyle/>
-          <a:p>
-            <a:r>
-              <a:rPr lang="zh-CN" altLang="en-US" sz="3200" dirty="0"/>
-              <a:t>起始点</a:t>
-            </a:r>
-          </a:p>
-        </p:txBody>
-      </p:sp>
-      <p:sp>
-        <p:nvSpPr>
-          <p:cNvPr id="13" name="箭头: 右 12">
-            <a:extLst>
-              <a:ext uri="{FF2B5EF4-FFF2-40B4-BE49-F238E27FC236}">
-                <a16:creationId xmlns="" xmlns:a16="http://schemas.microsoft.com/office/drawing/2014/main" id="{AF474B8D-06B4-4B26-839F-6C26CE3BD55E}"/>
-              </a:ext>
-            </a:extLst>
-          </p:cNvPr>
-          <p:cNvSpPr/>
-          <p:nvPr/>
-        </p:nvSpPr>
-        <p:spPr>
-          <a:xfrm>
-            <a:off x="3135086" y="363809"/>
-            <a:ext cx="496388" cy="584775"/>
-          </a:xfrm>
-          <a:prstGeom prst="rightArrow">
-            <a:avLst/>
-          </a:prstGeom>
-        </p:spPr>
-        <p:style>
-          <a:lnRef idx="2">
-            <a:schemeClr val="accent3">
-              <a:shade val="50000"/>
-            </a:schemeClr>
-          </a:lnRef>
-          <a:fillRef idx="1">
-            <a:schemeClr val="accent3"/>
-          </a:fillRef>
-          <a:effectRef idx="0">
-            <a:schemeClr val="accent3"/>
-          </a:effectRef>
-          <a:fontRef idx="minor">
-            <a:schemeClr val="lt1"/>
-          </a:fontRef>
-        </p:style>
-        <p:txBody>
-          <a:bodyPr rtlCol="0" anchor="ctr"/>
-          <a:lstStyle/>
-          <a:p>
-            <a:pPr algn="ctr"/>
-            <a:endParaRPr lang="zh-CN" altLang="en-US"/>
-          </a:p>
-        </p:txBody>
-      </p:sp>
-      <p:sp>
-        <p:nvSpPr>
-          <p:cNvPr id="14" name="箭头: 右 13">
-            <a:extLst>
-              <a:ext uri="{FF2B5EF4-FFF2-40B4-BE49-F238E27FC236}">
-                <a16:creationId xmlns="" xmlns:a16="http://schemas.microsoft.com/office/drawing/2014/main" id="{B9560A83-9C0F-4499-9A64-CF370D471BE8}"/>
-              </a:ext>
-            </a:extLst>
-          </p:cNvPr>
-          <p:cNvSpPr/>
-          <p:nvPr/>
-        </p:nvSpPr>
-        <p:spPr>
-          <a:xfrm rot="10800000">
-            <a:off x="2320127" y="363809"/>
-            <a:ext cx="496388" cy="584775"/>
-          </a:xfrm>
-          <a:prstGeom prst="rightArrow">
-            <a:avLst/>
-          </a:prstGeom>
-        </p:spPr>
-        <p:style>
-          <a:lnRef idx="2">
-            <a:schemeClr val="accent1">
-              <a:shade val="50000"/>
-            </a:schemeClr>
-          </a:lnRef>
-          <a:fillRef idx="1">
-            <a:schemeClr val="accent1"/>
-          </a:fillRef>
-          <a:effectRef idx="0">
-            <a:schemeClr val="accent1"/>
-          </a:effectRef>
-          <a:fontRef idx="minor">
-            <a:schemeClr val="lt1"/>
-          </a:fontRef>
-        </p:style>
-        <p:txBody>
-          <a:bodyPr rtlCol="0" anchor="ctr"/>
-          <a:lstStyle/>
-          <a:p>
-            <a:pPr algn="ctr"/>
-            <a:endParaRPr lang="zh-CN" altLang="en-US"/>
-          </a:p>
-        </p:txBody>
-      </p:sp>
-    </p:spTree>
-    <p:extLst>
-      <p:ext uri="{BB962C8B-B14F-4D97-AF65-F5344CB8AC3E}">
-        <p14:creationId xmlns:p14="http://schemas.microsoft.com/office/powerpoint/2010/main" val="961986050"/>
-      </p:ext>
-    </p:extLst>
-  </p:cSld>
-  <p:clrMapOvr>
-    <a:masterClrMapping/>
-  </p:clrMapOvr>
-</p:sld>
-</file>
-
-<file path=ppt/slides/slide2.xml><?xml version="1.0" encoding="utf-8"?>
-<p:sld xmlns:a="http://schemas.openxmlformats.org/drawingml/2006/main" xmlns:r="http://schemas.openxmlformats.org/officeDocument/2006/relationships" xmlns:p="http://schemas.openxmlformats.org/presentationml/2006/main">
-  <p:cSld>
-    <p:spTree>
-      <p:nvGrpSpPr>
-        <p:cNvPr id="1" name=""/>
-        <p:cNvGrpSpPr/>
-        <p:nvPr/>
-      </p:nvGrpSpPr>
-      <p:grpSpPr>
-        <a:xfrm>
-          <a:off x="0" y="0"/>
-          <a:ext cx="0" cy="0"/>
-          <a:chOff x="0" y="0"/>
-          <a:chExt cx="0" cy="0"/>
-        </a:xfrm>
-      </p:grpSpPr>
       <p:grpSp>
         <p:nvGrpSpPr>
           <p:cNvPr id="3" name="组合 2">
             <a:extLst>
               <a:ext uri="{FF2B5EF4-FFF2-40B4-BE49-F238E27FC236}">
-                <a16:creationId xmlns="" xmlns:a16="http://schemas.microsoft.com/office/drawing/2014/main" id="{6C50AD19-3358-49A6-8E5D-6A7D67AE6929}"/>
+                <a16:creationId xmlns:a16="http://schemas.microsoft.com/office/drawing/2014/main" xmlns="" id="{6C50AD19-3358-49A6-8E5D-6A7D67AE6929}"/>
               </a:ext>
             </a:extLst>
           </p:cNvPr>
@@ -3737,7 +3367,7 @@
             <p:cNvPr id="2" name="椭圆 1">
               <a:extLst>
                 <a:ext uri="{FF2B5EF4-FFF2-40B4-BE49-F238E27FC236}">
-                  <a16:creationId xmlns="" xmlns:a16="http://schemas.microsoft.com/office/drawing/2014/main" id="{217E5972-C706-41B8-AFB2-9DFAAB608F74}"/>
+                  <a16:creationId xmlns:a16="http://schemas.microsoft.com/office/drawing/2014/main" xmlns="" id="{217E5972-C706-41B8-AFB2-9DFAAB608F74}"/>
                 </a:ext>
               </a:extLst>
             </p:cNvPr>
@@ -3782,7 +3412,7 @@
             <p:cNvPr id="7" name="直接连接符 6">
               <a:extLst>
                 <a:ext uri="{FF2B5EF4-FFF2-40B4-BE49-F238E27FC236}">
-                  <a16:creationId xmlns="" xmlns:a16="http://schemas.microsoft.com/office/drawing/2014/main" id="{241E5242-67E0-41F4-92A7-1A5ACF3DF1D5}"/>
+                  <a16:creationId xmlns:a16="http://schemas.microsoft.com/office/drawing/2014/main" xmlns="" id="{241E5242-67E0-41F4-92A7-1A5ACF3DF1D5}"/>
                 </a:ext>
               </a:extLst>
             </p:cNvPr>
@@ -3823,7 +3453,7 @@
             <p:cNvPr id="10" name="直接箭头连接符 9">
               <a:extLst>
                 <a:ext uri="{FF2B5EF4-FFF2-40B4-BE49-F238E27FC236}">
-                  <a16:creationId xmlns="" xmlns:a16="http://schemas.microsoft.com/office/drawing/2014/main" id="{763F12BA-4D3E-471A-8222-93097C54E4D0}"/>
+                  <a16:creationId xmlns:a16="http://schemas.microsoft.com/office/drawing/2014/main" xmlns="" id="{763F12BA-4D3E-471A-8222-93097C54E4D0}"/>
                 </a:ext>
               </a:extLst>
             </p:cNvPr>
@@ -3862,7 +3492,7 @@
             <p:cNvPr id="12" name="直接箭头连接符 11">
               <a:extLst>
                 <a:ext uri="{FF2B5EF4-FFF2-40B4-BE49-F238E27FC236}">
-                  <a16:creationId xmlns="" xmlns:a16="http://schemas.microsoft.com/office/drawing/2014/main" id="{EC5E7836-B9CB-4221-9891-2156423A6927}"/>
+                  <a16:creationId xmlns:a16="http://schemas.microsoft.com/office/drawing/2014/main" xmlns="" id="{EC5E7836-B9CB-4221-9891-2156423A6927}"/>
                 </a:ext>
               </a:extLst>
             </p:cNvPr>
@@ -3905,7 +3535,7 @@
                 <p:cNvPr id="16" name="文本框 15">
                   <a:extLst>
                     <a:ext uri="{FF2B5EF4-FFF2-40B4-BE49-F238E27FC236}">
-                      <a16:creationId xmlns="" xmlns:a16="http://schemas.microsoft.com/office/drawing/2014/main" id="{1574E065-AC3C-46D1-9CCB-43BBA9A85B3E}"/>
+                      <a16:creationId xmlns:a16="http://schemas.microsoft.com/office/drawing/2014/main" xmlns="" id="{1574E065-AC3C-46D1-9CCB-43BBA9A85B3E}"/>
                     </a:ext>
                   </a:extLst>
                 </p:cNvPr>
@@ -4031,7 +3661,7 @@
                 <p:cNvPr id="17" name="文本框 16">
                   <a:extLst>
                     <a:ext uri="{FF2B5EF4-FFF2-40B4-BE49-F238E27FC236}">
-                      <a16:creationId xmlns="" xmlns:a16="http://schemas.microsoft.com/office/drawing/2014/main" id="{DE16A630-73AA-4BF2-9863-BFAC6B4D6458}"/>
+                      <a16:creationId xmlns:a16="http://schemas.microsoft.com/office/drawing/2014/main" xmlns="" id="{DE16A630-73AA-4BF2-9863-BFAC6B4D6458}"/>
                     </a:ext>
                   </a:extLst>
                 </p:cNvPr>
@@ -4162,7 +3792,7 @@
 </p:sld>
 </file>
 
-<file path=ppt/slides/slide3.xml><?xml version="1.0" encoding="utf-8"?>
+<file path=ppt/slides/slide2.xml><?xml version="1.0" encoding="utf-8"?>
 <p:sld xmlns:a="http://schemas.openxmlformats.org/drawingml/2006/main" xmlns:r="http://schemas.openxmlformats.org/officeDocument/2006/relationships" xmlns:p="http://schemas.openxmlformats.org/presentationml/2006/main">
   <p:cSld>
     <p:spTree>
@@ -4184,7 +3814,7 @@
           <p:cNvPr id="27" name="组合 26">
             <a:extLst>
               <a:ext uri="{FF2B5EF4-FFF2-40B4-BE49-F238E27FC236}">
-                <a16:creationId xmlns="" xmlns:a16="http://schemas.microsoft.com/office/drawing/2014/main" id="{435342C9-D8D0-4A0E-86A1-E177C85B967A}"/>
+                <a16:creationId xmlns:a16="http://schemas.microsoft.com/office/drawing/2014/main" xmlns="" id="{435342C9-D8D0-4A0E-86A1-E177C85B967A}"/>
               </a:ext>
             </a:extLst>
           </p:cNvPr>
@@ -4204,7 +3834,7 @@
             <p:cNvPr id="2" name="组合 1">
               <a:extLst>
                 <a:ext uri="{FF2B5EF4-FFF2-40B4-BE49-F238E27FC236}">
-                  <a16:creationId xmlns="" xmlns:a16="http://schemas.microsoft.com/office/drawing/2014/main" id="{99C8280D-1152-407C-A9D6-7849E32201B4}"/>
+                  <a16:creationId xmlns:a16="http://schemas.microsoft.com/office/drawing/2014/main" xmlns="" id="{99C8280D-1152-407C-A9D6-7849E32201B4}"/>
                 </a:ext>
               </a:extLst>
             </p:cNvPr>
@@ -4224,7 +3854,7 @@
               <p:cNvPr id="7" name="直接连接符 6">
                 <a:extLst>
                   <a:ext uri="{FF2B5EF4-FFF2-40B4-BE49-F238E27FC236}">
-                    <a16:creationId xmlns="" xmlns:a16="http://schemas.microsoft.com/office/drawing/2014/main" id="{241E5242-67E0-41F4-92A7-1A5ACF3DF1D5}"/>
+                    <a16:creationId xmlns:a16="http://schemas.microsoft.com/office/drawing/2014/main" xmlns="" id="{241E5242-67E0-41F4-92A7-1A5ACF3DF1D5}"/>
                   </a:ext>
                 </a:extLst>
               </p:cNvPr>
@@ -4267,7 +3897,7 @@
                   <p:cNvPr id="17" name="文本框 16">
                     <a:extLst>
                       <a:ext uri="{FF2B5EF4-FFF2-40B4-BE49-F238E27FC236}">
-                        <a16:creationId xmlns="" xmlns:a16="http://schemas.microsoft.com/office/drawing/2014/main" id="{DE16A630-73AA-4BF2-9863-BFAC6B4D6458}"/>
+                        <a16:creationId xmlns:a16="http://schemas.microsoft.com/office/drawing/2014/main" xmlns="" id="{DE16A630-73AA-4BF2-9863-BFAC6B4D6458}"/>
                       </a:ext>
                     </a:extLst>
                   </p:cNvPr>
@@ -4370,7 +4000,7 @@
               <p:cNvPr id="3" name="矩形 2">
                 <a:extLst>
                   <a:ext uri="{FF2B5EF4-FFF2-40B4-BE49-F238E27FC236}">
-                    <a16:creationId xmlns="" xmlns:a16="http://schemas.microsoft.com/office/drawing/2014/main" id="{568B263D-91A5-435B-A0AF-C3F4A650D301}"/>
+                    <a16:creationId xmlns:a16="http://schemas.microsoft.com/office/drawing/2014/main" xmlns="" id="{568B263D-91A5-435B-A0AF-C3F4A650D301}"/>
                   </a:ext>
                 </a:extLst>
               </p:cNvPr>
@@ -4419,7 +4049,7 @@
               <p:cNvPr id="12" name="直接箭头连接符 11">
                 <a:extLst>
                   <a:ext uri="{FF2B5EF4-FFF2-40B4-BE49-F238E27FC236}">
-                    <a16:creationId xmlns="" xmlns:a16="http://schemas.microsoft.com/office/drawing/2014/main" id="{EC5E7836-B9CB-4221-9891-2156423A6927}"/>
+                    <a16:creationId xmlns:a16="http://schemas.microsoft.com/office/drawing/2014/main" xmlns="" id="{EC5E7836-B9CB-4221-9891-2156423A6927}"/>
                   </a:ext>
                 </a:extLst>
               </p:cNvPr>
@@ -4460,7 +4090,7 @@
               <p:cNvPr id="10" name="直接箭头连接符 9">
                 <a:extLst>
                   <a:ext uri="{FF2B5EF4-FFF2-40B4-BE49-F238E27FC236}">
-                    <a16:creationId xmlns="" xmlns:a16="http://schemas.microsoft.com/office/drawing/2014/main" id="{763F12BA-4D3E-471A-8222-93097C54E4D0}"/>
+                    <a16:creationId xmlns:a16="http://schemas.microsoft.com/office/drawing/2014/main" xmlns="" id="{763F12BA-4D3E-471A-8222-93097C54E4D0}"/>
                   </a:ext>
                 </a:extLst>
               </p:cNvPr>
@@ -4503,7 +4133,7 @@
                   <p:cNvPr id="11" name="文本框 10">
                     <a:extLst>
                       <a:ext uri="{FF2B5EF4-FFF2-40B4-BE49-F238E27FC236}">
-                        <a16:creationId xmlns="" xmlns:a16="http://schemas.microsoft.com/office/drawing/2014/main" id="{707C873B-ED95-4D94-99F4-3401AE61E8E2}"/>
+                        <a16:creationId xmlns:a16="http://schemas.microsoft.com/office/drawing/2014/main" xmlns="" id="{707C873B-ED95-4D94-99F4-3401AE61E8E2}"/>
                       </a:ext>
                     </a:extLst>
                   </p:cNvPr>
@@ -4628,7 +4258,7 @@
             <p:cNvPr id="6" name="组合 5">
               <a:extLst>
                 <a:ext uri="{FF2B5EF4-FFF2-40B4-BE49-F238E27FC236}">
-                  <a16:creationId xmlns="" xmlns:a16="http://schemas.microsoft.com/office/drawing/2014/main" id="{6741912A-55B7-4A92-97DB-9F7EAD07C83B}"/>
+                  <a16:creationId xmlns:a16="http://schemas.microsoft.com/office/drawing/2014/main" xmlns="" id="{6741912A-55B7-4A92-97DB-9F7EAD07C83B}"/>
                 </a:ext>
               </a:extLst>
             </p:cNvPr>
@@ -4650,7 +4280,7 @@
                   <p:cNvPr id="23" name="文本框 22">
                     <a:extLst>
                       <a:ext uri="{FF2B5EF4-FFF2-40B4-BE49-F238E27FC236}">
-                        <a16:creationId xmlns="" xmlns:a16="http://schemas.microsoft.com/office/drawing/2014/main" id="{31694926-FE40-4406-8B7D-AB1016F5BEF7}"/>
+                        <a16:creationId xmlns:a16="http://schemas.microsoft.com/office/drawing/2014/main" xmlns="" id="{31694926-FE40-4406-8B7D-AB1016F5BEF7}"/>
                       </a:ext>
                     </a:extLst>
                   </p:cNvPr>
@@ -4774,7 +4404,7 @@
               <p:cNvPr id="13" name="组合 12">
                 <a:extLst>
                   <a:ext uri="{FF2B5EF4-FFF2-40B4-BE49-F238E27FC236}">
-                    <a16:creationId xmlns="" xmlns:a16="http://schemas.microsoft.com/office/drawing/2014/main" id="{CBFF6074-9BD4-4077-9C2E-48AA39D2ABD5}"/>
+                    <a16:creationId xmlns:a16="http://schemas.microsoft.com/office/drawing/2014/main" xmlns="" id="{CBFF6074-9BD4-4077-9C2E-48AA39D2ABD5}"/>
                   </a:ext>
                 </a:extLst>
               </p:cNvPr>
@@ -4794,7 +4424,7 @@
                 <p:cNvPr id="14" name="椭圆 13">
                   <a:extLst>
                     <a:ext uri="{FF2B5EF4-FFF2-40B4-BE49-F238E27FC236}">
-                      <a16:creationId xmlns="" xmlns:a16="http://schemas.microsoft.com/office/drawing/2014/main" id="{745CFD7A-F788-4051-9BD4-1E5490771D5F}"/>
+                      <a16:creationId xmlns:a16="http://schemas.microsoft.com/office/drawing/2014/main" xmlns="" id="{745CFD7A-F788-4051-9BD4-1E5490771D5F}"/>
                     </a:ext>
                   </a:extLst>
                 </p:cNvPr>
@@ -4839,7 +4469,7 @@
                 <p:cNvPr id="18" name="直接连接符 17">
                   <a:extLst>
                     <a:ext uri="{FF2B5EF4-FFF2-40B4-BE49-F238E27FC236}">
-                      <a16:creationId xmlns="" xmlns:a16="http://schemas.microsoft.com/office/drawing/2014/main" id="{A0195542-3858-41D5-9526-4617D8AB1CBB}"/>
+                      <a16:creationId xmlns:a16="http://schemas.microsoft.com/office/drawing/2014/main" xmlns="" id="{A0195542-3858-41D5-9526-4617D8AB1CBB}"/>
                     </a:ext>
                   </a:extLst>
                 </p:cNvPr>
@@ -4880,7 +4510,7 @@
                 <p:cNvPr id="19" name="直接箭头连接符 18">
                   <a:extLst>
                     <a:ext uri="{FF2B5EF4-FFF2-40B4-BE49-F238E27FC236}">
-                      <a16:creationId xmlns="" xmlns:a16="http://schemas.microsoft.com/office/drawing/2014/main" id="{C08EB1D5-BB7D-4FA4-B0ED-AC43134C833C}"/>
+                      <a16:creationId xmlns:a16="http://schemas.microsoft.com/office/drawing/2014/main" xmlns="" id="{C08EB1D5-BB7D-4FA4-B0ED-AC43134C833C}"/>
                     </a:ext>
                   </a:extLst>
                 </p:cNvPr>
@@ -4919,7 +4549,7 @@
                 <p:cNvPr id="20" name="直接箭头连接符 19">
                   <a:extLst>
                     <a:ext uri="{FF2B5EF4-FFF2-40B4-BE49-F238E27FC236}">
-                      <a16:creationId xmlns="" xmlns:a16="http://schemas.microsoft.com/office/drawing/2014/main" id="{5CF00446-AAE6-4A72-9467-9D788E79782F}"/>
+                      <a16:creationId xmlns:a16="http://schemas.microsoft.com/office/drawing/2014/main" xmlns="" id="{5CF00446-AAE6-4A72-9467-9D788E79782F}"/>
                     </a:ext>
                   </a:extLst>
                 </p:cNvPr>
@@ -4963,7 +4593,7 @@
             <p:cNvPr id="25" name="文本框 24">
               <a:extLst>
                 <a:ext uri="{FF2B5EF4-FFF2-40B4-BE49-F238E27FC236}">
-                  <a16:creationId xmlns="" xmlns:a16="http://schemas.microsoft.com/office/drawing/2014/main" id="{A1E7BCAF-4C6E-4C3B-8FDA-8FE6BE42631C}"/>
+                  <a16:creationId xmlns:a16="http://schemas.microsoft.com/office/drawing/2014/main" xmlns="" id="{A1E7BCAF-4C6E-4C3B-8FDA-8FE6BE42631C}"/>
                 </a:ext>
               </a:extLst>
             </p:cNvPr>
@@ -4999,7 +4629,7 @@
             <p:cNvPr id="26" name="文本框 25">
               <a:extLst>
                 <a:ext uri="{FF2B5EF4-FFF2-40B4-BE49-F238E27FC236}">
-                  <a16:creationId xmlns="" xmlns:a16="http://schemas.microsoft.com/office/drawing/2014/main" id="{2CAC448A-8802-4A11-9E48-EB172DD9A8EF}"/>
+                  <a16:creationId xmlns:a16="http://schemas.microsoft.com/office/drawing/2014/main" xmlns="" id="{2CAC448A-8802-4A11-9E48-EB172DD9A8EF}"/>
                 </a:ext>
               </a:extLst>
             </p:cNvPr>
@@ -5038,7 +4668,7 @@
               <p:cNvPr id="22" name="文本框 16">
                 <a:extLst>
                   <a:ext uri="{FF2B5EF4-FFF2-40B4-BE49-F238E27FC236}">
-                    <a16:creationId xmlns="" xmlns:a16="http://schemas.microsoft.com/office/drawing/2014/main" id="{DE16A630-73AA-4BF2-9863-BFAC6B4D6458}"/>
+                    <a16:creationId xmlns:a16="http://schemas.microsoft.com/office/drawing/2014/main" xmlns="" id="{DE16A630-73AA-4BF2-9863-BFAC6B4D6458}"/>
                   </a:ext>
                 </a:extLst>
               </p:cNvPr>
@@ -5162,7 +4792,7 @@
               <p:cNvPr id="28" name="文本框 16">
                 <a:extLst>
                   <a:ext uri="{FF2B5EF4-FFF2-40B4-BE49-F238E27FC236}">
-                    <a16:creationId xmlns="" xmlns:a16="http://schemas.microsoft.com/office/drawing/2014/main" id="{DE16A630-73AA-4BF2-9863-BFAC6B4D6458}"/>
+                    <a16:creationId xmlns:a16="http://schemas.microsoft.com/office/drawing/2014/main" xmlns="" id="{DE16A630-73AA-4BF2-9863-BFAC6B4D6458}"/>
                   </a:ext>
                 </a:extLst>
               </p:cNvPr>
@@ -5292,7 +4922,7 @@
 </p:sld>
 </file>
 
-<file path=ppt/slides/slide4.xml><?xml version="1.0" encoding="utf-8"?>
+<file path=ppt/slides/slide3.xml><?xml version="1.0" encoding="utf-8"?>
 <p:sld xmlns:a="http://schemas.openxmlformats.org/drawingml/2006/main" xmlns:r="http://schemas.openxmlformats.org/officeDocument/2006/relationships" xmlns:p="http://schemas.openxmlformats.org/presentationml/2006/main">
   <p:cSld>
     <p:spTree>
@@ -5314,7 +4944,7 @@
           <p:cNvPr id="16" name="组合 15">
             <a:extLst>
               <a:ext uri="{FF2B5EF4-FFF2-40B4-BE49-F238E27FC236}">
-                <a16:creationId xmlns="" xmlns:a16="http://schemas.microsoft.com/office/drawing/2014/main" id="{234E0859-149C-44FC-9467-303198BA6E73}"/>
+                <a16:creationId xmlns:a16="http://schemas.microsoft.com/office/drawing/2014/main" xmlns="" id="{234E0859-149C-44FC-9467-303198BA6E73}"/>
               </a:ext>
             </a:extLst>
           </p:cNvPr>
@@ -5334,7 +4964,7 @@
             <p:cNvPr id="4" name="椭圆 3">
               <a:extLst>
                 <a:ext uri="{FF2B5EF4-FFF2-40B4-BE49-F238E27FC236}">
-                  <a16:creationId xmlns="" xmlns:a16="http://schemas.microsoft.com/office/drawing/2014/main" id="{5395ACDC-AD70-4F1A-B214-A2CE98EBB883}"/>
+                  <a16:creationId xmlns:a16="http://schemas.microsoft.com/office/drawing/2014/main" xmlns="" id="{5395ACDC-AD70-4F1A-B214-A2CE98EBB883}"/>
                 </a:ext>
               </a:extLst>
             </p:cNvPr>
@@ -5390,7 +5020,7 @@
             <p:cNvPr id="5" name="椭圆 4">
               <a:extLst>
                 <a:ext uri="{FF2B5EF4-FFF2-40B4-BE49-F238E27FC236}">
-                  <a16:creationId xmlns="" xmlns:a16="http://schemas.microsoft.com/office/drawing/2014/main" id="{1659147C-6A9F-4F5E-B488-C485AEA233B2}"/>
+                  <a16:creationId xmlns:a16="http://schemas.microsoft.com/office/drawing/2014/main" xmlns="" id="{1659147C-6A9F-4F5E-B488-C485AEA233B2}"/>
                 </a:ext>
               </a:extLst>
             </p:cNvPr>
@@ -5446,7 +5076,7 @@
             <p:cNvPr id="6" name="椭圆 5">
               <a:extLst>
                 <a:ext uri="{FF2B5EF4-FFF2-40B4-BE49-F238E27FC236}">
-                  <a16:creationId xmlns="" xmlns:a16="http://schemas.microsoft.com/office/drawing/2014/main" id="{9CBB42FB-E885-43B2-9DE7-71EBA63E1D97}"/>
+                  <a16:creationId xmlns:a16="http://schemas.microsoft.com/office/drawing/2014/main" xmlns="" id="{9CBB42FB-E885-43B2-9DE7-71EBA63E1D97}"/>
                 </a:ext>
               </a:extLst>
             </p:cNvPr>
@@ -5502,7 +5132,7 @@
             <p:cNvPr id="7" name="椭圆 6">
               <a:extLst>
                 <a:ext uri="{FF2B5EF4-FFF2-40B4-BE49-F238E27FC236}">
-                  <a16:creationId xmlns="" xmlns:a16="http://schemas.microsoft.com/office/drawing/2014/main" id="{FD881160-F679-4156-BBF8-3014956C992C}"/>
+                  <a16:creationId xmlns:a16="http://schemas.microsoft.com/office/drawing/2014/main" xmlns="" id="{FD881160-F679-4156-BBF8-3014956C992C}"/>
                 </a:ext>
               </a:extLst>
             </p:cNvPr>
@@ -5558,7 +5188,7 @@
             <p:cNvPr id="8" name="椭圆 7">
               <a:extLst>
                 <a:ext uri="{FF2B5EF4-FFF2-40B4-BE49-F238E27FC236}">
-                  <a16:creationId xmlns="" xmlns:a16="http://schemas.microsoft.com/office/drawing/2014/main" id="{94439C99-4541-4601-B7ED-74182808E753}"/>
+                  <a16:creationId xmlns:a16="http://schemas.microsoft.com/office/drawing/2014/main" xmlns="" id="{94439C99-4541-4601-B7ED-74182808E753}"/>
                 </a:ext>
               </a:extLst>
             </p:cNvPr>
@@ -5615,7 +5245,7 @@
           <p:cNvPr id="14" name="直接连接符 13">
             <a:extLst>
               <a:ext uri="{FF2B5EF4-FFF2-40B4-BE49-F238E27FC236}">
-                <a16:creationId xmlns="" xmlns:a16="http://schemas.microsoft.com/office/drawing/2014/main" id="{D5A850EE-1C80-41BC-B9B4-B34955A9C7C3}"/>
+                <a16:creationId xmlns:a16="http://schemas.microsoft.com/office/drawing/2014/main" xmlns="" id="{D5A850EE-1C80-41BC-B9B4-B34955A9C7C3}"/>
               </a:ext>
             </a:extLst>
           </p:cNvPr>
@@ -5654,7 +5284,7 @@
           <p:cNvPr id="17" name="直接连接符 16">
             <a:extLst>
               <a:ext uri="{FF2B5EF4-FFF2-40B4-BE49-F238E27FC236}">
-                <a16:creationId xmlns="" xmlns:a16="http://schemas.microsoft.com/office/drawing/2014/main" id="{E186B60B-EE9E-48F3-A238-CA0B7433894B}"/>
+                <a16:creationId xmlns:a16="http://schemas.microsoft.com/office/drawing/2014/main" xmlns="" id="{E186B60B-EE9E-48F3-A238-CA0B7433894B}"/>
               </a:ext>
             </a:extLst>
           </p:cNvPr>
@@ -5693,7 +5323,7 @@
           <p:cNvPr id="25" name="直接连接符 24">
             <a:extLst>
               <a:ext uri="{FF2B5EF4-FFF2-40B4-BE49-F238E27FC236}">
-                <a16:creationId xmlns="" xmlns:a16="http://schemas.microsoft.com/office/drawing/2014/main" id="{D3CC5E1C-64F6-48E0-B20E-0A78E2858689}"/>
+                <a16:creationId xmlns:a16="http://schemas.microsoft.com/office/drawing/2014/main" xmlns="" id="{D3CC5E1C-64F6-48E0-B20E-0A78E2858689}"/>
               </a:ext>
             </a:extLst>
           </p:cNvPr>
@@ -5732,7 +5362,7 @@
           <p:cNvPr id="26" name="直接连接符 25">
             <a:extLst>
               <a:ext uri="{FF2B5EF4-FFF2-40B4-BE49-F238E27FC236}">
-                <a16:creationId xmlns="" xmlns:a16="http://schemas.microsoft.com/office/drawing/2014/main" id="{6B4DC181-F175-41DB-99A5-6B96CE89C216}"/>
+                <a16:creationId xmlns:a16="http://schemas.microsoft.com/office/drawing/2014/main" xmlns="" id="{6B4DC181-F175-41DB-99A5-6B96CE89C216}"/>
               </a:ext>
             </a:extLst>
           </p:cNvPr>
@@ -5771,7 +5401,7 @@
           <p:cNvPr id="27" name="直接连接符 26">
             <a:extLst>
               <a:ext uri="{FF2B5EF4-FFF2-40B4-BE49-F238E27FC236}">
-                <a16:creationId xmlns="" xmlns:a16="http://schemas.microsoft.com/office/drawing/2014/main" id="{C8A06F6C-6605-49FF-8E02-1A24420FAF60}"/>
+                <a16:creationId xmlns:a16="http://schemas.microsoft.com/office/drawing/2014/main" xmlns="" id="{C8A06F6C-6605-49FF-8E02-1A24420FAF60}"/>
               </a:ext>
             </a:extLst>
           </p:cNvPr>
@@ -5810,7 +5440,7 @@
           <p:cNvPr id="30" name="直接连接符 29">
             <a:extLst>
               <a:ext uri="{FF2B5EF4-FFF2-40B4-BE49-F238E27FC236}">
-                <a16:creationId xmlns="" xmlns:a16="http://schemas.microsoft.com/office/drawing/2014/main" id="{1CECC0C5-D5F4-46C6-8A2E-90E3E8C28D76}"/>
+                <a16:creationId xmlns:a16="http://schemas.microsoft.com/office/drawing/2014/main" xmlns="" id="{1CECC0C5-D5F4-46C6-8A2E-90E3E8C28D76}"/>
               </a:ext>
             </a:extLst>
           </p:cNvPr>
@@ -5849,7 +5479,7 @@
           <p:cNvPr id="32" name="直接连接符 31">
             <a:extLst>
               <a:ext uri="{FF2B5EF4-FFF2-40B4-BE49-F238E27FC236}">
-                <a16:creationId xmlns="" xmlns:a16="http://schemas.microsoft.com/office/drawing/2014/main" id="{D0E65BD7-6578-4A63-B18A-66B7B4CB8A6F}"/>
+                <a16:creationId xmlns:a16="http://schemas.microsoft.com/office/drawing/2014/main" xmlns="" id="{D0E65BD7-6578-4A63-B18A-66B7B4CB8A6F}"/>
               </a:ext>
             </a:extLst>
           </p:cNvPr>
@@ -5888,7 +5518,7 @@
           <p:cNvPr id="34" name="直接连接符 33">
             <a:extLst>
               <a:ext uri="{FF2B5EF4-FFF2-40B4-BE49-F238E27FC236}">
-                <a16:creationId xmlns="" xmlns:a16="http://schemas.microsoft.com/office/drawing/2014/main" id="{AC8352D0-CFC2-425D-A9A1-6FF8ACC1115C}"/>
+                <a16:creationId xmlns:a16="http://schemas.microsoft.com/office/drawing/2014/main" xmlns="" id="{AC8352D0-CFC2-425D-A9A1-6FF8ACC1115C}"/>
               </a:ext>
             </a:extLst>
           </p:cNvPr>
@@ -5927,7 +5557,7 @@
           <p:cNvPr id="35" name="直接连接符 34">
             <a:extLst>
               <a:ext uri="{FF2B5EF4-FFF2-40B4-BE49-F238E27FC236}">
-                <a16:creationId xmlns="" xmlns:a16="http://schemas.microsoft.com/office/drawing/2014/main" id="{56862A7D-0E17-4BC0-8D76-71B2E9903CF5}"/>
+                <a16:creationId xmlns:a16="http://schemas.microsoft.com/office/drawing/2014/main" xmlns="" id="{56862A7D-0E17-4BC0-8D76-71B2E9903CF5}"/>
               </a:ext>
             </a:extLst>
           </p:cNvPr>
@@ -5966,7 +5596,7 @@
           <p:cNvPr id="46" name="直接连接符 45">
             <a:extLst>
               <a:ext uri="{FF2B5EF4-FFF2-40B4-BE49-F238E27FC236}">
-                <a16:creationId xmlns="" xmlns:a16="http://schemas.microsoft.com/office/drawing/2014/main" id="{04C549FF-0F2D-43BA-9A54-57BBAE6BF9E3}"/>
+                <a16:creationId xmlns:a16="http://schemas.microsoft.com/office/drawing/2014/main" xmlns="" id="{04C549FF-0F2D-43BA-9A54-57BBAE6BF9E3}"/>
               </a:ext>
             </a:extLst>
           </p:cNvPr>
@@ -6005,7 +5635,7 @@
           <p:cNvPr id="48" name="直接连接符 47">
             <a:extLst>
               <a:ext uri="{FF2B5EF4-FFF2-40B4-BE49-F238E27FC236}">
-                <a16:creationId xmlns="" xmlns:a16="http://schemas.microsoft.com/office/drawing/2014/main" id="{62370B81-9492-4AA4-9199-34A05FC225DE}"/>
+                <a16:creationId xmlns:a16="http://schemas.microsoft.com/office/drawing/2014/main" xmlns="" id="{62370B81-9492-4AA4-9199-34A05FC225DE}"/>
               </a:ext>
             </a:extLst>
           </p:cNvPr>
@@ -6044,7 +5674,7 @@
           <p:cNvPr id="50" name="直接连接符 49">
             <a:extLst>
               <a:ext uri="{FF2B5EF4-FFF2-40B4-BE49-F238E27FC236}">
-                <a16:creationId xmlns="" xmlns:a16="http://schemas.microsoft.com/office/drawing/2014/main" id="{98EB6C31-D0BB-4B74-A2BD-4AF5D90939B7}"/>
+                <a16:creationId xmlns:a16="http://schemas.microsoft.com/office/drawing/2014/main" xmlns="" id="{98EB6C31-D0BB-4B74-A2BD-4AF5D90939B7}"/>
               </a:ext>
             </a:extLst>
           </p:cNvPr>
@@ -6083,7 +5713,7 @@
           <p:cNvPr id="52" name="直接连接符 51">
             <a:extLst>
               <a:ext uri="{FF2B5EF4-FFF2-40B4-BE49-F238E27FC236}">
-                <a16:creationId xmlns="" xmlns:a16="http://schemas.microsoft.com/office/drawing/2014/main" id="{DAD83526-92AF-48BD-BF85-14AF90B6D9E6}"/>
+                <a16:creationId xmlns:a16="http://schemas.microsoft.com/office/drawing/2014/main" xmlns="" id="{DAD83526-92AF-48BD-BF85-14AF90B6D9E6}"/>
               </a:ext>
             </a:extLst>
           </p:cNvPr>
@@ -6124,7 +5754,7 @@
               <p:cNvPr id="55" name="文本框 54">
                 <a:extLst>
                   <a:ext uri="{FF2B5EF4-FFF2-40B4-BE49-F238E27FC236}">
-                    <a16:creationId xmlns="" xmlns:a16="http://schemas.microsoft.com/office/drawing/2014/main" id="{8CEBE161-7C82-416A-BB7F-D1806845EB4E}"/>
+                    <a16:creationId xmlns:a16="http://schemas.microsoft.com/office/drawing/2014/main" xmlns="" id="{8CEBE161-7C82-416A-BB7F-D1806845EB4E}"/>
                   </a:ext>
                 </a:extLst>
               </p:cNvPr>
@@ -6239,7 +5869,7 @@
               <p:cNvPr id="56" name="文本框 55">
                 <a:extLst>
                   <a:ext uri="{FF2B5EF4-FFF2-40B4-BE49-F238E27FC236}">
-                    <a16:creationId xmlns="" xmlns:a16="http://schemas.microsoft.com/office/drawing/2014/main" id="{3142758D-4774-4CA5-AE10-8B06D9D195BF}"/>
+                    <a16:creationId xmlns:a16="http://schemas.microsoft.com/office/drawing/2014/main" xmlns="" id="{3142758D-4774-4CA5-AE10-8B06D9D195BF}"/>
                   </a:ext>
                 </a:extLst>
               </p:cNvPr>
@@ -6360,7 +5990,7 @@
 </p:sld>
 </file>
 
-<file path=ppt/slides/slide5.xml><?xml version="1.0" encoding="utf-8"?>
+<file path=ppt/slides/slide4.xml><?xml version="1.0" encoding="utf-8"?>
 <p:sld xmlns:a="http://schemas.openxmlformats.org/drawingml/2006/main" xmlns:r="http://schemas.openxmlformats.org/officeDocument/2006/relationships" xmlns:p="http://schemas.openxmlformats.org/presentationml/2006/main">
   <p:cSld>
     <p:spTree>
@@ -6998,7 +6628,7 @@
           <a:graphicData uri="http://schemas.openxmlformats.org/presentationml/2006/ole">
             <mc:AlternateContent xmlns:mc="http://schemas.openxmlformats.org/markup-compatibility/2006">
               <mc:Choice xmlns:v="urn:schemas-microsoft-com:vml" Requires="v">
-                <p:oleObj spid="_x0000_s1032" name="Equation" r:id="rId3" imgW="330120" imgH="177480" progId="Equation.DSMT4">
+                <p:oleObj spid="_x0000_s1034" name="Equation" r:id="rId3" imgW="330120" imgH="177480" progId="Equation.DSMT4">
                   <p:embed/>
                 </p:oleObj>
               </mc:Choice>
@@ -7055,7 +6685,7 @@
           <a:graphicData uri="http://schemas.openxmlformats.org/presentationml/2006/ole">
             <mc:AlternateContent xmlns:mc="http://schemas.openxmlformats.org/markup-compatibility/2006">
               <mc:Choice xmlns:v="urn:schemas-microsoft-com:vml" Requires="v">
-                <p:oleObj spid="_x0000_s1033" name="Equation" r:id="rId5" imgW="355320" imgH="177480" progId="Equation.DSMT4">
+                <p:oleObj spid="_x0000_s1035" name="Equation" r:id="rId5" imgW="355320" imgH="177480" progId="Equation.DSMT4">
                   <p:embed/>
                 </p:oleObj>
               </mc:Choice>
@@ -7129,7 +6759,7 @@
 </p:sld>
 </file>
 
-<file path=ppt/slides/slide6.xml><?xml version="1.0" encoding="utf-8"?>
+<file path=ppt/slides/slide5.xml><?xml version="1.0" encoding="utf-8"?>
 <p:sld xmlns:a="http://schemas.openxmlformats.org/drawingml/2006/main" xmlns:r="http://schemas.openxmlformats.org/officeDocument/2006/relationships" xmlns:p="http://schemas.openxmlformats.org/presentationml/2006/main">
   <p:cSld>
     <p:spTree>
@@ -8585,7 +8215,7 @@
 </p:sld>
 </file>
 
-<file path=ppt/slides/slide7.xml><?xml version="1.0" encoding="utf-8"?>
+<file path=ppt/slides/slide6.xml><?xml version="1.0" encoding="utf-8"?>
 <p:sld xmlns:a="http://schemas.openxmlformats.org/drawingml/2006/main" xmlns:r="http://schemas.openxmlformats.org/officeDocument/2006/relationships" xmlns:p="http://schemas.openxmlformats.org/presentationml/2006/main">
   <p:cSld>
     <p:spTree>
@@ -9390,7 +9020,7 @@
   <a:extraClrSchemeLst/>
   <a:extLst>
     <a:ext uri="{05A4C25C-085E-4340-85A3-A5531E510DB2}">
-      <thm15:themeFamily xmlns="" xmlns:thm15="http://schemas.microsoft.com/office/thememl/2012/main" name="Office Theme" id="{62F939B6-93AF-4DB8-9C6B-D6C7DFDC589F}" vid="{4A3C46E8-61CC-4603-A589-7422A47A8E4A}"/>
+      <thm15:themeFamily xmlns:thm15="http://schemas.microsoft.com/office/thememl/2012/main" xmlns="" name="Office Theme" id="{62F939B6-93AF-4DB8-9C6B-D6C7DFDC589F}" vid="{4A3C46E8-61CC-4603-A589-7422A47A8E4A}"/>
     </a:ext>
   </a:extLst>
 </a:theme>

--- a/chapter05/图片/pic.pptx
+++ b/chapter05/图片/pic.pptx
@@ -5,10 +5,10 @@
     <p:sldMasterId id="2147483648" r:id="rId1"/>
   </p:sldMasterIdLst>
   <p:sldIdLst>
-    <p:sldId id="265" r:id="rId2"/>
-    <p:sldId id="266" r:id="rId3"/>
-    <p:sldId id="267" r:id="rId4"/>
-    <p:sldId id="270" r:id="rId5"/>
+    <p:sldId id="267" r:id="rId2"/>
+    <p:sldId id="270" r:id="rId3"/>
+    <p:sldId id="265" r:id="rId4"/>
+    <p:sldId id="266" r:id="rId5"/>
     <p:sldId id="268" r:id="rId6"/>
     <p:sldId id="269" r:id="rId7"/>
   </p:sldIdLst>
@@ -111,7 +111,7 @@
   </p:defaultTextStyle>
   <p:extLst>
     <p:ext uri="{EFAFB233-063F-42B5-8137-9DF3F51BA10A}">
-      <p15:sldGuideLst xmlns:p15="http://schemas.microsoft.com/office/powerpoint/2012/main" xmlns="">
+      <p15:sldGuideLst xmlns="" xmlns:p15="http://schemas.microsoft.com/office/powerpoint/2012/main">
         <p15:guide id="1" orient="horz" pos="2183" userDrawn="1">
           <p15:clr>
             <a:srgbClr val="A4A3A4"/>
@@ -150,7 +150,7 @@
           <p:cNvPr id="2" name="标题 1">
             <a:extLst>
               <a:ext uri="{FF2B5EF4-FFF2-40B4-BE49-F238E27FC236}">
-                <a16:creationId xmlns:a16="http://schemas.microsoft.com/office/drawing/2014/main" xmlns="" id="{12986E34-FEF9-4831-AA2D-1FC29FD006DC}"/>
+                <a16:creationId xmlns="" xmlns:a16="http://schemas.microsoft.com/office/drawing/2014/main" id="{12986E34-FEF9-4831-AA2D-1FC29FD006DC}"/>
               </a:ext>
             </a:extLst>
           </p:cNvPr>
@@ -187,7 +187,7 @@
           <p:cNvPr id="3" name="副标题 2">
             <a:extLst>
               <a:ext uri="{FF2B5EF4-FFF2-40B4-BE49-F238E27FC236}">
-                <a16:creationId xmlns:a16="http://schemas.microsoft.com/office/drawing/2014/main" xmlns="" id="{A7F12879-2770-4762-A523-99D6DEFBA1BF}"/>
+                <a16:creationId xmlns="" xmlns:a16="http://schemas.microsoft.com/office/drawing/2014/main" id="{A7F12879-2770-4762-A523-99D6DEFBA1BF}"/>
               </a:ext>
             </a:extLst>
           </p:cNvPr>
@@ -257,7 +257,7 @@
           <p:cNvPr id="4" name="日期占位符 3">
             <a:extLst>
               <a:ext uri="{FF2B5EF4-FFF2-40B4-BE49-F238E27FC236}">
-                <a16:creationId xmlns:a16="http://schemas.microsoft.com/office/drawing/2014/main" xmlns="" id="{A2B85CF8-D6B2-4524-A127-7586F78B9627}"/>
+                <a16:creationId xmlns="" xmlns:a16="http://schemas.microsoft.com/office/drawing/2014/main" id="{A2B85CF8-D6B2-4524-A127-7586F78B9627}"/>
               </a:ext>
             </a:extLst>
           </p:cNvPr>
@@ -275,7 +275,7 @@
           <a:p>
             <a:fld id="{FE9404C0-6422-4143-92E6-4B46A6C8788E}" type="datetimeFigureOut">
               <a:rPr lang="zh-CN" altLang="en-US" smtClean="0"/>
-              <a:t>2020/3/25</a:t>
+              <a:t>2020/6/17</a:t>
             </a:fld>
             <a:endParaRPr lang="zh-CN" altLang="en-US"/>
           </a:p>
@@ -286,7 +286,7 @@
           <p:cNvPr id="5" name="页脚占位符 4">
             <a:extLst>
               <a:ext uri="{FF2B5EF4-FFF2-40B4-BE49-F238E27FC236}">
-                <a16:creationId xmlns:a16="http://schemas.microsoft.com/office/drawing/2014/main" xmlns="" id="{57B42FE9-EE41-4847-9403-FE22702A41EC}"/>
+                <a16:creationId xmlns="" xmlns:a16="http://schemas.microsoft.com/office/drawing/2014/main" id="{57B42FE9-EE41-4847-9403-FE22702A41EC}"/>
               </a:ext>
             </a:extLst>
           </p:cNvPr>
@@ -311,7 +311,7 @@
           <p:cNvPr id="6" name="灯片编号占位符 5">
             <a:extLst>
               <a:ext uri="{FF2B5EF4-FFF2-40B4-BE49-F238E27FC236}">
-                <a16:creationId xmlns:a16="http://schemas.microsoft.com/office/drawing/2014/main" xmlns="" id="{FDAFAFF0-6DB3-49F2-BC18-66A3DDE3ADEB}"/>
+                <a16:creationId xmlns="" xmlns:a16="http://schemas.microsoft.com/office/drawing/2014/main" id="{FDAFAFF0-6DB3-49F2-BC18-66A3DDE3ADEB}"/>
               </a:ext>
             </a:extLst>
           </p:cNvPr>
@@ -370,7 +370,7 @@
           <p:cNvPr id="2" name="标题 1">
             <a:extLst>
               <a:ext uri="{FF2B5EF4-FFF2-40B4-BE49-F238E27FC236}">
-                <a16:creationId xmlns:a16="http://schemas.microsoft.com/office/drawing/2014/main" xmlns="" id="{7A046118-91AA-4311-BD69-46E3EDEAE70B}"/>
+                <a16:creationId xmlns="" xmlns:a16="http://schemas.microsoft.com/office/drawing/2014/main" id="{7A046118-91AA-4311-BD69-46E3EDEAE70B}"/>
               </a:ext>
             </a:extLst>
           </p:cNvPr>
@@ -398,7 +398,7 @@
           <p:cNvPr id="3" name="竖排文字占位符 2">
             <a:extLst>
               <a:ext uri="{FF2B5EF4-FFF2-40B4-BE49-F238E27FC236}">
-                <a16:creationId xmlns:a16="http://schemas.microsoft.com/office/drawing/2014/main" xmlns="" id="{9D534011-F605-4D89-8AA7-5BBCAF9D0C33}"/>
+                <a16:creationId xmlns="" xmlns:a16="http://schemas.microsoft.com/office/drawing/2014/main" id="{9D534011-F605-4D89-8AA7-5BBCAF9D0C33}"/>
               </a:ext>
             </a:extLst>
           </p:cNvPr>
@@ -455,7 +455,7 @@
           <p:cNvPr id="4" name="日期占位符 3">
             <a:extLst>
               <a:ext uri="{FF2B5EF4-FFF2-40B4-BE49-F238E27FC236}">
-                <a16:creationId xmlns:a16="http://schemas.microsoft.com/office/drawing/2014/main" xmlns="" id="{02E422A4-85B2-4E86-95CF-DD06658AC9EE}"/>
+                <a16:creationId xmlns="" xmlns:a16="http://schemas.microsoft.com/office/drawing/2014/main" id="{02E422A4-85B2-4E86-95CF-DD06658AC9EE}"/>
               </a:ext>
             </a:extLst>
           </p:cNvPr>
@@ -473,7 +473,7 @@
           <a:p>
             <a:fld id="{FE9404C0-6422-4143-92E6-4B46A6C8788E}" type="datetimeFigureOut">
               <a:rPr lang="zh-CN" altLang="en-US" smtClean="0"/>
-              <a:t>2020/3/25</a:t>
+              <a:t>2020/6/17</a:t>
             </a:fld>
             <a:endParaRPr lang="zh-CN" altLang="en-US"/>
           </a:p>
@@ -484,7 +484,7 @@
           <p:cNvPr id="5" name="页脚占位符 4">
             <a:extLst>
               <a:ext uri="{FF2B5EF4-FFF2-40B4-BE49-F238E27FC236}">
-                <a16:creationId xmlns:a16="http://schemas.microsoft.com/office/drawing/2014/main" xmlns="" id="{5BF49DF7-D357-4F22-94DE-2407F3DB0C26}"/>
+                <a16:creationId xmlns="" xmlns:a16="http://schemas.microsoft.com/office/drawing/2014/main" id="{5BF49DF7-D357-4F22-94DE-2407F3DB0C26}"/>
               </a:ext>
             </a:extLst>
           </p:cNvPr>
@@ -509,7 +509,7 @@
           <p:cNvPr id="6" name="灯片编号占位符 5">
             <a:extLst>
               <a:ext uri="{FF2B5EF4-FFF2-40B4-BE49-F238E27FC236}">
-                <a16:creationId xmlns:a16="http://schemas.microsoft.com/office/drawing/2014/main" xmlns="" id="{79CD8B4D-C2F1-4BBF-B5C6-B966480F318D}"/>
+                <a16:creationId xmlns="" xmlns:a16="http://schemas.microsoft.com/office/drawing/2014/main" id="{79CD8B4D-C2F1-4BBF-B5C6-B966480F318D}"/>
               </a:ext>
             </a:extLst>
           </p:cNvPr>
@@ -568,7 +568,7 @@
           <p:cNvPr id="2" name="竖排标题 1">
             <a:extLst>
               <a:ext uri="{FF2B5EF4-FFF2-40B4-BE49-F238E27FC236}">
-                <a16:creationId xmlns:a16="http://schemas.microsoft.com/office/drawing/2014/main" xmlns="" id="{8C4BC19C-5DBF-4F71-84E7-E92A944D1444}"/>
+                <a16:creationId xmlns="" xmlns:a16="http://schemas.microsoft.com/office/drawing/2014/main" id="{8C4BC19C-5DBF-4F71-84E7-E92A944D1444}"/>
               </a:ext>
             </a:extLst>
           </p:cNvPr>
@@ -601,7 +601,7 @@
           <p:cNvPr id="3" name="竖排文字占位符 2">
             <a:extLst>
               <a:ext uri="{FF2B5EF4-FFF2-40B4-BE49-F238E27FC236}">
-                <a16:creationId xmlns:a16="http://schemas.microsoft.com/office/drawing/2014/main" xmlns="" id="{E138625A-7454-4764-9715-8ECAF85BC8B1}"/>
+                <a16:creationId xmlns="" xmlns:a16="http://schemas.microsoft.com/office/drawing/2014/main" id="{E138625A-7454-4764-9715-8ECAF85BC8B1}"/>
               </a:ext>
             </a:extLst>
           </p:cNvPr>
@@ -663,7 +663,7 @@
           <p:cNvPr id="4" name="日期占位符 3">
             <a:extLst>
               <a:ext uri="{FF2B5EF4-FFF2-40B4-BE49-F238E27FC236}">
-                <a16:creationId xmlns:a16="http://schemas.microsoft.com/office/drawing/2014/main" xmlns="" id="{9ADED46A-DD45-4E90-923E-F07106C27235}"/>
+                <a16:creationId xmlns="" xmlns:a16="http://schemas.microsoft.com/office/drawing/2014/main" id="{9ADED46A-DD45-4E90-923E-F07106C27235}"/>
               </a:ext>
             </a:extLst>
           </p:cNvPr>
@@ -681,7 +681,7 @@
           <a:p>
             <a:fld id="{FE9404C0-6422-4143-92E6-4B46A6C8788E}" type="datetimeFigureOut">
               <a:rPr lang="zh-CN" altLang="en-US" smtClean="0"/>
-              <a:t>2020/3/25</a:t>
+              <a:t>2020/6/17</a:t>
             </a:fld>
             <a:endParaRPr lang="zh-CN" altLang="en-US"/>
           </a:p>
@@ -692,7 +692,7 @@
           <p:cNvPr id="5" name="页脚占位符 4">
             <a:extLst>
               <a:ext uri="{FF2B5EF4-FFF2-40B4-BE49-F238E27FC236}">
-                <a16:creationId xmlns:a16="http://schemas.microsoft.com/office/drawing/2014/main" xmlns="" id="{9837A68A-A3B0-4AF2-8D4E-2CBD3C07A517}"/>
+                <a16:creationId xmlns="" xmlns:a16="http://schemas.microsoft.com/office/drawing/2014/main" id="{9837A68A-A3B0-4AF2-8D4E-2CBD3C07A517}"/>
               </a:ext>
             </a:extLst>
           </p:cNvPr>
@@ -717,7 +717,7 @@
           <p:cNvPr id="6" name="灯片编号占位符 5">
             <a:extLst>
               <a:ext uri="{FF2B5EF4-FFF2-40B4-BE49-F238E27FC236}">
-                <a16:creationId xmlns:a16="http://schemas.microsoft.com/office/drawing/2014/main" xmlns="" id="{D886DA6D-C2E4-4A86-AB26-BBFA1BB6F42E}"/>
+                <a16:creationId xmlns="" xmlns:a16="http://schemas.microsoft.com/office/drawing/2014/main" id="{D886DA6D-C2E4-4A86-AB26-BBFA1BB6F42E}"/>
               </a:ext>
             </a:extLst>
           </p:cNvPr>
@@ -776,7 +776,7 @@
           <p:cNvPr id="2" name="标题 1">
             <a:extLst>
               <a:ext uri="{FF2B5EF4-FFF2-40B4-BE49-F238E27FC236}">
-                <a16:creationId xmlns:a16="http://schemas.microsoft.com/office/drawing/2014/main" xmlns="" id="{6BBE35F1-ACEC-4948-8D32-527722B5DD94}"/>
+                <a16:creationId xmlns="" xmlns:a16="http://schemas.microsoft.com/office/drawing/2014/main" id="{6BBE35F1-ACEC-4948-8D32-527722B5DD94}"/>
               </a:ext>
             </a:extLst>
           </p:cNvPr>
@@ -804,7 +804,7 @@
           <p:cNvPr id="3" name="内容占位符 2">
             <a:extLst>
               <a:ext uri="{FF2B5EF4-FFF2-40B4-BE49-F238E27FC236}">
-                <a16:creationId xmlns:a16="http://schemas.microsoft.com/office/drawing/2014/main" xmlns="" id="{66709081-52BB-4B11-9DC3-F0D8D4AB6326}"/>
+                <a16:creationId xmlns="" xmlns:a16="http://schemas.microsoft.com/office/drawing/2014/main" id="{66709081-52BB-4B11-9DC3-F0D8D4AB6326}"/>
               </a:ext>
             </a:extLst>
           </p:cNvPr>
@@ -861,7 +861,7 @@
           <p:cNvPr id="4" name="日期占位符 3">
             <a:extLst>
               <a:ext uri="{FF2B5EF4-FFF2-40B4-BE49-F238E27FC236}">
-                <a16:creationId xmlns:a16="http://schemas.microsoft.com/office/drawing/2014/main" xmlns="" id="{6F2D114B-8A63-4ACF-9C3E-A495216C4EB4}"/>
+                <a16:creationId xmlns="" xmlns:a16="http://schemas.microsoft.com/office/drawing/2014/main" id="{6F2D114B-8A63-4ACF-9C3E-A495216C4EB4}"/>
               </a:ext>
             </a:extLst>
           </p:cNvPr>
@@ -879,7 +879,7 @@
           <a:p>
             <a:fld id="{FE9404C0-6422-4143-92E6-4B46A6C8788E}" type="datetimeFigureOut">
               <a:rPr lang="zh-CN" altLang="en-US" smtClean="0"/>
-              <a:t>2020/3/25</a:t>
+              <a:t>2020/6/17</a:t>
             </a:fld>
             <a:endParaRPr lang="zh-CN" altLang="en-US"/>
           </a:p>
@@ -890,7 +890,7 @@
           <p:cNvPr id="5" name="页脚占位符 4">
             <a:extLst>
               <a:ext uri="{FF2B5EF4-FFF2-40B4-BE49-F238E27FC236}">
-                <a16:creationId xmlns:a16="http://schemas.microsoft.com/office/drawing/2014/main" xmlns="" id="{748B4062-8F9B-48AE-97C7-445824D4D22B}"/>
+                <a16:creationId xmlns="" xmlns:a16="http://schemas.microsoft.com/office/drawing/2014/main" id="{748B4062-8F9B-48AE-97C7-445824D4D22B}"/>
               </a:ext>
             </a:extLst>
           </p:cNvPr>
@@ -915,7 +915,7 @@
           <p:cNvPr id="6" name="灯片编号占位符 5">
             <a:extLst>
               <a:ext uri="{FF2B5EF4-FFF2-40B4-BE49-F238E27FC236}">
-                <a16:creationId xmlns:a16="http://schemas.microsoft.com/office/drawing/2014/main" xmlns="" id="{08D36F54-FFDF-413E-AE28-E9B9752BC4B3}"/>
+                <a16:creationId xmlns="" xmlns:a16="http://schemas.microsoft.com/office/drawing/2014/main" id="{08D36F54-FFDF-413E-AE28-E9B9752BC4B3}"/>
               </a:ext>
             </a:extLst>
           </p:cNvPr>
@@ -974,7 +974,7 @@
           <p:cNvPr id="2" name="标题 1">
             <a:extLst>
               <a:ext uri="{FF2B5EF4-FFF2-40B4-BE49-F238E27FC236}">
-                <a16:creationId xmlns:a16="http://schemas.microsoft.com/office/drawing/2014/main" xmlns="" id="{6FA6A5F5-4B44-4622-8F2A-823D46D85463}"/>
+                <a16:creationId xmlns="" xmlns:a16="http://schemas.microsoft.com/office/drawing/2014/main" id="{6FA6A5F5-4B44-4622-8F2A-823D46D85463}"/>
               </a:ext>
             </a:extLst>
           </p:cNvPr>
@@ -1011,7 +1011,7 @@
           <p:cNvPr id="3" name="文本占位符 2">
             <a:extLst>
               <a:ext uri="{FF2B5EF4-FFF2-40B4-BE49-F238E27FC236}">
-                <a16:creationId xmlns:a16="http://schemas.microsoft.com/office/drawing/2014/main" xmlns="" id="{229752EE-1ED2-4EA6-B866-AA1223CD93CF}"/>
+                <a16:creationId xmlns="" xmlns:a16="http://schemas.microsoft.com/office/drawing/2014/main" id="{229752EE-1ED2-4EA6-B866-AA1223CD93CF}"/>
               </a:ext>
             </a:extLst>
           </p:cNvPr>
@@ -1136,7 +1136,7 @@
           <p:cNvPr id="4" name="日期占位符 3">
             <a:extLst>
               <a:ext uri="{FF2B5EF4-FFF2-40B4-BE49-F238E27FC236}">
-                <a16:creationId xmlns:a16="http://schemas.microsoft.com/office/drawing/2014/main" xmlns="" id="{1C877BF5-590C-44C7-A3D5-9CDDFC552D60}"/>
+                <a16:creationId xmlns="" xmlns:a16="http://schemas.microsoft.com/office/drawing/2014/main" id="{1C877BF5-590C-44C7-A3D5-9CDDFC552D60}"/>
               </a:ext>
             </a:extLst>
           </p:cNvPr>
@@ -1154,7 +1154,7 @@
           <a:p>
             <a:fld id="{FE9404C0-6422-4143-92E6-4B46A6C8788E}" type="datetimeFigureOut">
               <a:rPr lang="zh-CN" altLang="en-US" smtClean="0"/>
-              <a:t>2020/3/25</a:t>
+              <a:t>2020/6/17</a:t>
             </a:fld>
             <a:endParaRPr lang="zh-CN" altLang="en-US"/>
           </a:p>
@@ -1165,7 +1165,7 @@
           <p:cNvPr id="5" name="页脚占位符 4">
             <a:extLst>
               <a:ext uri="{FF2B5EF4-FFF2-40B4-BE49-F238E27FC236}">
-                <a16:creationId xmlns:a16="http://schemas.microsoft.com/office/drawing/2014/main" xmlns="" id="{97997D8F-5296-4D1D-88B3-F4F942E265B2}"/>
+                <a16:creationId xmlns="" xmlns:a16="http://schemas.microsoft.com/office/drawing/2014/main" id="{97997D8F-5296-4D1D-88B3-F4F942E265B2}"/>
               </a:ext>
             </a:extLst>
           </p:cNvPr>
@@ -1190,7 +1190,7 @@
           <p:cNvPr id="6" name="灯片编号占位符 5">
             <a:extLst>
               <a:ext uri="{FF2B5EF4-FFF2-40B4-BE49-F238E27FC236}">
-                <a16:creationId xmlns:a16="http://schemas.microsoft.com/office/drawing/2014/main" xmlns="" id="{76BE45E3-6C0F-47E3-9070-01677C2D6992}"/>
+                <a16:creationId xmlns="" xmlns:a16="http://schemas.microsoft.com/office/drawing/2014/main" id="{76BE45E3-6C0F-47E3-9070-01677C2D6992}"/>
               </a:ext>
             </a:extLst>
           </p:cNvPr>
@@ -1249,7 +1249,7 @@
           <p:cNvPr id="2" name="标题 1">
             <a:extLst>
               <a:ext uri="{FF2B5EF4-FFF2-40B4-BE49-F238E27FC236}">
-                <a16:creationId xmlns:a16="http://schemas.microsoft.com/office/drawing/2014/main" xmlns="" id="{97E45025-DECB-4382-AE58-F7C599D28D9D}"/>
+                <a16:creationId xmlns="" xmlns:a16="http://schemas.microsoft.com/office/drawing/2014/main" id="{97E45025-DECB-4382-AE58-F7C599D28D9D}"/>
               </a:ext>
             </a:extLst>
           </p:cNvPr>
@@ -1277,7 +1277,7 @@
           <p:cNvPr id="3" name="内容占位符 2">
             <a:extLst>
               <a:ext uri="{FF2B5EF4-FFF2-40B4-BE49-F238E27FC236}">
-                <a16:creationId xmlns:a16="http://schemas.microsoft.com/office/drawing/2014/main" xmlns="" id="{CCF59A90-3A59-44B7-967D-EF67B27FBB71}"/>
+                <a16:creationId xmlns="" xmlns:a16="http://schemas.microsoft.com/office/drawing/2014/main" id="{CCF59A90-3A59-44B7-967D-EF67B27FBB71}"/>
               </a:ext>
             </a:extLst>
           </p:cNvPr>
@@ -1339,7 +1339,7 @@
           <p:cNvPr id="4" name="内容占位符 3">
             <a:extLst>
               <a:ext uri="{FF2B5EF4-FFF2-40B4-BE49-F238E27FC236}">
-                <a16:creationId xmlns:a16="http://schemas.microsoft.com/office/drawing/2014/main" xmlns="" id="{CC5C1521-DCD9-45B9-94E6-1465AA33556F}"/>
+                <a16:creationId xmlns="" xmlns:a16="http://schemas.microsoft.com/office/drawing/2014/main" id="{CC5C1521-DCD9-45B9-94E6-1465AA33556F}"/>
               </a:ext>
             </a:extLst>
           </p:cNvPr>
@@ -1401,7 +1401,7 @@
           <p:cNvPr id="5" name="日期占位符 4">
             <a:extLst>
               <a:ext uri="{FF2B5EF4-FFF2-40B4-BE49-F238E27FC236}">
-                <a16:creationId xmlns:a16="http://schemas.microsoft.com/office/drawing/2014/main" xmlns="" id="{A8BFDF93-4E95-4F8E-9EE8-36A0B1F84E5B}"/>
+                <a16:creationId xmlns="" xmlns:a16="http://schemas.microsoft.com/office/drawing/2014/main" id="{A8BFDF93-4E95-4F8E-9EE8-36A0B1F84E5B}"/>
               </a:ext>
             </a:extLst>
           </p:cNvPr>
@@ -1419,7 +1419,7 @@
           <a:p>
             <a:fld id="{FE9404C0-6422-4143-92E6-4B46A6C8788E}" type="datetimeFigureOut">
               <a:rPr lang="zh-CN" altLang="en-US" smtClean="0"/>
-              <a:t>2020/3/25</a:t>
+              <a:t>2020/6/17</a:t>
             </a:fld>
             <a:endParaRPr lang="zh-CN" altLang="en-US"/>
           </a:p>
@@ -1430,7 +1430,7 @@
           <p:cNvPr id="6" name="页脚占位符 5">
             <a:extLst>
               <a:ext uri="{FF2B5EF4-FFF2-40B4-BE49-F238E27FC236}">
-                <a16:creationId xmlns:a16="http://schemas.microsoft.com/office/drawing/2014/main" xmlns="" id="{CEF10C95-729C-4752-BB64-9253E0C96DB1}"/>
+                <a16:creationId xmlns="" xmlns:a16="http://schemas.microsoft.com/office/drawing/2014/main" id="{CEF10C95-729C-4752-BB64-9253E0C96DB1}"/>
               </a:ext>
             </a:extLst>
           </p:cNvPr>
@@ -1455,7 +1455,7 @@
           <p:cNvPr id="7" name="灯片编号占位符 6">
             <a:extLst>
               <a:ext uri="{FF2B5EF4-FFF2-40B4-BE49-F238E27FC236}">
-                <a16:creationId xmlns:a16="http://schemas.microsoft.com/office/drawing/2014/main" xmlns="" id="{FB1A13DA-44C7-4971-9F27-2997F6884BE1}"/>
+                <a16:creationId xmlns="" xmlns:a16="http://schemas.microsoft.com/office/drawing/2014/main" id="{FB1A13DA-44C7-4971-9F27-2997F6884BE1}"/>
               </a:ext>
             </a:extLst>
           </p:cNvPr>
@@ -1514,7 +1514,7 @@
           <p:cNvPr id="2" name="标题 1">
             <a:extLst>
               <a:ext uri="{FF2B5EF4-FFF2-40B4-BE49-F238E27FC236}">
-                <a16:creationId xmlns:a16="http://schemas.microsoft.com/office/drawing/2014/main" xmlns="" id="{6868D3C8-5E5B-424A-AC56-76FB7C6DD51F}"/>
+                <a16:creationId xmlns="" xmlns:a16="http://schemas.microsoft.com/office/drawing/2014/main" id="{6868D3C8-5E5B-424A-AC56-76FB7C6DD51F}"/>
               </a:ext>
             </a:extLst>
           </p:cNvPr>
@@ -1547,7 +1547,7 @@
           <p:cNvPr id="3" name="文本占位符 2">
             <a:extLst>
               <a:ext uri="{FF2B5EF4-FFF2-40B4-BE49-F238E27FC236}">
-                <a16:creationId xmlns:a16="http://schemas.microsoft.com/office/drawing/2014/main" xmlns="" id="{F91F123E-2953-435E-AA34-3F9C682B4B4A}"/>
+                <a16:creationId xmlns="" xmlns:a16="http://schemas.microsoft.com/office/drawing/2014/main" id="{F91F123E-2953-435E-AA34-3F9C682B4B4A}"/>
               </a:ext>
             </a:extLst>
           </p:cNvPr>
@@ -1618,7 +1618,7 @@
           <p:cNvPr id="4" name="内容占位符 3">
             <a:extLst>
               <a:ext uri="{FF2B5EF4-FFF2-40B4-BE49-F238E27FC236}">
-                <a16:creationId xmlns:a16="http://schemas.microsoft.com/office/drawing/2014/main" xmlns="" id="{EB8B9558-0A3B-4740-9FFD-8C3111AC63DF}"/>
+                <a16:creationId xmlns="" xmlns:a16="http://schemas.microsoft.com/office/drawing/2014/main" id="{EB8B9558-0A3B-4740-9FFD-8C3111AC63DF}"/>
               </a:ext>
             </a:extLst>
           </p:cNvPr>
@@ -1680,7 +1680,7 @@
           <p:cNvPr id="5" name="文本占位符 4">
             <a:extLst>
               <a:ext uri="{FF2B5EF4-FFF2-40B4-BE49-F238E27FC236}">
-                <a16:creationId xmlns:a16="http://schemas.microsoft.com/office/drawing/2014/main" xmlns="" id="{305E210D-C65A-49C2-9B10-222AF6745ADE}"/>
+                <a16:creationId xmlns="" xmlns:a16="http://schemas.microsoft.com/office/drawing/2014/main" id="{305E210D-C65A-49C2-9B10-222AF6745ADE}"/>
               </a:ext>
             </a:extLst>
           </p:cNvPr>
@@ -1751,7 +1751,7 @@
           <p:cNvPr id="6" name="内容占位符 5">
             <a:extLst>
               <a:ext uri="{FF2B5EF4-FFF2-40B4-BE49-F238E27FC236}">
-                <a16:creationId xmlns:a16="http://schemas.microsoft.com/office/drawing/2014/main" xmlns="" id="{1B2340FC-523E-4F56-964C-1E91A44555A6}"/>
+                <a16:creationId xmlns="" xmlns:a16="http://schemas.microsoft.com/office/drawing/2014/main" id="{1B2340FC-523E-4F56-964C-1E91A44555A6}"/>
               </a:ext>
             </a:extLst>
           </p:cNvPr>
@@ -1813,7 +1813,7 @@
           <p:cNvPr id="7" name="日期占位符 6">
             <a:extLst>
               <a:ext uri="{FF2B5EF4-FFF2-40B4-BE49-F238E27FC236}">
-                <a16:creationId xmlns:a16="http://schemas.microsoft.com/office/drawing/2014/main" xmlns="" id="{B3C6EF6A-886D-4487-AC84-036F1F80FE57}"/>
+                <a16:creationId xmlns="" xmlns:a16="http://schemas.microsoft.com/office/drawing/2014/main" id="{B3C6EF6A-886D-4487-AC84-036F1F80FE57}"/>
               </a:ext>
             </a:extLst>
           </p:cNvPr>
@@ -1831,7 +1831,7 @@
           <a:p>
             <a:fld id="{FE9404C0-6422-4143-92E6-4B46A6C8788E}" type="datetimeFigureOut">
               <a:rPr lang="zh-CN" altLang="en-US" smtClean="0"/>
-              <a:t>2020/3/25</a:t>
+              <a:t>2020/6/17</a:t>
             </a:fld>
             <a:endParaRPr lang="zh-CN" altLang="en-US"/>
           </a:p>
@@ -1842,7 +1842,7 @@
           <p:cNvPr id="8" name="页脚占位符 7">
             <a:extLst>
               <a:ext uri="{FF2B5EF4-FFF2-40B4-BE49-F238E27FC236}">
-                <a16:creationId xmlns:a16="http://schemas.microsoft.com/office/drawing/2014/main" xmlns="" id="{2E37B16E-AA13-4BC0-A477-F26B2FC7B8FA}"/>
+                <a16:creationId xmlns="" xmlns:a16="http://schemas.microsoft.com/office/drawing/2014/main" id="{2E37B16E-AA13-4BC0-A477-F26B2FC7B8FA}"/>
               </a:ext>
             </a:extLst>
           </p:cNvPr>
@@ -1867,7 +1867,7 @@
           <p:cNvPr id="9" name="灯片编号占位符 8">
             <a:extLst>
               <a:ext uri="{FF2B5EF4-FFF2-40B4-BE49-F238E27FC236}">
-                <a16:creationId xmlns:a16="http://schemas.microsoft.com/office/drawing/2014/main" xmlns="" id="{61F15F57-86B0-4C9A-B0B7-4DFFB2D1F7CD}"/>
+                <a16:creationId xmlns="" xmlns:a16="http://schemas.microsoft.com/office/drawing/2014/main" id="{61F15F57-86B0-4C9A-B0B7-4DFFB2D1F7CD}"/>
               </a:ext>
             </a:extLst>
           </p:cNvPr>
@@ -1926,7 +1926,7 @@
           <p:cNvPr id="2" name="标题 1">
             <a:extLst>
               <a:ext uri="{FF2B5EF4-FFF2-40B4-BE49-F238E27FC236}">
-                <a16:creationId xmlns:a16="http://schemas.microsoft.com/office/drawing/2014/main" xmlns="" id="{DFE21141-4D43-4F69-898B-56DAE666D721}"/>
+                <a16:creationId xmlns="" xmlns:a16="http://schemas.microsoft.com/office/drawing/2014/main" id="{DFE21141-4D43-4F69-898B-56DAE666D721}"/>
               </a:ext>
             </a:extLst>
           </p:cNvPr>
@@ -1954,7 +1954,7 @@
           <p:cNvPr id="3" name="日期占位符 2">
             <a:extLst>
               <a:ext uri="{FF2B5EF4-FFF2-40B4-BE49-F238E27FC236}">
-                <a16:creationId xmlns:a16="http://schemas.microsoft.com/office/drawing/2014/main" xmlns="" id="{BE56515A-3FE4-4173-A6FD-C4D76CC1EA35}"/>
+                <a16:creationId xmlns="" xmlns:a16="http://schemas.microsoft.com/office/drawing/2014/main" id="{BE56515A-3FE4-4173-A6FD-C4D76CC1EA35}"/>
               </a:ext>
             </a:extLst>
           </p:cNvPr>
@@ -1972,7 +1972,7 @@
           <a:p>
             <a:fld id="{FE9404C0-6422-4143-92E6-4B46A6C8788E}" type="datetimeFigureOut">
               <a:rPr lang="zh-CN" altLang="en-US" smtClean="0"/>
-              <a:t>2020/3/25</a:t>
+              <a:t>2020/6/17</a:t>
             </a:fld>
             <a:endParaRPr lang="zh-CN" altLang="en-US"/>
           </a:p>
@@ -1983,7 +1983,7 @@
           <p:cNvPr id="4" name="页脚占位符 3">
             <a:extLst>
               <a:ext uri="{FF2B5EF4-FFF2-40B4-BE49-F238E27FC236}">
-                <a16:creationId xmlns:a16="http://schemas.microsoft.com/office/drawing/2014/main" xmlns="" id="{EBBCE21E-C2BB-4C2E-A4FB-E38A9D5BF14D}"/>
+                <a16:creationId xmlns="" xmlns:a16="http://schemas.microsoft.com/office/drawing/2014/main" id="{EBBCE21E-C2BB-4C2E-A4FB-E38A9D5BF14D}"/>
               </a:ext>
             </a:extLst>
           </p:cNvPr>
@@ -2008,7 +2008,7 @@
           <p:cNvPr id="5" name="灯片编号占位符 4">
             <a:extLst>
               <a:ext uri="{FF2B5EF4-FFF2-40B4-BE49-F238E27FC236}">
-                <a16:creationId xmlns:a16="http://schemas.microsoft.com/office/drawing/2014/main" xmlns="" id="{01572B68-407E-4A3C-BE83-4C19532C9629}"/>
+                <a16:creationId xmlns="" xmlns:a16="http://schemas.microsoft.com/office/drawing/2014/main" id="{01572B68-407E-4A3C-BE83-4C19532C9629}"/>
               </a:ext>
             </a:extLst>
           </p:cNvPr>
@@ -2067,7 +2067,7 @@
           <p:cNvPr id="2" name="日期占位符 1">
             <a:extLst>
               <a:ext uri="{FF2B5EF4-FFF2-40B4-BE49-F238E27FC236}">
-                <a16:creationId xmlns:a16="http://schemas.microsoft.com/office/drawing/2014/main" xmlns="" id="{EC14194F-E53D-4B08-845F-494708D7D401}"/>
+                <a16:creationId xmlns="" xmlns:a16="http://schemas.microsoft.com/office/drawing/2014/main" id="{EC14194F-E53D-4B08-845F-494708D7D401}"/>
               </a:ext>
             </a:extLst>
           </p:cNvPr>
@@ -2085,7 +2085,7 @@
           <a:p>
             <a:fld id="{FE9404C0-6422-4143-92E6-4B46A6C8788E}" type="datetimeFigureOut">
               <a:rPr lang="zh-CN" altLang="en-US" smtClean="0"/>
-              <a:t>2020/3/25</a:t>
+              <a:t>2020/6/17</a:t>
             </a:fld>
             <a:endParaRPr lang="zh-CN" altLang="en-US"/>
           </a:p>
@@ -2096,7 +2096,7 @@
           <p:cNvPr id="3" name="页脚占位符 2">
             <a:extLst>
               <a:ext uri="{FF2B5EF4-FFF2-40B4-BE49-F238E27FC236}">
-                <a16:creationId xmlns:a16="http://schemas.microsoft.com/office/drawing/2014/main" xmlns="" id="{6C26F88D-C1B4-4D8A-843C-007AE72A927A}"/>
+                <a16:creationId xmlns="" xmlns:a16="http://schemas.microsoft.com/office/drawing/2014/main" id="{6C26F88D-C1B4-4D8A-843C-007AE72A927A}"/>
               </a:ext>
             </a:extLst>
           </p:cNvPr>
@@ -2121,7 +2121,7 @@
           <p:cNvPr id="4" name="灯片编号占位符 3">
             <a:extLst>
               <a:ext uri="{FF2B5EF4-FFF2-40B4-BE49-F238E27FC236}">
-                <a16:creationId xmlns:a16="http://schemas.microsoft.com/office/drawing/2014/main" xmlns="" id="{1F8FE571-AE21-4725-8D39-24445BE3F0FE}"/>
+                <a16:creationId xmlns="" xmlns:a16="http://schemas.microsoft.com/office/drawing/2014/main" id="{1F8FE571-AE21-4725-8D39-24445BE3F0FE}"/>
               </a:ext>
             </a:extLst>
           </p:cNvPr>
@@ -2180,7 +2180,7 @@
           <p:cNvPr id="2" name="标题 1">
             <a:extLst>
               <a:ext uri="{FF2B5EF4-FFF2-40B4-BE49-F238E27FC236}">
-                <a16:creationId xmlns:a16="http://schemas.microsoft.com/office/drawing/2014/main" xmlns="" id="{CBE1602A-71DE-4719-B625-C7550C38FC89}"/>
+                <a16:creationId xmlns="" xmlns:a16="http://schemas.microsoft.com/office/drawing/2014/main" id="{CBE1602A-71DE-4719-B625-C7550C38FC89}"/>
               </a:ext>
             </a:extLst>
           </p:cNvPr>
@@ -2217,7 +2217,7 @@
           <p:cNvPr id="3" name="内容占位符 2">
             <a:extLst>
               <a:ext uri="{FF2B5EF4-FFF2-40B4-BE49-F238E27FC236}">
-                <a16:creationId xmlns:a16="http://schemas.microsoft.com/office/drawing/2014/main" xmlns="" id="{7A21E57D-69DB-4975-9DB5-1F339F6F1E56}"/>
+                <a16:creationId xmlns="" xmlns:a16="http://schemas.microsoft.com/office/drawing/2014/main" id="{7A21E57D-69DB-4975-9DB5-1F339F6F1E56}"/>
               </a:ext>
             </a:extLst>
           </p:cNvPr>
@@ -2307,7 +2307,7 @@
           <p:cNvPr id="4" name="文本占位符 3">
             <a:extLst>
               <a:ext uri="{FF2B5EF4-FFF2-40B4-BE49-F238E27FC236}">
-                <a16:creationId xmlns:a16="http://schemas.microsoft.com/office/drawing/2014/main" xmlns="" id="{F4D60A58-CB58-4F59-BCD9-6671E938735C}"/>
+                <a16:creationId xmlns="" xmlns:a16="http://schemas.microsoft.com/office/drawing/2014/main" id="{F4D60A58-CB58-4F59-BCD9-6671E938735C}"/>
               </a:ext>
             </a:extLst>
           </p:cNvPr>
@@ -2378,7 +2378,7 @@
           <p:cNvPr id="5" name="日期占位符 4">
             <a:extLst>
               <a:ext uri="{FF2B5EF4-FFF2-40B4-BE49-F238E27FC236}">
-                <a16:creationId xmlns:a16="http://schemas.microsoft.com/office/drawing/2014/main" xmlns="" id="{BFB723FF-D988-4381-B02D-29B5F43F8D23}"/>
+                <a16:creationId xmlns="" xmlns:a16="http://schemas.microsoft.com/office/drawing/2014/main" id="{BFB723FF-D988-4381-B02D-29B5F43F8D23}"/>
               </a:ext>
             </a:extLst>
           </p:cNvPr>
@@ -2396,7 +2396,7 @@
           <a:p>
             <a:fld id="{FE9404C0-6422-4143-92E6-4B46A6C8788E}" type="datetimeFigureOut">
               <a:rPr lang="zh-CN" altLang="en-US" smtClean="0"/>
-              <a:t>2020/3/25</a:t>
+              <a:t>2020/6/17</a:t>
             </a:fld>
             <a:endParaRPr lang="zh-CN" altLang="en-US"/>
           </a:p>
@@ -2407,7 +2407,7 @@
           <p:cNvPr id="6" name="页脚占位符 5">
             <a:extLst>
               <a:ext uri="{FF2B5EF4-FFF2-40B4-BE49-F238E27FC236}">
-                <a16:creationId xmlns:a16="http://schemas.microsoft.com/office/drawing/2014/main" xmlns="" id="{B8927260-C16C-4FB9-9321-11332D42F294}"/>
+                <a16:creationId xmlns="" xmlns:a16="http://schemas.microsoft.com/office/drawing/2014/main" id="{B8927260-C16C-4FB9-9321-11332D42F294}"/>
               </a:ext>
             </a:extLst>
           </p:cNvPr>
@@ -2432,7 +2432,7 @@
           <p:cNvPr id="7" name="灯片编号占位符 6">
             <a:extLst>
               <a:ext uri="{FF2B5EF4-FFF2-40B4-BE49-F238E27FC236}">
-                <a16:creationId xmlns:a16="http://schemas.microsoft.com/office/drawing/2014/main" xmlns="" id="{953F6609-5F84-4FC0-A55D-77C2C02E1B83}"/>
+                <a16:creationId xmlns="" xmlns:a16="http://schemas.microsoft.com/office/drawing/2014/main" id="{953F6609-5F84-4FC0-A55D-77C2C02E1B83}"/>
               </a:ext>
             </a:extLst>
           </p:cNvPr>
@@ -2491,7 +2491,7 @@
           <p:cNvPr id="2" name="标题 1">
             <a:extLst>
               <a:ext uri="{FF2B5EF4-FFF2-40B4-BE49-F238E27FC236}">
-                <a16:creationId xmlns:a16="http://schemas.microsoft.com/office/drawing/2014/main" xmlns="" id="{3F9DC2B0-1A3D-4826-B97E-A36D84EC0A0B}"/>
+                <a16:creationId xmlns="" xmlns:a16="http://schemas.microsoft.com/office/drawing/2014/main" id="{3F9DC2B0-1A3D-4826-B97E-A36D84EC0A0B}"/>
               </a:ext>
             </a:extLst>
           </p:cNvPr>
@@ -2528,7 +2528,7 @@
           <p:cNvPr id="3" name="图片占位符 2">
             <a:extLst>
               <a:ext uri="{FF2B5EF4-FFF2-40B4-BE49-F238E27FC236}">
-                <a16:creationId xmlns:a16="http://schemas.microsoft.com/office/drawing/2014/main" xmlns="" id="{42595506-FED8-4622-AD25-0892FE73E1B4}"/>
+                <a16:creationId xmlns="" xmlns:a16="http://schemas.microsoft.com/office/drawing/2014/main" id="{42595506-FED8-4622-AD25-0892FE73E1B4}"/>
               </a:ext>
             </a:extLst>
           </p:cNvPr>
@@ -2595,7 +2595,7 @@
           <p:cNvPr id="4" name="文本占位符 3">
             <a:extLst>
               <a:ext uri="{FF2B5EF4-FFF2-40B4-BE49-F238E27FC236}">
-                <a16:creationId xmlns:a16="http://schemas.microsoft.com/office/drawing/2014/main" xmlns="" id="{1D52FD1D-627D-473E-B4F5-A91BBA3796F1}"/>
+                <a16:creationId xmlns="" xmlns:a16="http://schemas.microsoft.com/office/drawing/2014/main" id="{1D52FD1D-627D-473E-B4F5-A91BBA3796F1}"/>
               </a:ext>
             </a:extLst>
           </p:cNvPr>
@@ -2666,7 +2666,7 @@
           <p:cNvPr id="5" name="日期占位符 4">
             <a:extLst>
               <a:ext uri="{FF2B5EF4-FFF2-40B4-BE49-F238E27FC236}">
-                <a16:creationId xmlns:a16="http://schemas.microsoft.com/office/drawing/2014/main" xmlns="" id="{3E589BC8-7452-43F3-83A3-DE2061B39E18}"/>
+                <a16:creationId xmlns="" xmlns:a16="http://schemas.microsoft.com/office/drawing/2014/main" id="{3E589BC8-7452-43F3-83A3-DE2061B39E18}"/>
               </a:ext>
             </a:extLst>
           </p:cNvPr>
@@ -2684,7 +2684,7 @@
           <a:p>
             <a:fld id="{FE9404C0-6422-4143-92E6-4B46A6C8788E}" type="datetimeFigureOut">
               <a:rPr lang="zh-CN" altLang="en-US" smtClean="0"/>
-              <a:t>2020/3/25</a:t>
+              <a:t>2020/6/17</a:t>
             </a:fld>
             <a:endParaRPr lang="zh-CN" altLang="en-US"/>
           </a:p>
@@ -2695,7 +2695,7 @@
           <p:cNvPr id="6" name="页脚占位符 5">
             <a:extLst>
               <a:ext uri="{FF2B5EF4-FFF2-40B4-BE49-F238E27FC236}">
-                <a16:creationId xmlns:a16="http://schemas.microsoft.com/office/drawing/2014/main" xmlns="" id="{B89C746E-AB48-46AF-A73D-92B72A6A56E9}"/>
+                <a16:creationId xmlns="" xmlns:a16="http://schemas.microsoft.com/office/drawing/2014/main" id="{B89C746E-AB48-46AF-A73D-92B72A6A56E9}"/>
               </a:ext>
             </a:extLst>
           </p:cNvPr>
@@ -2720,7 +2720,7 @@
           <p:cNvPr id="7" name="灯片编号占位符 6">
             <a:extLst>
               <a:ext uri="{FF2B5EF4-FFF2-40B4-BE49-F238E27FC236}">
-                <a16:creationId xmlns:a16="http://schemas.microsoft.com/office/drawing/2014/main" xmlns="" id="{69B6AA15-8473-49D5-A100-9190E6595776}"/>
+                <a16:creationId xmlns="" xmlns:a16="http://schemas.microsoft.com/office/drawing/2014/main" id="{69B6AA15-8473-49D5-A100-9190E6595776}"/>
               </a:ext>
             </a:extLst>
           </p:cNvPr>
@@ -2784,7 +2784,7 @@
           <p:cNvPr id="2" name="标题占位符 1">
             <a:extLst>
               <a:ext uri="{FF2B5EF4-FFF2-40B4-BE49-F238E27FC236}">
-                <a16:creationId xmlns:a16="http://schemas.microsoft.com/office/drawing/2014/main" xmlns="" id="{285E51D1-EEFA-418C-8B3D-306F6701763E}"/>
+                <a16:creationId xmlns="" xmlns:a16="http://schemas.microsoft.com/office/drawing/2014/main" id="{285E51D1-EEFA-418C-8B3D-306F6701763E}"/>
               </a:ext>
             </a:extLst>
           </p:cNvPr>
@@ -2822,7 +2822,7 @@
           <p:cNvPr id="3" name="文本占位符 2">
             <a:extLst>
               <a:ext uri="{FF2B5EF4-FFF2-40B4-BE49-F238E27FC236}">
-                <a16:creationId xmlns:a16="http://schemas.microsoft.com/office/drawing/2014/main" xmlns="" id="{BF9105EC-85F7-4FA2-AEBC-CE1C2E273E9B}"/>
+                <a16:creationId xmlns="" xmlns:a16="http://schemas.microsoft.com/office/drawing/2014/main" id="{BF9105EC-85F7-4FA2-AEBC-CE1C2E273E9B}"/>
               </a:ext>
             </a:extLst>
           </p:cNvPr>
@@ -2889,7 +2889,7 @@
           <p:cNvPr id="4" name="日期占位符 3">
             <a:extLst>
               <a:ext uri="{FF2B5EF4-FFF2-40B4-BE49-F238E27FC236}">
-                <a16:creationId xmlns:a16="http://schemas.microsoft.com/office/drawing/2014/main" xmlns="" id="{F2E45660-D2CC-438F-B9FA-4ED36647759A}"/>
+                <a16:creationId xmlns="" xmlns:a16="http://schemas.microsoft.com/office/drawing/2014/main" id="{F2E45660-D2CC-438F-B9FA-4ED36647759A}"/>
               </a:ext>
             </a:extLst>
           </p:cNvPr>
@@ -2925,7 +2925,7 @@
           <a:p>
             <a:fld id="{FE9404C0-6422-4143-92E6-4B46A6C8788E}" type="datetimeFigureOut">
               <a:rPr lang="zh-CN" altLang="en-US" smtClean="0"/>
-              <a:t>2020/3/25</a:t>
+              <a:t>2020/6/17</a:t>
             </a:fld>
             <a:endParaRPr lang="zh-CN" altLang="en-US"/>
           </a:p>
@@ -2936,7 +2936,7 @@
           <p:cNvPr id="5" name="页脚占位符 4">
             <a:extLst>
               <a:ext uri="{FF2B5EF4-FFF2-40B4-BE49-F238E27FC236}">
-                <a16:creationId xmlns:a16="http://schemas.microsoft.com/office/drawing/2014/main" xmlns="" id="{325AAF16-3F79-4D7C-8A0E-8E25C1487BBE}"/>
+                <a16:creationId xmlns="" xmlns:a16="http://schemas.microsoft.com/office/drawing/2014/main" id="{325AAF16-3F79-4D7C-8A0E-8E25C1487BBE}"/>
               </a:ext>
             </a:extLst>
           </p:cNvPr>
@@ -2979,7 +2979,7 @@
           <p:cNvPr id="6" name="灯片编号占位符 5">
             <a:extLst>
               <a:ext uri="{FF2B5EF4-FFF2-40B4-BE49-F238E27FC236}">
-                <a16:creationId xmlns:a16="http://schemas.microsoft.com/office/drawing/2014/main" xmlns="" id="{6080BD9D-B02F-404E-AC07-1033FBD3E008}"/>
+                <a16:creationId xmlns="" xmlns:a16="http://schemas.microsoft.com/office/drawing/2014/main" id="{6080BD9D-B02F-404E-AC07-1033FBD3E008}"/>
               </a:ext>
             </a:extLst>
           </p:cNvPr>
@@ -3344,1607 +3344,10 @@
       </p:grpSpPr>
       <p:grpSp>
         <p:nvGrpSpPr>
-          <p:cNvPr id="3" name="组合 2">
-            <a:extLst>
-              <a:ext uri="{FF2B5EF4-FFF2-40B4-BE49-F238E27FC236}">
-                <a16:creationId xmlns:a16="http://schemas.microsoft.com/office/drawing/2014/main" xmlns="" id="{6C50AD19-3358-49A6-8E5D-6A7D67AE6929}"/>
-              </a:ext>
-            </a:extLst>
-          </p:cNvPr>
-          <p:cNvGrpSpPr/>
-          <p:nvPr/>
-        </p:nvGrpSpPr>
-        <p:grpSpPr>
-          <a:xfrm>
-            <a:off x="1673678" y="355932"/>
-            <a:ext cx="9030790" cy="5875278"/>
-            <a:chOff x="2547257" y="893631"/>
-            <a:chExt cx="6460618" cy="4383763"/>
-          </a:xfrm>
-        </p:grpSpPr>
-        <p:sp>
-          <p:nvSpPr>
-            <p:cNvPr id="2" name="椭圆 1">
-              <a:extLst>
-                <a:ext uri="{FF2B5EF4-FFF2-40B4-BE49-F238E27FC236}">
-                  <a16:creationId xmlns:a16="http://schemas.microsoft.com/office/drawing/2014/main" xmlns="" id="{217E5972-C706-41B8-AFB2-9DFAAB608F74}"/>
-                </a:ext>
-              </a:extLst>
-            </p:cNvPr>
-            <p:cNvSpPr/>
-            <p:nvPr/>
-          </p:nvSpPr>
-          <p:spPr>
-            <a:xfrm>
-              <a:off x="2547257" y="2037805"/>
-              <a:ext cx="2782389" cy="2782389"/>
-            </a:xfrm>
-            <a:prstGeom prst="ellipse">
-              <a:avLst/>
-            </a:prstGeom>
-            <a:ln w="76200"/>
-          </p:spPr>
-          <p:style>
-            <a:lnRef idx="2">
-              <a:schemeClr val="dk1"/>
-            </a:lnRef>
-            <a:fillRef idx="1">
-              <a:schemeClr val="lt1"/>
-            </a:fillRef>
-            <a:effectRef idx="0">
-              <a:schemeClr val="dk1"/>
-            </a:effectRef>
-            <a:fontRef idx="minor">
-              <a:schemeClr val="dk1"/>
-            </a:fontRef>
-          </p:style>
-          <p:txBody>
-            <a:bodyPr rtlCol="0" anchor="ctr"/>
-            <a:lstStyle/>
-            <a:p>
-              <a:pPr algn="ctr"/>
-              <a:endParaRPr lang="zh-CN" altLang="en-US"/>
-            </a:p>
-          </p:txBody>
-        </p:sp>
-        <p:cxnSp>
-          <p:nvCxnSpPr>
-            <p:cNvPr id="7" name="直接连接符 6">
-              <a:extLst>
-                <a:ext uri="{FF2B5EF4-FFF2-40B4-BE49-F238E27FC236}">
-                  <a16:creationId xmlns:a16="http://schemas.microsoft.com/office/drawing/2014/main" xmlns="" id="{241E5242-67E0-41F4-92A7-1A5ACF3DF1D5}"/>
-                </a:ext>
-              </a:extLst>
-            </p:cNvPr>
-            <p:cNvCxnSpPr>
-              <a:cxnSpLocks/>
-            </p:cNvCxnSpPr>
-            <p:nvPr/>
-          </p:nvCxnSpPr>
-          <p:spPr>
-            <a:xfrm>
-              <a:off x="4586697" y="893631"/>
-              <a:ext cx="1524305" cy="4383763"/>
-            </a:xfrm>
-            <a:prstGeom prst="line">
-              <a:avLst/>
-            </a:prstGeom>
-            <a:ln w="76200">
-              <a:prstDash val="dash"/>
-            </a:ln>
-          </p:spPr>
-          <p:style>
-            <a:lnRef idx="2">
-              <a:schemeClr val="dk1"/>
-            </a:lnRef>
-            <a:fillRef idx="1">
-              <a:schemeClr val="lt1"/>
-            </a:fillRef>
-            <a:effectRef idx="0">
-              <a:schemeClr val="dk1"/>
-            </a:effectRef>
-            <a:fontRef idx="minor">
-              <a:schemeClr val="dk1"/>
-            </a:fontRef>
-          </p:style>
-        </p:cxnSp>
-        <p:cxnSp>
-          <p:nvCxnSpPr>
-            <p:cNvPr id="10" name="直接箭头连接符 9">
-              <a:extLst>
-                <a:ext uri="{FF2B5EF4-FFF2-40B4-BE49-F238E27FC236}">
-                  <a16:creationId xmlns:a16="http://schemas.microsoft.com/office/drawing/2014/main" xmlns="" id="{763F12BA-4D3E-471A-8222-93097C54E4D0}"/>
-                </a:ext>
-              </a:extLst>
-            </p:cNvPr>
-            <p:cNvCxnSpPr/>
-            <p:nvPr/>
-          </p:nvCxnSpPr>
-          <p:spPr>
-            <a:xfrm flipV="1">
-              <a:off x="5199017" y="2037805"/>
-              <a:ext cx="2429692" cy="917746"/>
-            </a:xfrm>
-            <a:prstGeom prst="straightConnector1">
-              <a:avLst/>
-            </a:prstGeom>
-            <a:ln w="76200">
-              <a:tailEnd type="triangle"/>
-            </a:ln>
-          </p:spPr>
-          <p:style>
-            <a:lnRef idx="2">
-              <a:schemeClr val="dk1"/>
-            </a:lnRef>
-            <a:fillRef idx="1">
-              <a:schemeClr val="lt1"/>
-            </a:fillRef>
-            <a:effectRef idx="0">
-              <a:schemeClr val="dk1"/>
-            </a:effectRef>
-            <a:fontRef idx="minor">
-              <a:schemeClr val="dk1"/>
-            </a:fontRef>
-          </p:style>
-        </p:cxnSp>
-        <p:cxnSp>
-          <p:nvCxnSpPr>
-            <p:cNvPr id="12" name="直接箭头连接符 11">
-              <a:extLst>
-                <a:ext uri="{FF2B5EF4-FFF2-40B4-BE49-F238E27FC236}">
-                  <a16:creationId xmlns:a16="http://schemas.microsoft.com/office/drawing/2014/main" xmlns="" id="{EC5E7836-B9CB-4221-9891-2156423A6927}"/>
-                </a:ext>
-              </a:extLst>
-            </p:cNvPr>
-            <p:cNvCxnSpPr>
-              <a:cxnSpLocks/>
-            </p:cNvCxnSpPr>
-            <p:nvPr/>
-          </p:nvCxnSpPr>
-          <p:spPr>
-            <a:xfrm flipV="1">
-              <a:off x="3938451" y="2955550"/>
-              <a:ext cx="1260566" cy="513308"/>
-            </a:xfrm>
-            <a:prstGeom prst="straightConnector1">
-              <a:avLst/>
-            </a:prstGeom>
-            <a:ln w="76200">
-              <a:tailEnd type="triangle"/>
-            </a:ln>
-          </p:spPr>
-          <p:style>
-            <a:lnRef idx="2">
-              <a:schemeClr val="dk1"/>
-            </a:lnRef>
-            <a:fillRef idx="1">
-              <a:schemeClr val="lt1"/>
-            </a:fillRef>
-            <a:effectRef idx="0">
-              <a:schemeClr val="dk1"/>
-            </a:effectRef>
-            <a:fontRef idx="minor">
-              <a:schemeClr val="dk1"/>
-            </a:fontRef>
-          </p:style>
-        </p:cxnSp>
-        <mc:AlternateContent xmlns:mc="http://schemas.openxmlformats.org/markup-compatibility/2006" xmlns:a14="http://schemas.microsoft.com/office/drawing/2010/main">
-          <mc:Choice Requires="a14">
-            <p:sp>
-              <p:nvSpPr>
-                <p:cNvPr id="16" name="文本框 15">
-                  <a:extLst>
-                    <a:ext uri="{FF2B5EF4-FFF2-40B4-BE49-F238E27FC236}">
-                      <a16:creationId xmlns:a16="http://schemas.microsoft.com/office/drawing/2014/main" xmlns="" id="{1574E065-AC3C-46D1-9CCB-43BBA9A85B3E}"/>
-                    </a:ext>
-                  </a:extLst>
-                </p:cNvPr>
-                <p:cNvSpPr txBox="1"/>
-                <p:nvPr/>
-              </p:nvSpPr>
-              <p:spPr>
-                <a:xfrm>
-                  <a:off x="7029393" y="2474660"/>
-                  <a:ext cx="1978482" cy="688931"/>
-                </a:xfrm>
-                <a:prstGeom prst="rect">
-                  <a:avLst/>
-                </a:prstGeom>
-                <a:noFill/>
-              </p:spPr>
-              <p:txBody>
-                <a:bodyPr wrap="none" lIns="0" tIns="0" rIns="0" bIns="0" rtlCol="0">
-                  <a:spAutoFit/>
-                </a:bodyPr>
-                <a:lstStyle/>
-                <a:p>
-                  <a:pPr/>
-                  <a14:m>
-                    <m:oMathPara xmlns:m="http://schemas.openxmlformats.org/officeDocument/2006/math">
-                      <m:oMathParaPr>
-                        <m:jc m:val="centerGroup"/>
-                      </m:oMathParaPr>
-                      <m:oMath xmlns:m="http://schemas.openxmlformats.org/officeDocument/2006/math">
-                        <m:r>
-                          <a:rPr lang="en-US" altLang="zh-CN" sz="6000" b="0" i="1" smtClean="0">
-                            <a:latin typeface="Cambria Math" panose="02040503050406030204" pitchFamily="18" charset="0"/>
-                          </a:rPr>
-                          <m:t>−</m:t>
-                        </m:r>
-                        <m:r>
-                          <a:rPr lang="en-US" altLang="zh-CN" sz="6000" b="0" i="0" smtClean="0">
-                            <a:latin typeface="Cambria Math" panose="02040503050406030204" pitchFamily="18" charset="0"/>
-                          </a:rPr>
-                          <m:t>𝛻</m:t>
-                        </m:r>
-                        <m:r>
-                          <a:rPr lang="en-US" altLang="zh-CN" sz="6000" b="0" i="1" smtClean="0">
-                            <a:latin typeface="Cambria Math" panose="02040503050406030204" pitchFamily="18" charset="0"/>
-                          </a:rPr>
-                          <m:t>𝑙</m:t>
-                        </m:r>
-                        <m:r>
-                          <a:rPr lang="en-US" altLang="zh-CN" sz="6000" b="0" i="1" smtClean="0">
-                            <a:latin typeface="Cambria Math" panose="02040503050406030204" pitchFamily="18" charset="0"/>
-                          </a:rPr>
-                          <m:t>(</m:t>
-                        </m:r>
-                        <m:r>
-                          <a:rPr lang="en-US" altLang="zh-CN" sz="6000" b="1" i="1" smtClean="0">
-                            <a:latin typeface="Cambria Math" panose="02040503050406030204" pitchFamily="18" charset="0"/>
-                          </a:rPr>
-                          <m:t>𝝎</m:t>
-                        </m:r>
-                        <m:r>
-                          <a:rPr lang="en-US" altLang="zh-CN" sz="6000" b="1" i="1" smtClean="0">
-                            <a:latin typeface="Cambria Math" panose="02040503050406030204" pitchFamily="18" charset="0"/>
-                          </a:rPr>
-                          <m:t>)</m:t>
-                        </m:r>
-                      </m:oMath>
-                    </m:oMathPara>
-                  </a14:m>
-                  <a:endParaRPr lang="zh-CN" altLang="en-US" sz="6000" dirty="0"/>
-                </a:p>
-              </p:txBody>
-            </p:sp>
-          </mc:Choice>
-          <mc:Fallback xmlns="">
-            <p:sp>
-              <p:nvSpPr>
-                <p:cNvPr id="16" name="文本框 15">
-                  <a:extLst>
-                    <a:ext uri="{FF2B5EF4-FFF2-40B4-BE49-F238E27FC236}">
-                      <a16:creationId xmlns:a16="http://schemas.microsoft.com/office/drawing/2014/main" id="{1574E065-AC3C-46D1-9CCB-43BBA9A85B3E}"/>
-                    </a:ext>
-                  </a:extLst>
-                </p:cNvPr>
-                <p:cNvSpPr txBox="1">
-                  <a:spLocks noRot="1" noChangeAspect="1" noMove="1" noResize="1" noEditPoints="1" noAdjustHandles="1" noChangeArrowheads="1" noChangeShapeType="1" noTextEdit="1"/>
-                </p:cNvSpPr>
-                <p:nvPr/>
-              </p:nvSpPr>
-              <p:spPr>
-                <a:xfrm>
-                  <a:off x="7029393" y="2474660"/>
-                  <a:ext cx="1978482" cy="688931"/>
-                </a:xfrm>
-                <a:prstGeom prst="rect">
-                  <a:avLst/>
-                </a:prstGeom>
-                <a:blipFill>
-                  <a:blip r:embed="rId2"/>
-                  <a:stretch>
-                    <a:fillRect/>
-                  </a:stretch>
-                </a:blipFill>
-              </p:spPr>
-              <p:txBody>
-                <a:bodyPr/>
-                <a:lstStyle/>
-                <a:p>
-                  <a:r>
-                    <a:rPr lang="zh-CN" altLang="en-US">
-                      <a:noFill/>
-                    </a:rPr>
-                    <a:t> </a:t>
-                  </a:r>
-                </a:p>
-              </p:txBody>
-            </p:sp>
-          </mc:Fallback>
-        </mc:AlternateContent>
-        <mc:AlternateContent xmlns:mc="http://schemas.openxmlformats.org/markup-compatibility/2006" xmlns:a14="http://schemas.microsoft.com/office/drawing/2010/main">
-          <mc:Choice Requires="a14">
-            <p:sp>
-              <p:nvSpPr>
-                <p:cNvPr id="17" name="文本框 16">
-                  <a:extLst>
-                    <a:ext uri="{FF2B5EF4-FFF2-40B4-BE49-F238E27FC236}">
-                      <a16:creationId xmlns:a16="http://schemas.microsoft.com/office/drawing/2014/main" xmlns="" id="{DE16A630-73AA-4BF2-9863-BFAC6B4D6458}"/>
-                    </a:ext>
-                  </a:extLst>
-                </p:cNvPr>
-                <p:cNvSpPr txBox="1"/>
-                <p:nvPr/>
-              </p:nvSpPr>
-              <p:spPr>
-                <a:xfrm>
-                  <a:off x="2994911" y="2519928"/>
-                  <a:ext cx="1226144" cy="688931"/>
-                </a:xfrm>
-                <a:prstGeom prst="rect">
-                  <a:avLst/>
-                </a:prstGeom>
-                <a:noFill/>
-              </p:spPr>
-              <p:txBody>
-                <a:bodyPr wrap="none" lIns="0" tIns="0" rIns="0" bIns="0" rtlCol="0">
-                  <a:spAutoFit/>
-                </a:bodyPr>
-                <a:lstStyle/>
-                <a:p>
-                  <a:pPr/>
-                  <a14:m>
-                    <m:oMathPara xmlns:m="http://schemas.openxmlformats.org/officeDocument/2006/math">
-                      <m:oMathParaPr>
-                        <m:jc m:val="centerGroup"/>
-                      </m:oMathParaPr>
-                      <m:oMath xmlns:m="http://schemas.openxmlformats.org/officeDocument/2006/math">
-                        <m:sSub>
-                          <m:sSubPr>
-                            <m:ctrlPr>
-                              <a:rPr lang="en-US" altLang="zh-CN" sz="6000" b="1" i="1" smtClean="0">
-                                <a:latin typeface="Cambria Math"/>
-                              </a:rPr>
-                            </m:ctrlPr>
-                          </m:sSubPr>
-                          <m:e>
-                            <m:r>
-                              <m:rPr>
-                                <m:sty m:val="p"/>
-                              </m:rPr>
-                              <a:rPr lang="en-US" altLang="zh-CN" sz="6000" b="0" i="0" smtClean="0">
-                                <a:latin typeface="Cambria Math"/>
-                              </a:rPr>
-                              <m:t>Δ</m:t>
-                            </m:r>
-                            <m:r>
-                              <a:rPr lang="en-US" altLang="zh-CN" sz="6000" b="1" i="1" smtClean="0">
-                                <a:latin typeface="Cambria Math"/>
-                              </a:rPr>
-                              <m:t>𝝎</m:t>
-                            </m:r>
-                          </m:e>
-                          <m:sub>
-                            <m:r>
-                              <a:rPr lang="en-US" altLang="zh-CN" sz="6000" b="0" i="1" smtClean="0">
-                                <a:latin typeface="Cambria Math" panose="02040503050406030204" pitchFamily="18" charset="0"/>
-                              </a:rPr>
-                              <m:t>𝑘</m:t>
-                            </m:r>
-                          </m:sub>
-                        </m:sSub>
-                      </m:oMath>
-                    </m:oMathPara>
-                  </a14:m>
-                  <a:endParaRPr lang="zh-CN" altLang="en-US" sz="3600" b="1" dirty="0"/>
-                </a:p>
-              </p:txBody>
-            </p:sp>
-          </mc:Choice>
-          <mc:Fallback xmlns="">
-            <p:sp>
-              <p:nvSpPr>
-                <p:cNvPr id="17" name="文本框 16">
-                  <a:extLst>
-                    <a:ext uri="{FF2B5EF4-FFF2-40B4-BE49-F238E27FC236}">
-                      <a16:creationId xmlns:a16="http://schemas.microsoft.com/office/drawing/2014/main" xmlns:a14="http://schemas.microsoft.com/office/drawing/2010/main" xmlns="" id="{DE16A630-73AA-4BF2-9863-BFAC6B4D6458}"/>
-                    </a:ext>
-                  </a:extLst>
-                </p:cNvPr>
-                <p:cNvSpPr txBox="1">
-                  <a:spLocks noRot="1" noChangeAspect="1" noMove="1" noResize="1" noEditPoints="1" noAdjustHandles="1" noChangeArrowheads="1" noChangeShapeType="1" noTextEdit="1"/>
-                </p:cNvSpPr>
-                <p:nvPr/>
-              </p:nvSpPr>
-              <p:spPr>
-                <a:xfrm>
-                  <a:off x="2994911" y="2519928"/>
-                  <a:ext cx="1226144" cy="688931"/>
-                </a:xfrm>
-                <a:prstGeom prst="rect">
-                  <a:avLst/>
-                </a:prstGeom>
-                <a:blipFill rotWithShape="1">
-                  <a:blip r:embed="rId3"/>
-                  <a:stretch>
-                    <a:fillRect/>
-                  </a:stretch>
-                </a:blipFill>
-              </p:spPr>
-              <p:txBody>
-                <a:bodyPr/>
-                <a:lstStyle/>
-                <a:p>
-                  <a:r>
-                    <a:rPr lang="zh-CN" altLang="en-US">
-                      <a:noFill/>
-                    </a:rPr>
-                    <a:t> </a:t>
-                  </a:r>
-                </a:p>
-              </p:txBody>
-            </p:sp>
-          </mc:Fallback>
-        </mc:AlternateContent>
-      </p:grpSp>
-    </p:spTree>
-    <p:extLst>
-      <p:ext uri="{BB962C8B-B14F-4D97-AF65-F5344CB8AC3E}">
-        <p14:creationId xmlns:p14="http://schemas.microsoft.com/office/powerpoint/2010/main" val="4092466036"/>
-      </p:ext>
-    </p:extLst>
-  </p:cSld>
-  <p:clrMapOvr>
-    <a:masterClrMapping/>
-  </p:clrMapOvr>
-</p:sld>
-</file>
-
-<file path=ppt/slides/slide2.xml><?xml version="1.0" encoding="utf-8"?>
-<p:sld xmlns:a="http://schemas.openxmlformats.org/drawingml/2006/main" xmlns:r="http://schemas.openxmlformats.org/officeDocument/2006/relationships" xmlns:p="http://schemas.openxmlformats.org/presentationml/2006/main">
-  <p:cSld>
-    <p:spTree>
-      <p:nvGrpSpPr>
-        <p:cNvPr id="1" name=""/>
-        <p:cNvGrpSpPr/>
-        <p:nvPr/>
-      </p:nvGrpSpPr>
-      <p:grpSpPr>
-        <a:xfrm>
-          <a:off x="0" y="0"/>
-          <a:ext cx="0" cy="0"/>
-          <a:chOff x="0" y="0"/>
-          <a:chExt cx="0" cy="0"/>
-        </a:xfrm>
-      </p:grpSpPr>
-      <p:grpSp>
-        <p:nvGrpSpPr>
-          <p:cNvPr id="27" name="组合 26">
-            <a:extLst>
-              <a:ext uri="{FF2B5EF4-FFF2-40B4-BE49-F238E27FC236}">
-                <a16:creationId xmlns:a16="http://schemas.microsoft.com/office/drawing/2014/main" xmlns="" id="{435342C9-D8D0-4A0E-86A1-E177C85B967A}"/>
-              </a:ext>
-            </a:extLst>
-          </p:cNvPr>
-          <p:cNvGrpSpPr/>
-          <p:nvPr/>
-        </p:nvGrpSpPr>
-        <p:grpSpPr>
-          <a:xfrm>
-            <a:off x="799526" y="573065"/>
-            <a:ext cx="11200750" cy="5461562"/>
-            <a:chOff x="850326" y="1193800"/>
-            <a:chExt cx="11200750" cy="5461562"/>
-          </a:xfrm>
-        </p:grpSpPr>
-        <p:grpSp>
-          <p:nvGrpSpPr>
-            <p:cNvPr id="2" name="组合 1">
-              <a:extLst>
-                <a:ext uri="{FF2B5EF4-FFF2-40B4-BE49-F238E27FC236}">
-                  <a16:creationId xmlns:a16="http://schemas.microsoft.com/office/drawing/2014/main" xmlns="" id="{99C8280D-1152-407C-A9D6-7849E32201B4}"/>
-                </a:ext>
-              </a:extLst>
-            </p:cNvPr>
-            <p:cNvGrpSpPr/>
-            <p:nvPr/>
-          </p:nvGrpSpPr>
-          <p:grpSpPr>
-            <a:xfrm>
-              <a:off x="850326" y="1193800"/>
-              <a:ext cx="5588574" cy="3882485"/>
-              <a:chOff x="2209226" y="972008"/>
-              <a:chExt cx="5994236" cy="4193177"/>
-            </a:xfrm>
-          </p:grpSpPr>
-          <p:cxnSp>
-            <p:nvCxnSpPr>
-              <p:cNvPr id="7" name="直接连接符 6">
-                <a:extLst>
-                  <a:ext uri="{FF2B5EF4-FFF2-40B4-BE49-F238E27FC236}">
-                    <a16:creationId xmlns:a16="http://schemas.microsoft.com/office/drawing/2014/main" xmlns="" id="{241E5242-67E0-41F4-92A7-1A5ACF3DF1D5}"/>
-                  </a:ext>
-                </a:extLst>
-              </p:cNvPr>
-              <p:cNvCxnSpPr>
-                <a:cxnSpLocks/>
-              </p:cNvCxnSpPr>
-              <p:nvPr/>
-            </p:nvCxnSpPr>
-            <p:spPr>
-              <a:xfrm>
-                <a:off x="4119699" y="972008"/>
-                <a:ext cx="1994124" cy="4193177"/>
-              </a:xfrm>
-              <a:prstGeom prst="line">
-                <a:avLst/>
-              </a:prstGeom>
-              <a:ln w="76200">
-                <a:prstDash val="dash"/>
-              </a:ln>
-            </p:spPr>
-            <p:style>
-              <a:lnRef idx="2">
-                <a:schemeClr val="dk1"/>
-              </a:lnRef>
-              <a:fillRef idx="1">
-                <a:schemeClr val="lt1"/>
-              </a:fillRef>
-              <a:effectRef idx="0">
-                <a:schemeClr val="dk1"/>
-              </a:effectRef>
-              <a:fontRef idx="minor">
-                <a:schemeClr val="dk1"/>
-              </a:fontRef>
-            </p:style>
-          </p:cxnSp>
-          <mc:AlternateContent xmlns:mc="http://schemas.openxmlformats.org/markup-compatibility/2006" xmlns:a14="http://schemas.microsoft.com/office/drawing/2010/main">
-            <mc:Choice Requires="a14">
-              <p:sp>
-                <p:nvSpPr>
-                  <p:cNvPr id="17" name="文本框 16">
-                    <a:extLst>
-                      <a:ext uri="{FF2B5EF4-FFF2-40B4-BE49-F238E27FC236}">
-                        <a16:creationId xmlns:a16="http://schemas.microsoft.com/office/drawing/2014/main" xmlns="" id="{DE16A630-73AA-4BF2-9863-BFAC6B4D6458}"/>
-                      </a:ext>
-                    </a:extLst>
-                  </p:cNvPr>
-                  <p:cNvSpPr txBox="1"/>
-                  <p:nvPr/>
-                </p:nvSpPr>
-                <p:spPr>
-                  <a:xfrm>
-                    <a:off x="2838755" y="2514599"/>
-                    <a:ext cx="668453" cy="553998"/>
-                  </a:xfrm>
-                  <a:prstGeom prst="rect">
-                    <a:avLst/>
-                  </a:prstGeom>
-                  <a:noFill/>
-                </p:spPr>
-                <p:txBody>
-                  <a:bodyPr wrap="none" lIns="0" tIns="0" rIns="0" bIns="0" rtlCol="0">
-                    <a:spAutoFit/>
-                  </a:bodyPr>
-                  <a:lstStyle/>
-                  <a:p>
-                    <a:pPr/>
-                    <a14:m>
-                      <m:oMathPara xmlns:m="http://schemas.openxmlformats.org/officeDocument/2006/math">
-                        <m:oMathParaPr>
-                          <m:jc m:val="centerGroup"/>
-                        </m:oMathParaPr>
-                        <m:oMath xmlns:m="http://schemas.openxmlformats.org/officeDocument/2006/math">
-                          <m:r>
-                            <m:rPr>
-                              <m:sty m:val="p"/>
-                            </m:rPr>
-                            <a:rPr lang="en-US" altLang="zh-CN" sz="3600" b="0" i="0" smtClean="0">
-                              <a:latin typeface="Cambria Math" panose="02040503050406030204" pitchFamily="18" charset="0"/>
-                            </a:rPr>
-                            <m:t>Δ</m:t>
-                          </m:r>
-                          <m:r>
-                            <a:rPr lang="en-US" altLang="zh-CN" sz="3600" b="1" i="1">
-                              <a:latin typeface="Cambria Math" panose="02040503050406030204" pitchFamily="18" charset="0"/>
-                            </a:rPr>
-                            <m:t>𝒙</m:t>
-                          </m:r>
-                        </m:oMath>
-                      </m:oMathPara>
-                    </a14:m>
-                    <a:endParaRPr lang="zh-CN" altLang="en-US" sz="3600" dirty="0"/>
-                  </a:p>
-                </p:txBody>
-              </p:sp>
-            </mc:Choice>
-            <mc:Fallback xmlns="">
-              <p:sp>
-                <p:nvSpPr>
-                  <p:cNvPr id="17" name="文本框 16">
-                    <a:extLst>
-                      <a:ext uri="{FF2B5EF4-FFF2-40B4-BE49-F238E27FC236}">
-                        <a16:creationId xmlns:a16="http://schemas.microsoft.com/office/drawing/2014/main" id="{DE16A630-73AA-4BF2-9863-BFAC6B4D6458}"/>
-                      </a:ext>
-                    </a:extLst>
-                  </p:cNvPr>
-                  <p:cNvSpPr txBox="1">
-                    <a:spLocks noRot="1" noChangeAspect="1" noMove="1" noResize="1" noEditPoints="1" noAdjustHandles="1" noChangeArrowheads="1" noChangeShapeType="1" noTextEdit="1"/>
-                  </p:cNvSpPr>
-                  <p:nvPr/>
-                </p:nvSpPr>
-                <p:spPr>
-                  <a:xfrm>
-                    <a:off x="2838755" y="2514599"/>
-                    <a:ext cx="668453" cy="553998"/>
-                  </a:xfrm>
-                  <a:prstGeom prst="rect">
-                    <a:avLst/>
-                  </a:prstGeom>
-                  <a:blipFill>
-                    <a:blip r:embed="rId2"/>
-                    <a:stretch>
-                      <a:fillRect/>
-                    </a:stretch>
-                  </a:blipFill>
-                </p:spPr>
-                <p:txBody>
-                  <a:bodyPr/>
-                  <a:lstStyle/>
-                  <a:p>
-                    <a:r>
-                      <a:rPr lang="zh-CN" altLang="en-US">
-                        <a:noFill/>
-                      </a:rPr>
-                      <a:t> </a:t>
-                    </a:r>
-                  </a:p>
-                </p:txBody>
-              </p:sp>
-            </mc:Fallback>
-          </mc:AlternateContent>
-          <p:sp>
-            <p:nvSpPr>
-              <p:cNvPr id="3" name="矩形 2">
-                <a:extLst>
-                  <a:ext uri="{FF2B5EF4-FFF2-40B4-BE49-F238E27FC236}">
-                    <a16:creationId xmlns:a16="http://schemas.microsoft.com/office/drawing/2014/main" xmlns="" id="{568B263D-91A5-435B-A0AF-C3F4A650D301}"/>
-                  </a:ext>
-                </a:extLst>
-              </p:cNvPr>
-              <p:cNvSpPr/>
-              <p:nvPr/>
-            </p:nvSpPr>
-            <p:spPr>
-              <a:xfrm rot="2718230">
-                <a:off x="2209226" y="2423749"/>
-                <a:ext cx="2606040" cy="2606040"/>
-              </a:xfrm>
-              <a:prstGeom prst="rect">
-                <a:avLst/>
-              </a:prstGeom>
-              <a:ln w="76200">
-                <a:solidFill>
-                  <a:schemeClr val="tx1"/>
-                </a:solidFill>
-              </a:ln>
-            </p:spPr>
-            <p:style>
-              <a:lnRef idx="2">
-                <a:schemeClr val="accent6"/>
-              </a:lnRef>
-              <a:fillRef idx="1">
-                <a:schemeClr val="lt1"/>
-              </a:fillRef>
-              <a:effectRef idx="0">
-                <a:schemeClr val="accent6"/>
-              </a:effectRef>
-              <a:fontRef idx="minor">
-                <a:schemeClr val="dk1"/>
-              </a:fontRef>
-            </p:style>
-            <p:txBody>
-              <a:bodyPr rtlCol="0" anchor="ctr"/>
-              <a:lstStyle/>
-              <a:p>
-                <a:pPr algn="ctr"/>
-                <a:endParaRPr lang="zh-CN" altLang="en-US"/>
-              </a:p>
-            </p:txBody>
-          </p:sp>
-          <p:cxnSp>
-            <p:nvCxnSpPr>
-              <p:cNvPr id="12" name="直接箭头连接符 11">
-                <a:extLst>
-                  <a:ext uri="{FF2B5EF4-FFF2-40B4-BE49-F238E27FC236}">
-                    <a16:creationId xmlns:a16="http://schemas.microsoft.com/office/drawing/2014/main" xmlns="" id="{EC5E7836-B9CB-4221-9891-2156423A6927}"/>
-                  </a:ext>
-                </a:extLst>
-              </p:cNvPr>
-              <p:cNvCxnSpPr>
-                <a:cxnSpLocks/>
-              </p:cNvCxnSpPr>
-              <p:nvPr/>
-            </p:nvCxnSpPr>
-            <p:spPr>
-              <a:xfrm flipV="1">
-                <a:off x="3507208" y="3726769"/>
-                <a:ext cx="1847761" cy="100648"/>
-              </a:xfrm>
-              <a:prstGeom prst="straightConnector1">
-                <a:avLst/>
-              </a:prstGeom>
-              <a:ln w="76200">
-                <a:tailEnd type="triangle"/>
-              </a:ln>
-            </p:spPr>
-            <p:style>
-              <a:lnRef idx="2">
-                <a:schemeClr val="dk1"/>
-              </a:lnRef>
-              <a:fillRef idx="1">
-                <a:schemeClr val="lt1"/>
-              </a:fillRef>
-              <a:effectRef idx="0">
-                <a:schemeClr val="dk1"/>
-              </a:effectRef>
-              <a:fontRef idx="minor">
-                <a:schemeClr val="dk1"/>
-              </a:fontRef>
-            </p:style>
-          </p:cxnSp>
-          <p:cxnSp>
-            <p:nvCxnSpPr>
-              <p:cNvPr id="10" name="直接箭头连接符 9">
-                <a:extLst>
-                  <a:ext uri="{FF2B5EF4-FFF2-40B4-BE49-F238E27FC236}">
-                    <a16:creationId xmlns:a16="http://schemas.microsoft.com/office/drawing/2014/main" xmlns="" id="{763F12BA-4D3E-471A-8222-93097C54E4D0}"/>
-                  </a:ext>
-                </a:extLst>
-              </p:cNvPr>
-              <p:cNvCxnSpPr>
-                <a:cxnSpLocks/>
-              </p:cNvCxnSpPr>
-              <p:nvPr/>
-            </p:nvCxnSpPr>
-            <p:spPr>
-              <a:xfrm flipV="1">
-                <a:off x="3544946" y="2037805"/>
-                <a:ext cx="4083763" cy="1765413"/>
-              </a:xfrm>
-              <a:prstGeom prst="straightConnector1">
-                <a:avLst/>
-              </a:prstGeom>
-              <a:ln w="76200">
-                <a:tailEnd type="triangle"/>
-              </a:ln>
-            </p:spPr>
-            <p:style>
-              <a:lnRef idx="2">
-                <a:schemeClr val="dk1"/>
-              </a:lnRef>
-              <a:fillRef idx="1">
-                <a:schemeClr val="lt1"/>
-              </a:fillRef>
-              <a:effectRef idx="0">
-                <a:schemeClr val="dk1"/>
-              </a:effectRef>
-              <a:fontRef idx="minor">
-                <a:schemeClr val="dk1"/>
-              </a:fontRef>
-            </p:style>
-          </p:cxnSp>
-          <mc:AlternateContent xmlns:mc="http://schemas.openxmlformats.org/markup-compatibility/2006" xmlns:a14="http://schemas.microsoft.com/office/drawing/2010/main">
-            <mc:Choice Requires="a14">
-              <p:sp>
-                <p:nvSpPr>
-                  <p:cNvPr id="11" name="文本框 10">
-                    <a:extLst>
-                      <a:ext uri="{FF2B5EF4-FFF2-40B4-BE49-F238E27FC236}">
-                        <a16:creationId xmlns:a16="http://schemas.microsoft.com/office/drawing/2014/main" xmlns="" id="{707C873B-ED95-4D94-99F4-3401AE61E8E2}"/>
-                      </a:ext>
-                    </a:extLst>
-                  </p:cNvPr>
-                  <p:cNvSpPr txBox="1"/>
-                  <p:nvPr/>
-                </p:nvSpPr>
-                <p:spPr>
-                  <a:xfrm>
-                    <a:off x="5906166" y="2724243"/>
-                    <a:ext cx="2297296" cy="615553"/>
-                  </a:xfrm>
-                  <a:prstGeom prst="rect">
-                    <a:avLst/>
-                  </a:prstGeom>
-                  <a:noFill/>
-                </p:spPr>
-                <p:txBody>
-                  <a:bodyPr wrap="square" lIns="0" tIns="0" rIns="0" bIns="0" rtlCol="0">
-                    <a:spAutoFit/>
-                  </a:bodyPr>
-                  <a:lstStyle/>
-                  <a:p>
-                    <a:pPr/>
-                    <a14:m>
-                      <m:oMathPara xmlns:m="http://schemas.openxmlformats.org/officeDocument/2006/math">
-                        <m:oMathParaPr>
-                          <m:jc m:val="centerGroup"/>
-                        </m:oMathParaPr>
-                        <m:oMath xmlns:m="http://schemas.openxmlformats.org/officeDocument/2006/math">
-                          <m:r>
-                            <a:rPr lang="en-US" altLang="zh-CN" sz="4000" b="0" i="1" smtClean="0">
-                              <a:latin typeface="Cambria Math" panose="02040503050406030204" pitchFamily="18" charset="0"/>
-                            </a:rPr>
-                            <m:t>−</m:t>
-                          </m:r>
-                          <m:r>
-                            <a:rPr lang="en-US" altLang="zh-CN" sz="4000" b="0" i="0" smtClean="0">
-                              <a:latin typeface="Cambria Math" panose="02040503050406030204" pitchFamily="18" charset="0"/>
-                            </a:rPr>
-                            <m:t>𝛻</m:t>
-                          </m:r>
-                          <m:r>
-                            <a:rPr lang="en-US" altLang="zh-CN" sz="4000" b="0" i="1" smtClean="0">
-                              <a:latin typeface="Cambria Math" panose="02040503050406030204" pitchFamily="18" charset="0"/>
-                            </a:rPr>
-                            <m:t>𝑙</m:t>
-                          </m:r>
-                          <m:r>
-                            <a:rPr lang="en-US" altLang="zh-CN" sz="4000" b="0" i="1" smtClean="0">
-                              <a:latin typeface="Cambria Math" panose="02040503050406030204" pitchFamily="18" charset="0"/>
-                            </a:rPr>
-                            <m:t>(</m:t>
-                          </m:r>
-                          <m:r>
-                            <a:rPr lang="en-US" altLang="zh-CN" sz="4000" b="1" i="1" smtClean="0">
-                              <a:latin typeface="Cambria Math" panose="02040503050406030204" pitchFamily="18" charset="0"/>
-                            </a:rPr>
-                            <m:t>𝝎</m:t>
-                          </m:r>
-                          <m:r>
-                            <a:rPr lang="en-US" altLang="zh-CN" sz="4000" b="1" i="1" smtClean="0">
-                              <a:latin typeface="Cambria Math" panose="02040503050406030204" pitchFamily="18" charset="0"/>
-                            </a:rPr>
-                            <m:t>)</m:t>
-                          </m:r>
-                        </m:oMath>
-                      </m:oMathPara>
-                    </a14:m>
-                    <a:endParaRPr lang="zh-CN" altLang="en-US" sz="4000" dirty="0"/>
-                  </a:p>
-                </p:txBody>
-              </p:sp>
-            </mc:Choice>
-            <mc:Fallback xmlns="">
-              <p:sp>
-                <p:nvSpPr>
-                  <p:cNvPr id="11" name="文本框 10">
-                    <a:extLst>
-                      <a:ext uri="{FF2B5EF4-FFF2-40B4-BE49-F238E27FC236}">
-                        <a16:creationId xmlns:a16="http://schemas.microsoft.com/office/drawing/2014/main" id="{707C873B-ED95-4D94-99F4-3401AE61E8E2}"/>
-                      </a:ext>
-                    </a:extLst>
-                  </p:cNvPr>
-                  <p:cNvSpPr txBox="1">
-                    <a:spLocks noRot="1" noChangeAspect="1" noMove="1" noResize="1" noEditPoints="1" noAdjustHandles="1" noChangeArrowheads="1" noChangeShapeType="1" noTextEdit="1"/>
-                  </p:cNvSpPr>
-                  <p:nvPr/>
-                </p:nvSpPr>
-                <p:spPr>
-                  <a:xfrm>
-                    <a:off x="5906166" y="2724243"/>
-                    <a:ext cx="2297296" cy="615553"/>
-                  </a:xfrm>
-                  <a:prstGeom prst="rect">
-                    <a:avLst/>
-                  </a:prstGeom>
-                  <a:blipFill>
-                    <a:blip r:embed="rId4"/>
-                    <a:stretch>
-                      <a:fillRect b="-3191"/>
-                    </a:stretch>
-                  </a:blipFill>
-                </p:spPr>
-                <p:txBody>
-                  <a:bodyPr/>
-                  <a:lstStyle/>
-                  <a:p>
-                    <a:r>
-                      <a:rPr lang="zh-CN" altLang="en-US">
-                        <a:noFill/>
-                      </a:rPr>
-                      <a:t> </a:t>
-                    </a:r>
-                  </a:p>
-                </p:txBody>
-              </p:sp>
-            </mc:Fallback>
-          </mc:AlternateContent>
-        </p:grpSp>
-        <p:grpSp>
-          <p:nvGrpSpPr>
-            <p:cNvPr id="6" name="组合 5">
-              <a:extLst>
-                <a:ext uri="{FF2B5EF4-FFF2-40B4-BE49-F238E27FC236}">
-                  <a16:creationId xmlns:a16="http://schemas.microsoft.com/office/drawing/2014/main" xmlns="" id="{6741912A-55B7-4A92-97DB-9F7EAD07C83B}"/>
-                </a:ext>
-              </a:extLst>
-            </p:cNvPr>
-            <p:cNvGrpSpPr/>
-            <p:nvPr/>
-          </p:nvGrpSpPr>
-          <p:grpSpPr>
-            <a:xfrm>
-              <a:off x="6391327" y="1392894"/>
-              <a:ext cx="5659749" cy="4072211"/>
-              <a:chOff x="5623110" y="1429408"/>
-              <a:chExt cx="5659749" cy="4072211"/>
-            </a:xfrm>
-          </p:grpSpPr>
-          <mc:AlternateContent xmlns:mc="http://schemas.openxmlformats.org/markup-compatibility/2006" xmlns:a14="http://schemas.microsoft.com/office/drawing/2010/main">
-            <mc:Choice Requires="a14">
-              <p:sp>
-                <p:nvSpPr>
-                  <p:cNvPr id="23" name="文本框 22">
-                    <a:extLst>
-                      <a:ext uri="{FF2B5EF4-FFF2-40B4-BE49-F238E27FC236}">
-                        <a16:creationId xmlns:a16="http://schemas.microsoft.com/office/drawing/2014/main" xmlns="" id="{31694926-FE40-4406-8B7D-AB1016F5BEF7}"/>
-                      </a:ext>
-                    </a:extLst>
-                  </p:cNvPr>
-                  <p:cNvSpPr txBox="1"/>
-                  <p:nvPr/>
-                </p:nvSpPr>
-                <p:spPr>
-                  <a:xfrm>
-                    <a:off x="9141033" y="3248563"/>
-                    <a:ext cx="2141826" cy="569944"/>
-                  </a:xfrm>
-                  <a:prstGeom prst="rect">
-                    <a:avLst/>
-                  </a:prstGeom>
-                  <a:noFill/>
-                </p:spPr>
-                <p:txBody>
-                  <a:bodyPr wrap="square" lIns="0" tIns="0" rIns="0" bIns="0" rtlCol="0">
-                    <a:spAutoFit/>
-                  </a:bodyPr>
-                  <a:lstStyle/>
-                  <a:p>
-                    <a:pPr/>
-                    <a14:m>
-                      <m:oMathPara xmlns:m="http://schemas.openxmlformats.org/officeDocument/2006/math">
-                        <m:oMathParaPr>
-                          <m:jc m:val="centerGroup"/>
-                        </m:oMathParaPr>
-                        <m:oMath xmlns:m="http://schemas.openxmlformats.org/officeDocument/2006/math">
-                          <m:r>
-                            <a:rPr lang="en-US" altLang="zh-CN" sz="4000" b="0" i="1" smtClean="0">
-                              <a:latin typeface="Cambria Math" panose="02040503050406030204" pitchFamily="18" charset="0"/>
-                            </a:rPr>
-                            <m:t>−</m:t>
-                          </m:r>
-                          <m:r>
-                            <a:rPr lang="en-US" altLang="zh-CN" sz="4000" b="0" i="0" smtClean="0">
-                              <a:latin typeface="Cambria Math" panose="02040503050406030204" pitchFamily="18" charset="0"/>
-                            </a:rPr>
-                            <m:t>𝛻</m:t>
-                          </m:r>
-                          <m:r>
-                            <a:rPr lang="en-US" altLang="zh-CN" sz="4000" b="0" i="1" smtClean="0">
-                              <a:latin typeface="Cambria Math" panose="02040503050406030204" pitchFamily="18" charset="0"/>
-                            </a:rPr>
-                            <m:t>𝑙</m:t>
-                          </m:r>
-                          <m:r>
-                            <a:rPr lang="en-US" altLang="zh-CN" sz="4000" b="0" i="1" smtClean="0">
-                              <a:latin typeface="Cambria Math" panose="02040503050406030204" pitchFamily="18" charset="0"/>
-                            </a:rPr>
-                            <m:t>(</m:t>
-                          </m:r>
-                          <m:r>
-                            <a:rPr lang="en-US" altLang="zh-CN" sz="4000" b="1" i="1" smtClean="0">
-                              <a:latin typeface="Cambria Math" panose="02040503050406030204" pitchFamily="18" charset="0"/>
-                            </a:rPr>
-                            <m:t>𝝎</m:t>
-                          </m:r>
-                          <m:r>
-                            <a:rPr lang="en-US" altLang="zh-CN" sz="4000" b="1" i="1" smtClean="0">
-                              <a:latin typeface="Cambria Math" panose="02040503050406030204" pitchFamily="18" charset="0"/>
-                            </a:rPr>
-                            <m:t>)</m:t>
-                          </m:r>
-                        </m:oMath>
-                      </m:oMathPara>
-                    </a14:m>
-                    <a:endParaRPr lang="zh-CN" altLang="en-US" sz="4000" dirty="0"/>
-                  </a:p>
-                </p:txBody>
-              </p:sp>
-            </mc:Choice>
-            <mc:Fallback xmlns="">
-              <p:sp>
-                <p:nvSpPr>
-                  <p:cNvPr id="23" name="文本框 22">
-                    <a:extLst>
-                      <a:ext uri="{FF2B5EF4-FFF2-40B4-BE49-F238E27FC236}">
-                        <a16:creationId xmlns:a16="http://schemas.microsoft.com/office/drawing/2014/main" id="{31694926-FE40-4406-8B7D-AB1016F5BEF7}"/>
-                      </a:ext>
-                    </a:extLst>
-                  </p:cNvPr>
-                  <p:cNvSpPr txBox="1">
-                    <a:spLocks noRot="1" noChangeAspect="1" noMove="1" noResize="1" noEditPoints="1" noAdjustHandles="1" noChangeArrowheads="1" noChangeShapeType="1" noTextEdit="1"/>
-                  </p:cNvSpPr>
-                  <p:nvPr/>
-                </p:nvSpPr>
-                <p:spPr>
-                  <a:xfrm>
-                    <a:off x="9141033" y="3248563"/>
-                    <a:ext cx="2141826" cy="569944"/>
-                  </a:xfrm>
-                  <a:prstGeom prst="rect">
-                    <a:avLst/>
-                  </a:prstGeom>
-                  <a:blipFill>
-                    <a:blip r:embed="rId5"/>
-                    <a:stretch>
-                      <a:fillRect b="-3191"/>
-                    </a:stretch>
-                  </a:blipFill>
-                </p:spPr>
-                <p:txBody>
-                  <a:bodyPr/>
-                  <a:lstStyle/>
-                  <a:p>
-                    <a:r>
-                      <a:rPr lang="zh-CN" altLang="en-US">
-                        <a:noFill/>
-                      </a:rPr>
-                      <a:t> </a:t>
-                    </a:r>
-                  </a:p>
-                </p:txBody>
-              </p:sp>
-            </mc:Fallback>
-          </mc:AlternateContent>
-          <p:grpSp>
-            <p:nvGrpSpPr>
-              <p:cNvPr id="13" name="组合 12">
-                <a:extLst>
-                  <a:ext uri="{FF2B5EF4-FFF2-40B4-BE49-F238E27FC236}">
-                    <a16:creationId xmlns:a16="http://schemas.microsoft.com/office/drawing/2014/main" xmlns="" id="{CBFF6074-9BD4-4077-9C2E-48AA39D2ABD5}"/>
-                  </a:ext>
-                </a:extLst>
-              </p:cNvPr>
-              <p:cNvGrpSpPr/>
-              <p:nvPr/>
-            </p:nvGrpSpPr>
-            <p:grpSpPr>
-              <a:xfrm>
-                <a:off x="5623110" y="1429408"/>
-                <a:ext cx="5390887" cy="4072211"/>
-                <a:chOff x="1780800" y="893631"/>
-                <a:chExt cx="5847909" cy="4383763"/>
-              </a:xfrm>
-            </p:grpSpPr>
-            <p:sp>
-              <p:nvSpPr>
-                <p:cNvPr id="14" name="椭圆 13">
-                  <a:extLst>
-                    <a:ext uri="{FF2B5EF4-FFF2-40B4-BE49-F238E27FC236}">
-                      <a16:creationId xmlns:a16="http://schemas.microsoft.com/office/drawing/2014/main" xmlns="" id="{745CFD7A-F788-4051-9BD4-1E5490771D5F}"/>
-                    </a:ext>
-                  </a:extLst>
-                </p:cNvPr>
-                <p:cNvSpPr/>
-                <p:nvPr/>
-              </p:nvSpPr>
-              <p:spPr>
-                <a:xfrm rot="18622520">
-                  <a:off x="2653995" y="1405818"/>
-                  <a:ext cx="2385690" cy="4132080"/>
-                </a:xfrm>
-                <a:prstGeom prst="ellipse">
-                  <a:avLst/>
-                </a:prstGeom>
-                <a:ln w="76200"/>
-              </p:spPr>
-              <p:style>
-                <a:lnRef idx="2">
-                  <a:schemeClr val="dk1"/>
-                </a:lnRef>
-                <a:fillRef idx="1">
-                  <a:schemeClr val="lt1"/>
-                </a:fillRef>
-                <a:effectRef idx="0">
-                  <a:schemeClr val="dk1"/>
-                </a:effectRef>
-                <a:fontRef idx="minor">
-                  <a:schemeClr val="dk1"/>
-                </a:fontRef>
-              </p:style>
-              <p:txBody>
-                <a:bodyPr rtlCol="0" anchor="ctr"/>
-                <a:lstStyle/>
-                <a:p>
-                  <a:pPr algn="ctr"/>
-                  <a:endParaRPr lang="zh-CN" altLang="en-US"/>
-                </a:p>
-              </p:txBody>
-            </p:sp>
-            <p:cxnSp>
-              <p:nvCxnSpPr>
-                <p:cNvPr id="18" name="直接连接符 17">
-                  <a:extLst>
-                    <a:ext uri="{FF2B5EF4-FFF2-40B4-BE49-F238E27FC236}">
-                      <a16:creationId xmlns:a16="http://schemas.microsoft.com/office/drawing/2014/main" xmlns="" id="{A0195542-3858-41D5-9526-4617D8AB1CBB}"/>
-                    </a:ext>
-                  </a:extLst>
-                </p:cNvPr>
-                <p:cNvCxnSpPr>
-                  <a:cxnSpLocks/>
-                </p:cNvCxnSpPr>
-                <p:nvPr/>
-              </p:nvCxnSpPr>
-              <p:spPr>
-                <a:xfrm>
-                  <a:off x="4586697" y="893631"/>
-                  <a:ext cx="1524305" cy="4383763"/>
-                </a:xfrm>
-                <a:prstGeom prst="line">
-                  <a:avLst/>
-                </a:prstGeom>
-                <a:ln w="76200">
-                  <a:prstDash val="dash"/>
-                </a:ln>
-              </p:spPr>
-              <p:style>
-                <a:lnRef idx="2">
-                  <a:schemeClr val="dk1"/>
-                </a:lnRef>
-                <a:fillRef idx="1">
-                  <a:schemeClr val="lt1"/>
-                </a:fillRef>
-                <a:effectRef idx="0">
-                  <a:schemeClr val="dk1"/>
-                </a:effectRef>
-                <a:fontRef idx="minor">
-                  <a:schemeClr val="dk1"/>
-                </a:fontRef>
-              </p:style>
-            </p:cxnSp>
-            <p:cxnSp>
-              <p:nvCxnSpPr>
-                <p:cNvPr id="19" name="直接箭头连接符 18">
-                  <a:extLst>
-                    <a:ext uri="{FF2B5EF4-FFF2-40B4-BE49-F238E27FC236}">
-                      <a16:creationId xmlns:a16="http://schemas.microsoft.com/office/drawing/2014/main" xmlns="" id="{C08EB1D5-BB7D-4FA4-B0ED-AC43134C833C}"/>
-                    </a:ext>
-                  </a:extLst>
-                </p:cNvPr>
-                <p:cNvCxnSpPr/>
-                <p:nvPr/>
-              </p:nvCxnSpPr>
-              <p:spPr>
-                <a:xfrm flipV="1">
-                  <a:off x="3938451" y="2037805"/>
-                  <a:ext cx="3690258" cy="1427708"/>
-                </a:xfrm>
-                <a:prstGeom prst="straightConnector1">
-                  <a:avLst/>
-                </a:prstGeom>
-                <a:ln w="76200">
-                  <a:tailEnd type="triangle"/>
-                </a:ln>
-              </p:spPr>
-              <p:style>
-                <a:lnRef idx="2">
-                  <a:schemeClr val="dk1"/>
-                </a:lnRef>
-                <a:fillRef idx="1">
-                  <a:schemeClr val="lt1"/>
-                </a:fillRef>
-                <a:effectRef idx="0">
-                  <a:schemeClr val="dk1"/>
-                </a:effectRef>
-                <a:fontRef idx="minor">
-                  <a:schemeClr val="dk1"/>
-                </a:fontRef>
-              </p:style>
-            </p:cxnSp>
-            <p:cxnSp>
-              <p:nvCxnSpPr>
-                <p:cNvPr id="20" name="直接箭头连接符 19">
-                  <a:extLst>
-                    <a:ext uri="{FF2B5EF4-FFF2-40B4-BE49-F238E27FC236}">
-                      <a16:creationId xmlns:a16="http://schemas.microsoft.com/office/drawing/2014/main" xmlns="" id="{5CF00446-AAE6-4A72-9467-9D788E79782F}"/>
-                    </a:ext>
-                  </a:extLst>
-                </p:cNvPr>
-                <p:cNvCxnSpPr>
-                  <a:cxnSpLocks/>
-                  <a:endCxn id="14" idx="5"/>
-                </p:cNvCxnSpPr>
-                <p:nvPr/>
-              </p:nvCxnSpPr>
-              <p:spPr>
-                <a:xfrm>
-                  <a:off x="3993969" y="3465513"/>
-                  <a:ext cx="1516408" cy="302927"/>
-                </a:xfrm>
-                <a:prstGeom prst="straightConnector1">
-                  <a:avLst/>
-                </a:prstGeom>
-                <a:ln w="76200">
-                  <a:tailEnd type="triangle"/>
-                </a:ln>
-              </p:spPr>
-              <p:style>
-                <a:lnRef idx="2">
-                  <a:schemeClr val="dk1"/>
-                </a:lnRef>
-                <a:fillRef idx="1">
-                  <a:schemeClr val="lt1"/>
-                </a:fillRef>
-                <a:effectRef idx="0">
-                  <a:schemeClr val="dk1"/>
-                </a:effectRef>
-                <a:fontRef idx="minor">
-                  <a:schemeClr val="dk1"/>
-                </a:fontRef>
-              </p:style>
-            </p:cxnSp>
-          </p:grpSp>
-        </p:grpSp>
-        <p:sp>
-          <p:nvSpPr>
-            <p:cNvPr id="25" name="文本框 24">
-              <a:extLst>
-                <a:ext uri="{FF2B5EF4-FFF2-40B4-BE49-F238E27FC236}">
-                  <a16:creationId xmlns:a16="http://schemas.microsoft.com/office/drawing/2014/main" xmlns="" id="{A1E7BCAF-4C6E-4C3B-8FDA-8FE6BE42631C}"/>
-                </a:ext>
-              </a:extLst>
-            </p:cNvPr>
-            <p:cNvSpPr txBox="1"/>
-            <p:nvPr/>
-          </p:nvSpPr>
-          <p:spPr>
-            <a:xfrm>
-              <a:off x="2137740" y="5824365"/>
-              <a:ext cx="987534" cy="830997"/>
-            </a:xfrm>
-            <a:prstGeom prst="rect">
-              <a:avLst/>
-            </a:prstGeom>
-            <a:noFill/>
-          </p:spPr>
-          <p:txBody>
-            <a:bodyPr wrap="square" rtlCol="0">
-              <a:spAutoFit/>
-            </a:bodyPr>
-            <a:lstStyle/>
-            <a:p>
-              <a:r>
-                <a:rPr lang="en-US" altLang="zh-CN" sz="4800" dirty="0"/>
-                <a:t>a</a:t>
-              </a:r>
-              <a:endParaRPr lang="zh-CN" altLang="en-US" sz="2800" dirty="0"/>
-            </a:p>
-          </p:txBody>
-        </p:sp>
-        <p:sp>
-          <p:nvSpPr>
-            <p:cNvPr id="26" name="文本框 25">
-              <a:extLst>
-                <a:ext uri="{FF2B5EF4-FFF2-40B4-BE49-F238E27FC236}">
-                  <a16:creationId xmlns:a16="http://schemas.microsoft.com/office/drawing/2014/main" xmlns="" id="{2CAC448A-8802-4A11-9E48-EB172DD9A8EF}"/>
-                </a:ext>
-              </a:extLst>
-            </p:cNvPr>
-            <p:cNvSpPr txBox="1"/>
-            <p:nvPr/>
-          </p:nvSpPr>
-          <p:spPr>
-            <a:xfrm>
-              <a:off x="8791922" y="5824365"/>
-              <a:ext cx="987534" cy="830997"/>
-            </a:xfrm>
-            <a:prstGeom prst="rect">
-              <a:avLst/>
-            </a:prstGeom>
-            <a:noFill/>
-          </p:spPr>
-          <p:txBody>
-            <a:bodyPr wrap="square" rtlCol="0">
-              <a:spAutoFit/>
-            </a:bodyPr>
-            <a:lstStyle/>
-            <a:p>
-              <a:r>
-                <a:rPr lang="en-US" altLang="zh-CN" sz="4800" dirty="0"/>
-                <a:t>b</a:t>
-              </a:r>
-              <a:endParaRPr lang="zh-CN" altLang="en-US" sz="2800" dirty="0"/>
-            </a:p>
-          </p:txBody>
-        </p:sp>
-      </p:grpSp>
-      <mc:AlternateContent xmlns:mc="http://schemas.openxmlformats.org/markup-compatibility/2006" xmlns:a14="http://schemas.microsoft.com/office/drawing/2010/main">
-        <mc:Choice Requires="a14">
-          <p:sp>
-            <p:nvSpPr>
-              <p:cNvPr id="22" name="文本框 16">
-                <a:extLst>
-                  <a:ext uri="{FF2B5EF4-FFF2-40B4-BE49-F238E27FC236}">
-                    <a16:creationId xmlns:a16="http://schemas.microsoft.com/office/drawing/2014/main" xmlns="" id="{DE16A630-73AA-4BF2-9863-BFAC6B4D6458}"/>
-                  </a:ext>
-                </a:extLst>
-              </p:cNvPr>
-              <p:cNvSpPr txBox="1"/>
-              <p:nvPr/>
-            </p:nvSpPr>
-            <p:spPr>
-              <a:xfrm>
-                <a:off x="1084011" y="2157379"/>
-                <a:ext cx="1228093" cy="677108"/>
-              </a:xfrm>
-              <a:prstGeom prst="rect">
-                <a:avLst/>
-              </a:prstGeom>
-              <a:noFill/>
-            </p:spPr>
-            <p:txBody>
-              <a:bodyPr wrap="none" lIns="0" tIns="0" rIns="0" bIns="0" rtlCol="0">
-                <a:spAutoFit/>
-              </a:bodyPr>
-              <a:lstStyle/>
-              <a:p>
-                <a:pPr/>
-                <a14:m>
-                  <m:oMathPara xmlns:m="http://schemas.openxmlformats.org/officeDocument/2006/math">
-                    <m:oMathParaPr>
-                      <m:jc m:val="centerGroup"/>
-                    </m:oMathParaPr>
-                    <m:oMath xmlns:m="http://schemas.openxmlformats.org/officeDocument/2006/math">
-                      <m:sSub>
-                        <m:sSubPr>
-                          <m:ctrlPr>
-                            <a:rPr lang="en-US" altLang="zh-CN" sz="4400" b="1" i="1" smtClean="0">
-                              <a:latin typeface="Cambria Math"/>
-                            </a:rPr>
-                          </m:ctrlPr>
-                        </m:sSubPr>
-                        <m:e>
-                          <m:r>
-                            <m:rPr>
-                              <m:sty m:val="p"/>
-                            </m:rPr>
-                            <a:rPr lang="en-US" altLang="zh-CN" sz="4400" b="0" i="0" smtClean="0">
-                              <a:latin typeface="Cambria Math"/>
-                            </a:rPr>
-                            <m:t>Δ</m:t>
-                          </m:r>
-                          <m:r>
-                            <a:rPr lang="en-US" altLang="zh-CN" sz="4400" b="1" i="1" smtClean="0">
-                              <a:latin typeface="Cambria Math"/>
-                            </a:rPr>
-                            <m:t>𝝎</m:t>
-                          </m:r>
-                        </m:e>
-                        <m:sub>
-                          <m:r>
-                            <a:rPr lang="en-US" altLang="zh-CN" sz="4400" b="0" i="1" smtClean="0">
-                              <a:latin typeface="Cambria Math" panose="02040503050406030204" pitchFamily="18" charset="0"/>
-                            </a:rPr>
-                            <m:t>𝑘</m:t>
-                          </m:r>
-                        </m:sub>
-                      </m:sSub>
-                    </m:oMath>
-                  </m:oMathPara>
-                </a14:m>
-                <a:endParaRPr lang="zh-CN" altLang="en-US" sz="2400" b="1" dirty="0"/>
-              </a:p>
-            </p:txBody>
-          </p:sp>
-        </mc:Choice>
-        <mc:Fallback xmlns="">
-          <p:sp>
-            <p:nvSpPr>
-              <p:cNvPr id="22" name="文本框 16">
-                <a:extLst>
-                  <a:ext uri="{FF2B5EF4-FFF2-40B4-BE49-F238E27FC236}">
-                    <a16:creationId xmlns:a16="http://schemas.microsoft.com/office/drawing/2014/main" xmlns:a14="http://schemas.microsoft.com/office/drawing/2010/main" xmlns="" id="{DE16A630-73AA-4BF2-9863-BFAC6B4D6458}"/>
-                  </a:ext>
-                </a:extLst>
-              </p:cNvPr>
-              <p:cNvSpPr txBox="1">
-                <a:spLocks noRot="1" noChangeAspect="1" noMove="1" noResize="1" noEditPoints="1" noAdjustHandles="1" noChangeArrowheads="1" noChangeShapeType="1" noTextEdit="1"/>
-              </p:cNvSpPr>
-              <p:nvPr/>
-            </p:nvSpPr>
-            <p:spPr>
-              <a:xfrm>
-                <a:off x="1084011" y="2157379"/>
-                <a:ext cx="1228093" cy="677108"/>
-              </a:xfrm>
-              <a:prstGeom prst="rect">
-                <a:avLst/>
-              </a:prstGeom>
-              <a:blipFill rotWithShape="1">
-                <a:blip r:embed="rId6"/>
-                <a:stretch>
-                  <a:fillRect/>
-                </a:stretch>
-              </a:blipFill>
-            </p:spPr>
-            <p:txBody>
-              <a:bodyPr/>
-              <a:lstStyle/>
-              <a:p>
-                <a:r>
-                  <a:rPr lang="zh-CN" altLang="en-US">
-                    <a:noFill/>
-                  </a:rPr>
-                  <a:t> </a:t>
-                </a:r>
-              </a:p>
-            </p:txBody>
-          </p:sp>
-        </mc:Fallback>
-      </mc:AlternateContent>
-      <mc:AlternateContent xmlns:mc="http://schemas.openxmlformats.org/markup-compatibility/2006" xmlns:a14="http://schemas.microsoft.com/office/drawing/2010/main">
-        <mc:Choice Requires="a14">
-          <p:sp>
-            <p:nvSpPr>
-              <p:cNvPr id="28" name="文本框 16">
-                <a:extLst>
-                  <a:ext uri="{FF2B5EF4-FFF2-40B4-BE49-F238E27FC236}">
-                    <a16:creationId xmlns:a16="http://schemas.microsoft.com/office/drawing/2014/main" xmlns="" id="{DE16A630-73AA-4BF2-9863-BFAC6B4D6458}"/>
-                  </a:ext>
-                </a:extLst>
-              </p:cNvPr>
-              <p:cNvSpPr txBox="1"/>
-              <p:nvPr/>
-            </p:nvSpPr>
-            <p:spPr>
-              <a:xfrm>
-                <a:off x="6879970" y="2061274"/>
-                <a:ext cx="1228093" cy="677108"/>
-              </a:xfrm>
-              <a:prstGeom prst="rect">
-                <a:avLst/>
-              </a:prstGeom>
-              <a:noFill/>
-            </p:spPr>
-            <p:txBody>
-              <a:bodyPr wrap="none" lIns="0" tIns="0" rIns="0" bIns="0" rtlCol="0">
-                <a:spAutoFit/>
-              </a:bodyPr>
-              <a:lstStyle/>
-              <a:p>
-                <a:pPr/>
-                <a14:m>
-                  <m:oMathPara xmlns:m="http://schemas.openxmlformats.org/officeDocument/2006/math">
-                    <m:oMathParaPr>
-                      <m:jc m:val="centerGroup"/>
-                    </m:oMathParaPr>
-                    <m:oMath xmlns:m="http://schemas.openxmlformats.org/officeDocument/2006/math">
-                      <m:sSub>
-                        <m:sSubPr>
-                          <m:ctrlPr>
-                            <a:rPr lang="en-US" altLang="zh-CN" sz="4400" b="1" i="1" smtClean="0">
-                              <a:latin typeface="Cambria Math"/>
-                            </a:rPr>
-                          </m:ctrlPr>
-                        </m:sSubPr>
-                        <m:e>
-                          <m:r>
-                            <m:rPr>
-                              <m:sty m:val="p"/>
-                            </m:rPr>
-                            <a:rPr lang="en-US" altLang="zh-CN" sz="4400" b="0" i="0" smtClean="0">
-                              <a:latin typeface="Cambria Math"/>
-                            </a:rPr>
-                            <m:t>Δ</m:t>
-                          </m:r>
-                          <m:r>
-                            <a:rPr lang="en-US" altLang="zh-CN" sz="4400" b="1" i="1" smtClean="0">
-                              <a:latin typeface="Cambria Math"/>
-                            </a:rPr>
-                            <m:t>𝝎</m:t>
-                          </m:r>
-                        </m:e>
-                        <m:sub>
-                          <m:r>
-                            <a:rPr lang="en-US" altLang="zh-CN" sz="4400" b="0" i="1" smtClean="0">
-                              <a:latin typeface="Cambria Math" panose="02040503050406030204" pitchFamily="18" charset="0"/>
-                            </a:rPr>
-                            <m:t>𝑘</m:t>
-                          </m:r>
-                        </m:sub>
-                      </m:sSub>
-                    </m:oMath>
-                  </m:oMathPara>
-                </a14:m>
-                <a:endParaRPr lang="zh-CN" altLang="en-US" sz="2400" b="1" dirty="0"/>
-              </a:p>
-            </p:txBody>
-          </p:sp>
-        </mc:Choice>
-        <mc:Fallback xmlns="">
-          <p:sp>
-            <p:nvSpPr>
-              <p:cNvPr id="28" name="文本框 16">
-                <a:extLst>
-                  <a:ext uri="{FF2B5EF4-FFF2-40B4-BE49-F238E27FC236}">
-                    <a16:creationId xmlns:a16="http://schemas.microsoft.com/office/drawing/2014/main" xmlns:a14="http://schemas.microsoft.com/office/drawing/2010/main" xmlns="" id="{DE16A630-73AA-4BF2-9863-BFAC6B4D6458}"/>
-                  </a:ext>
-                </a:extLst>
-              </p:cNvPr>
-              <p:cNvSpPr txBox="1">
-                <a:spLocks noRot="1" noChangeAspect="1" noMove="1" noResize="1" noEditPoints="1" noAdjustHandles="1" noChangeArrowheads="1" noChangeShapeType="1" noTextEdit="1"/>
-              </p:cNvSpPr>
-              <p:nvPr/>
-            </p:nvSpPr>
-            <p:spPr>
-              <a:xfrm>
-                <a:off x="6879970" y="2061274"/>
-                <a:ext cx="1228093" cy="677108"/>
-              </a:xfrm>
-              <a:prstGeom prst="rect">
-                <a:avLst/>
-              </a:prstGeom>
-              <a:blipFill rotWithShape="1">
-                <a:blip r:embed="rId7"/>
-                <a:stretch>
-                  <a:fillRect/>
-                </a:stretch>
-              </a:blipFill>
-            </p:spPr>
-            <p:txBody>
-              <a:bodyPr/>
-              <a:lstStyle/>
-              <a:p>
-                <a:r>
-                  <a:rPr lang="zh-CN" altLang="en-US">
-                    <a:noFill/>
-                  </a:rPr>
-                  <a:t> </a:t>
-                </a:r>
-              </a:p>
-            </p:txBody>
-          </p:sp>
-        </mc:Fallback>
-      </mc:AlternateContent>
-    </p:spTree>
-    <p:extLst>
-      <p:ext uri="{BB962C8B-B14F-4D97-AF65-F5344CB8AC3E}">
-        <p14:creationId xmlns:p14="http://schemas.microsoft.com/office/powerpoint/2010/main" val="2708456576"/>
-      </p:ext>
-    </p:extLst>
-  </p:cSld>
-  <p:clrMapOvr>
-    <a:masterClrMapping/>
-  </p:clrMapOvr>
-</p:sld>
-</file>
-
-<file path=ppt/slides/slide3.xml><?xml version="1.0" encoding="utf-8"?>
-<p:sld xmlns:a="http://schemas.openxmlformats.org/drawingml/2006/main" xmlns:r="http://schemas.openxmlformats.org/officeDocument/2006/relationships" xmlns:p="http://schemas.openxmlformats.org/presentationml/2006/main">
-  <p:cSld>
-    <p:spTree>
-      <p:nvGrpSpPr>
-        <p:cNvPr id="1" name=""/>
-        <p:cNvGrpSpPr/>
-        <p:nvPr/>
-      </p:nvGrpSpPr>
-      <p:grpSpPr>
-        <a:xfrm>
-          <a:off x="0" y="0"/>
-          <a:ext cx="0" cy="0"/>
-          <a:chOff x="0" y="0"/>
-          <a:chExt cx="0" cy="0"/>
-        </a:xfrm>
-      </p:grpSpPr>
-      <p:grpSp>
-        <p:nvGrpSpPr>
           <p:cNvPr id="16" name="组合 15">
             <a:extLst>
               <a:ext uri="{FF2B5EF4-FFF2-40B4-BE49-F238E27FC236}">
-                <a16:creationId xmlns:a16="http://schemas.microsoft.com/office/drawing/2014/main" xmlns="" id="{234E0859-149C-44FC-9467-303198BA6E73}"/>
+                <a16:creationId xmlns="" xmlns:a16="http://schemas.microsoft.com/office/drawing/2014/main" id="{234E0859-149C-44FC-9467-303198BA6E73}"/>
               </a:ext>
             </a:extLst>
           </p:cNvPr>
@@ -4964,7 +3367,7 @@
             <p:cNvPr id="4" name="椭圆 3">
               <a:extLst>
                 <a:ext uri="{FF2B5EF4-FFF2-40B4-BE49-F238E27FC236}">
-                  <a16:creationId xmlns:a16="http://schemas.microsoft.com/office/drawing/2014/main" xmlns="" id="{5395ACDC-AD70-4F1A-B214-A2CE98EBB883}"/>
+                  <a16:creationId xmlns="" xmlns:a16="http://schemas.microsoft.com/office/drawing/2014/main" id="{5395ACDC-AD70-4F1A-B214-A2CE98EBB883}"/>
                 </a:ext>
               </a:extLst>
             </p:cNvPr>
@@ -5020,7 +3423,7 @@
             <p:cNvPr id="5" name="椭圆 4">
               <a:extLst>
                 <a:ext uri="{FF2B5EF4-FFF2-40B4-BE49-F238E27FC236}">
-                  <a16:creationId xmlns:a16="http://schemas.microsoft.com/office/drawing/2014/main" xmlns="" id="{1659147C-6A9F-4F5E-B488-C485AEA233B2}"/>
+                  <a16:creationId xmlns="" xmlns:a16="http://schemas.microsoft.com/office/drawing/2014/main" id="{1659147C-6A9F-4F5E-B488-C485AEA233B2}"/>
                 </a:ext>
               </a:extLst>
             </p:cNvPr>
@@ -5076,7 +3479,7 @@
             <p:cNvPr id="6" name="椭圆 5">
               <a:extLst>
                 <a:ext uri="{FF2B5EF4-FFF2-40B4-BE49-F238E27FC236}">
-                  <a16:creationId xmlns:a16="http://schemas.microsoft.com/office/drawing/2014/main" xmlns="" id="{9CBB42FB-E885-43B2-9DE7-71EBA63E1D97}"/>
+                  <a16:creationId xmlns="" xmlns:a16="http://schemas.microsoft.com/office/drawing/2014/main" id="{9CBB42FB-E885-43B2-9DE7-71EBA63E1D97}"/>
                 </a:ext>
               </a:extLst>
             </p:cNvPr>
@@ -5132,7 +3535,7 @@
             <p:cNvPr id="7" name="椭圆 6">
               <a:extLst>
                 <a:ext uri="{FF2B5EF4-FFF2-40B4-BE49-F238E27FC236}">
-                  <a16:creationId xmlns:a16="http://schemas.microsoft.com/office/drawing/2014/main" xmlns="" id="{FD881160-F679-4156-BBF8-3014956C992C}"/>
+                  <a16:creationId xmlns="" xmlns:a16="http://schemas.microsoft.com/office/drawing/2014/main" id="{FD881160-F679-4156-BBF8-3014956C992C}"/>
                 </a:ext>
               </a:extLst>
             </p:cNvPr>
@@ -5188,7 +3591,7 @@
             <p:cNvPr id="8" name="椭圆 7">
               <a:extLst>
                 <a:ext uri="{FF2B5EF4-FFF2-40B4-BE49-F238E27FC236}">
-                  <a16:creationId xmlns:a16="http://schemas.microsoft.com/office/drawing/2014/main" xmlns="" id="{94439C99-4541-4601-B7ED-74182808E753}"/>
+                  <a16:creationId xmlns="" xmlns:a16="http://schemas.microsoft.com/office/drawing/2014/main" id="{94439C99-4541-4601-B7ED-74182808E753}"/>
                 </a:ext>
               </a:extLst>
             </p:cNvPr>
@@ -5245,7 +3648,7 @@
           <p:cNvPr id="14" name="直接连接符 13">
             <a:extLst>
               <a:ext uri="{FF2B5EF4-FFF2-40B4-BE49-F238E27FC236}">
-                <a16:creationId xmlns:a16="http://schemas.microsoft.com/office/drawing/2014/main" xmlns="" id="{D5A850EE-1C80-41BC-B9B4-B34955A9C7C3}"/>
+                <a16:creationId xmlns="" xmlns:a16="http://schemas.microsoft.com/office/drawing/2014/main" id="{D5A850EE-1C80-41BC-B9B4-B34955A9C7C3}"/>
               </a:ext>
             </a:extLst>
           </p:cNvPr>
@@ -5284,7 +3687,7 @@
           <p:cNvPr id="17" name="直接连接符 16">
             <a:extLst>
               <a:ext uri="{FF2B5EF4-FFF2-40B4-BE49-F238E27FC236}">
-                <a16:creationId xmlns:a16="http://schemas.microsoft.com/office/drawing/2014/main" xmlns="" id="{E186B60B-EE9E-48F3-A238-CA0B7433894B}"/>
+                <a16:creationId xmlns="" xmlns:a16="http://schemas.microsoft.com/office/drawing/2014/main" id="{E186B60B-EE9E-48F3-A238-CA0B7433894B}"/>
               </a:ext>
             </a:extLst>
           </p:cNvPr>
@@ -5323,7 +3726,7 @@
           <p:cNvPr id="25" name="直接连接符 24">
             <a:extLst>
               <a:ext uri="{FF2B5EF4-FFF2-40B4-BE49-F238E27FC236}">
-                <a16:creationId xmlns:a16="http://schemas.microsoft.com/office/drawing/2014/main" xmlns="" id="{D3CC5E1C-64F6-48E0-B20E-0A78E2858689}"/>
+                <a16:creationId xmlns="" xmlns:a16="http://schemas.microsoft.com/office/drawing/2014/main" id="{D3CC5E1C-64F6-48E0-B20E-0A78E2858689}"/>
               </a:ext>
             </a:extLst>
           </p:cNvPr>
@@ -5362,7 +3765,7 @@
           <p:cNvPr id="26" name="直接连接符 25">
             <a:extLst>
               <a:ext uri="{FF2B5EF4-FFF2-40B4-BE49-F238E27FC236}">
-                <a16:creationId xmlns:a16="http://schemas.microsoft.com/office/drawing/2014/main" xmlns="" id="{6B4DC181-F175-41DB-99A5-6B96CE89C216}"/>
+                <a16:creationId xmlns="" xmlns:a16="http://schemas.microsoft.com/office/drawing/2014/main" id="{6B4DC181-F175-41DB-99A5-6B96CE89C216}"/>
               </a:ext>
             </a:extLst>
           </p:cNvPr>
@@ -5401,7 +3804,7 @@
           <p:cNvPr id="27" name="直接连接符 26">
             <a:extLst>
               <a:ext uri="{FF2B5EF4-FFF2-40B4-BE49-F238E27FC236}">
-                <a16:creationId xmlns:a16="http://schemas.microsoft.com/office/drawing/2014/main" xmlns="" id="{C8A06F6C-6605-49FF-8E02-1A24420FAF60}"/>
+                <a16:creationId xmlns="" xmlns:a16="http://schemas.microsoft.com/office/drawing/2014/main" id="{C8A06F6C-6605-49FF-8E02-1A24420FAF60}"/>
               </a:ext>
             </a:extLst>
           </p:cNvPr>
@@ -5440,7 +3843,7 @@
           <p:cNvPr id="30" name="直接连接符 29">
             <a:extLst>
               <a:ext uri="{FF2B5EF4-FFF2-40B4-BE49-F238E27FC236}">
-                <a16:creationId xmlns:a16="http://schemas.microsoft.com/office/drawing/2014/main" xmlns="" id="{1CECC0C5-D5F4-46C6-8A2E-90E3E8C28D76}"/>
+                <a16:creationId xmlns="" xmlns:a16="http://schemas.microsoft.com/office/drawing/2014/main" id="{1CECC0C5-D5F4-46C6-8A2E-90E3E8C28D76}"/>
               </a:ext>
             </a:extLst>
           </p:cNvPr>
@@ -5479,7 +3882,7 @@
           <p:cNvPr id="32" name="直接连接符 31">
             <a:extLst>
               <a:ext uri="{FF2B5EF4-FFF2-40B4-BE49-F238E27FC236}">
-                <a16:creationId xmlns:a16="http://schemas.microsoft.com/office/drawing/2014/main" xmlns="" id="{D0E65BD7-6578-4A63-B18A-66B7B4CB8A6F}"/>
+                <a16:creationId xmlns="" xmlns:a16="http://schemas.microsoft.com/office/drawing/2014/main" id="{D0E65BD7-6578-4A63-B18A-66B7B4CB8A6F}"/>
               </a:ext>
             </a:extLst>
           </p:cNvPr>
@@ -5518,7 +3921,7 @@
           <p:cNvPr id="34" name="直接连接符 33">
             <a:extLst>
               <a:ext uri="{FF2B5EF4-FFF2-40B4-BE49-F238E27FC236}">
-                <a16:creationId xmlns:a16="http://schemas.microsoft.com/office/drawing/2014/main" xmlns="" id="{AC8352D0-CFC2-425D-A9A1-6FF8ACC1115C}"/>
+                <a16:creationId xmlns="" xmlns:a16="http://schemas.microsoft.com/office/drawing/2014/main" id="{AC8352D0-CFC2-425D-A9A1-6FF8ACC1115C}"/>
               </a:ext>
             </a:extLst>
           </p:cNvPr>
@@ -5557,7 +3960,7 @@
           <p:cNvPr id="35" name="直接连接符 34">
             <a:extLst>
               <a:ext uri="{FF2B5EF4-FFF2-40B4-BE49-F238E27FC236}">
-                <a16:creationId xmlns:a16="http://schemas.microsoft.com/office/drawing/2014/main" xmlns="" id="{56862A7D-0E17-4BC0-8D76-71B2E9903CF5}"/>
+                <a16:creationId xmlns="" xmlns:a16="http://schemas.microsoft.com/office/drawing/2014/main" id="{56862A7D-0E17-4BC0-8D76-71B2E9903CF5}"/>
               </a:ext>
             </a:extLst>
           </p:cNvPr>
@@ -5596,7 +3999,7 @@
           <p:cNvPr id="46" name="直接连接符 45">
             <a:extLst>
               <a:ext uri="{FF2B5EF4-FFF2-40B4-BE49-F238E27FC236}">
-                <a16:creationId xmlns:a16="http://schemas.microsoft.com/office/drawing/2014/main" xmlns="" id="{04C549FF-0F2D-43BA-9A54-57BBAE6BF9E3}"/>
+                <a16:creationId xmlns="" xmlns:a16="http://schemas.microsoft.com/office/drawing/2014/main" id="{04C549FF-0F2D-43BA-9A54-57BBAE6BF9E3}"/>
               </a:ext>
             </a:extLst>
           </p:cNvPr>
@@ -5635,7 +4038,7 @@
           <p:cNvPr id="48" name="直接连接符 47">
             <a:extLst>
               <a:ext uri="{FF2B5EF4-FFF2-40B4-BE49-F238E27FC236}">
-                <a16:creationId xmlns:a16="http://schemas.microsoft.com/office/drawing/2014/main" xmlns="" id="{62370B81-9492-4AA4-9199-34A05FC225DE}"/>
+                <a16:creationId xmlns="" xmlns:a16="http://schemas.microsoft.com/office/drawing/2014/main" id="{62370B81-9492-4AA4-9199-34A05FC225DE}"/>
               </a:ext>
             </a:extLst>
           </p:cNvPr>
@@ -5674,7 +4077,7 @@
           <p:cNvPr id="50" name="直接连接符 49">
             <a:extLst>
               <a:ext uri="{FF2B5EF4-FFF2-40B4-BE49-F238E27FC236}">
-                <a16:creationId xmlns:a16="http://schemas.microsoft.com/office/drawing/2014/main" xmlns="" id="{98EB6C31-D0BB-4B74-A2BD-4AF5D90939B7}"/>
+                <a16:creationId xmlns="" xmlns:a16="http://schemas.microsoft.com/office/drawing/2014/main" id="{98EB6C31-D0BB-4B74-A2BD-4AF5D90939B7}"/>
               </a:ext>
             </a:extLst>
           </p:cNvPr>
@@ -5713,7 +4116,7 @@
           <p:cNvPr id="52" name="直接连接符 51">
             <a:extLst>
               <a:ext uri="{FF2B5EF4-FFF2-40B4-BE49-F238E27FC236}">
-                <a16:creationId xmlns:a16="http://schemas.microsoft.com/office/drawing/2014/main" xmlns="" id="{DAD83526-92AF-48BD-BF85-14AF90B6D9E6}"/>
+                <a16:creationId xmlns="" xmlns:a16="http://schemas.microsoft.com/office/drawing/2014/main" id="{DAD83526-92AF-48BD-BF85-14AF90B6D9E6}"/>
               </a:ext>
             </a:extLst>
           </p:cNvPr>
@@ -5754,7 +4157,7 @@
               <p:cNvPr id="55" name="文本框 54">
                 <a:extLst>
                   <a:ext uri="{FF2B5EF4-FFF2-40B4-BE49-F238E27FC236}">
-                    <a16:creationId xmlns:a16="http://schemas.microsoft.com/office/drawing/2014/main" xmlns="" id="{8CEBE161-7C82-416A-BB7F-D1806845EB4E}"/>
+                    <a16:creationId xmlns="" xmlns:a16="http://schemas.microsoft.com/office/drawing/2014/main" id="{8CEBE161-7C82-416A-BB7F-D1806845EB4E}"/>
                   </a:ext>
                 </a:extLst>
               </p:cNvPr>
@@ -5869,7 +4272,7 @@
               <p:cNvPr id="56" name="文本框 55">
                 <a:extLst>
                   <a:ext uri="{FF2B5EF4-FFF2-40B4-BE49-F238E27FC236}">
-                    <a16:creationId xmlns:a16="http://schemas.microsoft.com/office/drawing/2014/main" xmlns="" id="{3142758D-4774-4CA5-AE10-8B06D9D195BF}"/>
+                    <a16:creationId xmlns="" xmlns:a16="http://schemas.microsoft.com/office/drawing/2014/main" id="{3142758D-4774-4CA5-AE10-8B06D9D195BF}"/>
                   </a:ext>
                 </a:extLst>
               </p:cNvPr>
@@ -5990,7 +4393,7 @@
 </p:sld>
 </file>
 
-<file path=ppt/slides/slide4.xml><?xml version="1.0" encoding="utf-8"?>
+<file path=ppt/slides/slide2.xml><?xml version="1.0" encoding="utf-8"?>
 <p:sld xmlns:a="http://schemas.openxmlformats.org/drawingml/2006/main" xmlns:r="http://schemas.openxmlformats.org/officeDocument/2006/relationships" xmlns:p="http://schemas.openxmlformats.org/presentationml/2006/main">
   <p:cSld>
     <p:spTree>
@@ -6628,7 +5031,7 @@
           <a:graphicData uri="http://schemas.openxmlformats.org/presentationml/2006/ole">
             <mc:AlternateContent xmlns:mc="http://schemas.openxmlformats.org/markup-compatibility/2006">
               <mc:Choice xmlns:v="urn:schemas-microsoft-com:vml" Requires="v">
-                <p:oleObj spid="_x0000_s1034" name="Equation" r:id="rId3" imgW="330120" imgH="177480" progId="Equation.DSMT4">
+                <p:oleObj spid="_x0000_s1038" name="Equation" r:id="rId3" imgW="330120" imgH="177480" progId="Equation.DSMT4">
                   <p:embed/>
                 </p:oleObj>
               </mc:Choice>
@@ -6685,7 +5088,7 @@
           <a:graphicData uri="http://schemas.openxmlformats.org/presentationml/2006/ole">
             <mc:AlternateContent xmlns:mc="http://schemas.openxmlformats.org/markup-compatibility/2006">
               <mc:Choice xmlns:v="urn:schemas-microsoft-com:vml" Requires="v">
-                <p:oleObj spid="_x0000_s1035" name="Equation" r:id="rId5" imgW="355320" imgH="177480" progId="Equation.DSMT4">
+                <p:oleObj spid="_x0000_s1039" name="Equation" r:id="rId5" imgW="355320" imgH="177480" progId="Equation.DSMT4">
                   <p:embed/>
                 </p:oleObj>
               </mc:Choice>
@@ -6750,6 +5153,1603 @@
     <p:extLst>
       <p:ext uri="{BB962C8B-B14F-4D97-AF65-F5344CB8AC3E}">
         <p14:creationId xmlns:p14="http://schemas.microsoft.com/office/powerpoint/2010/main" val="2787946135"/>
+      </p:ext>
+    </p:extLst>
+  </p:cSld>
+  <p:clrMapOvr>
+    <a:masterClrMapping/>
+  </p:clrMapOvr>
+</p:sld>
+</file>
+
+<file path=ppt/slides/slide3.xml><?xml version="1.0" encoding="utf-8"?>
+<p:sld xmlns:a="http://schemas.openxmlformats.org/drawingml/2006/main" xmlns:r="http://schemas.openxmlformats.org/officeDocument/2006/relationships" xmlns:p="http://schemas.openxmlformats.org/presentationml/2006/main">
+  <p:cSld>
+    <p:spTree>
+      <p:nvGrpSpPr>
+        <p:cNvPr id="1" name=""/>
+        <p:cNvGrpSpPr/>
+        <p:nvPr/>
+      </p:nvGrpSpPr>
+      <p:grpSpPr>
+        <a:xfrm>
+          <a:off x="0" y="0"/>
+          <a:ext cx="0" cy="0"/>
+          <a:chOff x="0" y="0"/>
+          <a:chExt cx="0" cy="0"/>
+        </a:xfrm>
+      </p:grpSpPr>
+      <p:grpSp>
+        <p:nvGrpSpPr>
+          <p:cNvPr id="3" name="组合 2">
+            <a:extLst>
+              <a:ext uri="{FF2B5EF4-FFF2-40B4-BE49-F238E27FC236}">
+                <a16:creationId xmlns="" xmlns:a16="http://schemas.microsoft.com/office/drawing/2014/main" id="{6C50AD19-3358-49A6-8E5D-6A7D67AE6929}"/>
+              </a:ext>
+            </a:extLst>
+          </p:cNvPr>
+          <p:cNvGrpSpPr/>
+          <p:nvPr/>
+        </p:nvGrpSpPr>
+        <p:grpSpPr>
+          <a:xfrm>
+            <a:off x="1673678" y="355932"/>
+            <a:ext cx="9030790" cy="5875278"/>
+            <a:chOff x="2547257" y="893631"/>
+            <a:chExt cx="6460618" cy="4383763"/>
+          </a:xfrm>
+        </p:grpSpPr>
+        <p:sp>
+          <p:nvSpPr>
+            <p:cNvPr id="2" name="椭圆 1">
+              <a:extLst>
+                <a:ext uri="{FF2B5EF4-FFF2-40B4-BE49-F238E27FC236}">
+                  <a16:creationId xmlns="" xmlns:a16="http://schemas.microsoft.com/office/drawing/2014/main" id="{217E5972-C706-41B8-AFB2-9DFAAB608F74}"/>
+                </a:ext>
+              </a:extLst>
+            </p:cNvPr>
+            <p:cNvSpPr/>
+            <p:nvPr/>
+          </p:nvSpPr>
+          <p:spPr>
+            <a:xfrm>
+              <a:off x="2547257" y="2037805"/>
+              <a:ext cx="2782389" cy="2782389"/>
+            </a:xfrm>
+            <a:prstGeom prst="ellipse">
+              <a:avLst/>
+            </a:prstGeom>
+            <a:ln w="76200"/>
+          </p:spPr>
+          <p:style>
+            <a:lnRef idx="2">
+              <a:schemeClr val="dk1"/>
+            </a:lnRef>
+            <a:fillRef idx="1">
+              <a:schemeClr val="lt1"/>
+            </a:fillRef>
+            <a:effectRef idx="0">
+              <a:schemeClr val="dk1"/>
+            </a:effectRef>
+            <a:fontRef idx="minor">
+              <a:schemeClr val="dk1"/>
+            </a:fontRef>
+          </p:style>
+          <p:txBody>
+            <a:bodyPr rtlCol="0" anchor="ctr"/>
+            <a:lstStyle/>
+            <a:p>
+              <a:pPr algn="ctr"/>
+              <a:endParaRPr lang="zh-CN" altLang="en-US"/>
+            </a:p>
+          </p:txBody>
+        </p:sp>
+        <p:cxnSp>
+          <p:nvCxnSpPr>
+            <p:cNvPr id="7" name="直接连接符 6">
+              <a:extLst>
+                <a:ext uri="{FF2B5EF4-FFF2-40B4-BE49-F238E27FC236}">
+                  <a16:creationId xmlns="" xmlns:a16="http://schemas.microsoft.com/office/drawing/2014/main" id="{241E5242-67E0-41F4-92A7-1A5ACF3DF1D5}"/>
+                </a:ext>
+              </a:extLst>
+            </p:cNvPr>
+            <p:cNvCxnSpPr>
+              <a:cxnSpLocks/>
+            </p:cNvCxnSpPr>
+            <p:nvPr/>
+          </p:nvCxnSpPr>
+          <p:spPr>
+            <a:xfrm>
+              <a:off x="4586697" y="893631"/>
+              <a:ext cx="1524305" cy="4383763"/>
+            </a:xfrm>
+            <a:prstGeom prst="line">
+              <a:avLst/>
+            </a:prstGeom>
+            <a:ln w="76200">
+              <a:prstDash val="dash"/>
+            </a:ln>
+          </p:spPr>
+          <p:style>
+            <a:lnRef idx="2">
+              <a:schemeClr val="dk1"/>
+            </a:lnRef>
+            <a:fillRef idx="1">
+              <a:schemeClr val="lt1"/>
+            </a:fillRef>
+            <a:effectRef idx="0">
+              <a:schemeClr val="dk1"/>
+            </a:effectRef>
+            <a:fontRef idx="minor">
+              <a:schemeClr val="dk1"/>
+            </a:fontRef>
+          </p:style>
+        </p:cxnSp>
+        <p:cxnSp>
+          <p:nvCxnSpPr>
+            <p:cNvPr id="10" name="直接箭头连接符 9">
+              <a:extLst>
+                <a:ext uri="{FF2B5EF4-FFF2-40B4-BE49-F238E27FC236}">
+                  <a16:creationId xmlns="" xmlns:a16="http://schemas.microsoft.com/office/drawing/2014/main" id="{763F12BA-4D3E-471A-8222-93097C54E4D0}"/>
+                </a:ext>
+              </a:extLst>
+            </p:cNvPr>
+            <p:cNvCxnSpPr/>
+            <p:nvPr/>
+          </p:nvCxnSpPr>
+          <p:spPr>
+            <a:xfrm flipV="1">
+              <a:off x="5199017" y="2037805"/>
+              <a:ext cx="2429692" cy="917746"/>
+            </a:xfrm>
+            <a:prstGeom prst="straightConnector1">
+              <a:avLst/>
+            </a:prstGeom>
+            <a:ln w="76200">
+              <a:tailEnd type="triangle"/>
+            </a:ln>
+          </p:spPr>
+          <p:style>
+            <a:lnRef idx="2">
+              <a:schemeClr val="dk1"/>
+            </a:lnRef>
+            <a:fillRef idx="1">
+              <a:schemeClr val="lt1"/>
+            </a:fillRef>
+            <a:effectRef idx="0">
+              <a:schemeClr val="dk1"/>
+            </a:effectRef>
+            <a:fontRef idx="minor">
+              <a:schemeClr val="dk1"/>
+            </a:fontRef>
+          </p:style>
+        </p:cxnSp>
+        <p:cxnSp>
+          <p:nvCxnSpPr>
+            <p:cNvPr id="12" name="直接箭头连接符 11">
+              <a:extLst>
+                <a:ext uri="{FF2B5EF4-FFF2-40B4-BE49-F238E27FC236}">
+                  <a16:creationId xmlns="" xmlns:a16="http://schemas.microsoft.com/office/drawing/2014/main" id="{EC5E7836-B9CB-4221-9891-2156423A6927}"/>
+                </a:ext>
+              </a:extLst>
+            </p:cNvPr>
+            <p:cNvCxnSpPr>
+              <a:cxnSpLocks/>
+            </p:cNvCxnSpPr>
+            <p:nvPr/>
+          </p:nvCxnSpPr>
+          <p:spPr>
+            <a:xfrm flipV="1">
+              <a:off x="3938451" y="2955550"/>
+              <a:ext cx="1260566" cy="513308"/>
+            </a:xfrm>
+            <a:prstGeom prst="straightConnector1">
+              <a:avLst/>
+            </a:prstGeom>
+            <a:ln w="76200">
+              <a:tailEnd type="triangle"/>
+            </a:ln>
+          </p:spPr>
+          <p:style>
+            <a:lnRef idx="2">
+              <a:schemeClr val="dk1"/>
+            </a:lnRef>
+            <a:fillRef idx="1">
+              <a:schemeClr val="lt1"/>
+            </a:fillRef>
+            <a:effectRef idx="0">
+              <a:schemeClr val="dk1"/>
+            </a:effectRef>
+            <a:fontRef idx="minor">
+              <a:schemeClr val="dk1"/>
+            </a:fontRef>
+          </p:style>
+        </p:cxnSp>
+        <mc:AlternateContent xmlns:mc="http://schemas.openxmlformats.org/markup-compatibility/2006" xmlns:a14="http://schemas.microsoft.com/office/drawing/2010/main">
+          <mc:Choice Requires="a14">
+            <p:sp>
+              <p:nvSpPr>
+                <p:cNvPr id="16" name="文本框 15">
+                  <a:extLst>
+                    <a:ext uri="{FF2B5EF4-FFF2-40B4-BE49-F238E27FC236}">
+                      <a16:creationId xmlns="" xmlns:a16="http://schemas.microsoft.com/office/drawing/2014/main" id="{1574E065-AC3C-46D1-9CCB-43BBA9A85B3E}"/>
+                    </a:ext>
+                  </a:extLst>
+                </p:cNvPr>
+                <p:cNvSpPr txBox="1"/>
+                <p:nvPr/>
+              </p:nvSpPr>
+              <p:spPr>
+                <a:xfrm>
+                  <a:off x="7029393" y="2474660"/>
+                  <a:ext cx="1978482" cy="688931"/>
+                </a:xfrm>
+                <a:prstGeom prst="rect">
+                  <a:avLst/>
+                </a:prstGeom>
+                <a:noFill/>
+              </p:spPr>
+              <p:txBody>
+                <a:bodyPr wrap="none" lIns="0" tIns="0" rIns="0" bIns="0" rtlCol="0">
+                  <a:spAutoFit/>
+                </a:bodyPr>
+                <a:lstStyle/>
+                <a:p>
+                  <a:pPr/>
+                  <a14:m>
+                    <m:oMathPara xmlns:m="http://schemas.openxmlformats.org/officeDocument/2006/math">
+                      <m:oMathParaPr>
+                        <m:jc m:val="centerGroup"/>
+                      </m:oMathParaPr>
+                      <m:oMath xmlns:m="http://schemas.openxmlformats.org/officeDocument/2006/math">
+                        <m:r>
+                          <a:rPr lang="en-US" altLang="zh-CN" sz="6000" b="0" i="1" smtClean="0">
+                            <a:latin typeface="Cambria Math" panose="02040503050406030204" pitchFamily="18" charset="0"/>
+                          </a:rPr>
+                          <m:t>−</m:t>
+                        </m:r>
+                        <m:r>
+                          <a:rPr lang="en-US" altLang="zh-CN" sz="6000" b="0" i="0" smtClean="0">
+                            <a:latin typeface="Cambria Math" panose="02040503050406030204" pitchFamily="18" charset="0"/>
+                          </a:rPr>
+                          <m:t>𝛻</m:t>
+                        </m:r>
+                        <m:r>
+                          <a:rPr lang="en-US" altLang="zh-CN" sz="6000" b="0" i="1" smtClean="0">
+                            <a:latin typeface="Cambria Math" panose="02040503050406030204" pitchFamily="18" charset="0"/>
+                          </a:rPr>
+                          <m:t>𝑙</m:t>
+                        </m:r>
+                        <m:r>
+                          <a:rPr lang="en-US" altLang="zh-CN" sz="6000" b="0" i="1" smtClean="0">
+                            <a:latin typeface="Cambria Math" panose="02040503050406030204" pitchFamily="18" charset="0"/>
+                          </a:rPr>
+                          <m:t>(</m:t>
+                        </m:r>
+                        <m:r>
+                          <a:rPr lang="en-US" altLang="zh-CN" sz="6000" b="1" i="1" smtClean="0">
+                            <a:latin typeface="Cambria Math" panose="02040503050406030204" pitchFamily="18" charset="0"/>
+                          </a:rPr>
+                          <m:t>𝝎</m:t>
+                        </m:r>
+                        <m:r>
+                          <a:rPr lang="en-US" altLang="zh-CN" sz="6000" b="1" i="1" smtClean="0">
+                            <a:latin typeface="Cambria Math" panose="02040503050406030204" pitchFamily="18" charset="0"/>
+                          </a:rPr>
+                          <m:t>)</m:t>
+                        </m:r>
+                      </m:oMath>
+                    </m:oMathPara>
+                  </a14:m>
+                  <a:endParaRPr lang="zh-CN" altLang="en-US" sz="6000" dirty="0"/>
+                </a:p>
+              </p:txBody>
+            </p:sp>
+          </mc:Choice>
+          <mc:Fallback xmlns="">
+            <p:sp>
+              <p:nvSpPr>
+                <p:cNvPr id="16" name="文本框 15">
+                  <a:extLst>
+                    <a:ext uri="{FF2B5EF4-FFF2-40B4-BE49-F238E27FC236}">
+                      <a16:creationId xmlns:a16="http://schemas.microsoft.com/office/drawing/2014/main" id="{1574E065-AC3C-46D1-9CCB-43BBA9A85B3E}"/>
+                    </a:ext>
+                  </a:extLst>
+                </p:cNvPr>
+                <p:cNvSpPr txBox="1">
+                  <a:spLocks noRot="1" noChangeAspect="1" noMove="1" noResize="1" noEditPoints="1" noAdjustHandles="1" noChangeArrowheads="1" noChangeShapeType="1" noTextEdit="1"/>
+                </p:cNvSpPr>
+                <p:nvPr/>
+              </p:nvSpPr>
+              <p:spPr>
+                <a:xfrm>
+                  <a:off x="7029393" y="2474660"/>
+                  <a:ext cx="1978482" cy="688931"/>
+                </a:xfrm>
+                <a:prstGeom prst="rect">
+                  <a:avLst/>
+                </a:prstGeom>
+                <a:blipFill>
+                  <a:blip r:embed="rId2"/>
+                  <a:stretch>
+                    <a:fillRect/>
+                  </a:stretch>
+                </a:blipFill>
+              </p:spPr>
+              <p:txBody>
+                <a:bodyPr/>
+                <a:lstStyle/>
+                <a:p>
+                  <a:r>
+                    <a:rPr lang="zh-CN" altLang="en-US">
+                      <a:noFill/>
+                    </a:rPr>
+                    <a:t> </a:t>
+                  </a:r>
+                </a:p>
+              </p:txBody>
+            </p:sp>
+          </mc:Fallback>
+        </mc:AlternateContent>
+        <mc:AlternateContent xmlns:mc="http://schemas.openxmlformats.org/markup-compatibility/2006" xmlns:a14="http://schemas.microsoft.com/office/drawing/2010/main">
+          <mc:Choice Requires="a14">
+            <p:sp>
+              <p:nvSpPr>
+                <p:cNvPr id="17" name="文本框 16">
+                  <a:extLst>
+                    <a:ext uri="{FF2B5EF4-FFF2-40B4-BE49-F238E27FC236}">
+                      <a16:creationId xmlns="" xmlns:a16="http://schemas.microsoft.com/office/drawing/2014/main" id="{DE16A630-73AA-4BF2-9863-BFAC6B4D6458}"/>
+                    </a:ext>
+                  </a:extLst>
+                </p:cNvPr>
+                <p:cNvSpPr txBox="1"/>
+                <p:nvPr/>
+              </p:nvSpPr>
+              <p:spPr>
+                <a:xfrm>
+                  <a:off x="2994911" y="2519928"/>
+                  <a:ext cx="1226144" cy="688931"/>
+                </a:xfrm>
+                <a:prstGeom prst="rect">
+                  <a:avLst/>
+                </a:prstGeom>
+                <a:noFill/>
+              </p:spPr>
+              <p:txBody>
+                <a:bodyPr wrap="none" lIns="0" tIns="0" rIns="0" bIns="0" rtlCol="0">
+                  <a:spAutoFit/>
+                </a:bodyPr>
+                <a:lstStyle/>
+                <a:p>
+                  <a:pPr/>
+                  <a14:m>
+                    <m:oMathPara xmlns:m="http://schemas.openxmlformats.org/officeDocument/2006/math">
+                      <m:oMathParaPr>
+                        <m:jc m:val="centerGroup"/>
+                      </m:oMathParaPr>
+                      <m:oMath xmlns:m="http://schemas.openxmlformats.org/officeDocument/2006/math">
+                        <m:sSub>
+                          <m:sSubPr>
+                            <m:ctrlPr>
+                              <a:rPr lang="en-US" altLang="zh-CN" sz="6000" b="1" i="1" smtClean="0">
+                                <a:latin typeface="Cambria Math"/>
+                              </a:rPr>
+                            </m:ctrlPr>
+                          </m:sSubPr>
+                          <m:e>
+                            <m:r>
+                              <m:rPr>
+                                <m:sty m:val="p"/>
+                              </m:rPr>
+                              <a:rPr lang="en-US" altLang="zh-CN" sz="6000" b="0" i="0" smtClean="0">
+                                <a:latin typeface="Cambria Math"/>
+                              </a:rPr>
+                              <m:t>Δ</m:t>
+                            </m:r>
+                            <m:r>
+                              <a:rPr lang="en-US" altLang="zh-CN" sz="6000" b="1" i="1" smtClean="0">
+                                <a:latin typeface="Cambria Math"/>
+                              </a:rPr>
+                              <m:t>𝝎</m:t>
+                            </m:r>
+                          </m:e>
+                          <m:sub>
+                            <m:r>
+                              <a:rPr lang="en-US" altLang="zh-CN" sz="6000" b="0" i="1" smtClean="0">
+                                <a:latin typeface="Cambria Math" panose="02040503050406030204" pitchFamily="18" charset="0"/>
+                              </a:rPr>
+                              <m:t>𝑘</m:t>
+                            </m:r>
+                          </m:sub>
+                        </m:sSub>
+                      </m:oMath>
+                    </m:oMathPara>
+                  </a14:m>
+                  <a:endParaRPr lang="zh-CN" altLang="en-US" sz="3600" b="1" dirty="0"/>
+                </a:p>
+              </p:txBody>
+            </p:sp>
+          </mc:Choice>
+          <mc:Fallback xmlns="">
+            <p:sp>
+              <p:nvSpPr>
+                <p:cNvPr id="17" name="文本框 16">
+                  <a:extLst>
+                    <a:ext uri="{FF2B5EF4-FFF2-40B4-BE49-F238E27FC236}">
+                      <a16:creationId xmlns:a16="http://schemas.microsoft.com/office/drawing/2014/main" xmlns:a14="http://schemas.microsoft.com/office/drawing/2010/main" xmlns="" id="{DE16A630-73AA-4BF2-9863-BFAC6B4D6458}"/>
+                    </a:ext>
+                  </a:extLst>
+                </p:cNvPr>
+                <p:cNvSpPr txBox="1">
+                  <a:spLocks noRot="1" noChangeAspect="1" noMove="1" noResize="1" noEditPoints="1" noAdjustHandles="1" noChangeArrowheads="1" noChangeShapeType="1" noTextEdit="1"/>
+                </p:cNvSpPr>
+                <p:nvPr/>
+              </p:nvSpPr>
+              <p:spPr>
+                <a:xfrm>
+                  <a:off x="2994911" y="2519928"/>
+                  <a:ext cx="1226144" cy="688931"/>
+                </a:xfrm>
+                <a:prstGeom prst="rect">
+                  <a:avLst/>
+                </a:prstGeom>
+                <a:blipFill rotWithShape="1">
+                  <a:blip r:embed="rId3"/>
+                  <a:stretch>
+                    <a:fillRect/>
+                  </a:stretch>
+                </a:blipFill>
+              </p:spPr>
+              <p:txBody>
+                <a:bodyPr/>
+                <a:lstStyle/>
+                <a:p>
+                  <a:r>
+                    <a:rPr lang="zh-CN" altLang="en-US">
+                      <a:noFill/>
+                    </a:rPr>
+                    <a:t> </a:t>
+                  </a:r>
+                </a:p>
+              </p:txBody>
+            </p:sp>
+          </mc:Fallback>
+        </mc:AlternateContent>
+      </p:grpSp>
+    </p:spTree>
+    <p:extLst>
+      <p:ext uri="{BB962C8B-B14F-4D97-AF65-F5344CB8AC3E}">
+        <p14:creationId xmlns:p14="http://schemas.microsoft.com/office/powerpoint/2010/main" val="4092466036"/>
+      </p:ext>
+    </p:extLst>
+  </p:cSld>
+  <p:clrMapOvr>
+    <a:masterClrMapping/>
+  </p:clrMapOvr>
+</p:sld>
+</file>
+
+<file path=ppt/slides/slide4.xml><?xml version="1.0" encoding="utf-8"?>
+<p:sld xmlns:a="http://schemas.openxmlformats.org/drawingml/2006/main" xmlns:r="http://schemas.openxmlformats.org/officeDocument/2006/relationships" xmlns:p="http://schemas.openxmlformats.org/presentationml/2006/main">
+  <p:cSld>
+    <p:spTree>
+      <p:nvGrpSpPr>
+        <p:cNvPr id="1" name=""/>
+        <p:cNvGrpSpPr/>
+        <p:nvPr/>
+      </p:nvGrpSpPr>
+      <p:grpSpPr>
+        <a:xfrm>
+          <a:off x="0" y="0"/>
+          <a:ext cx="0" cy="0"/>
+          <a:chOff x="0" y="0"/>
+          <a:chExt cx="0" cy="0"/>
+        </a:xfrm>
+      </p:grpSpPr>
+      <p:grpSp>
+        <p:nvGrpSpPr>
+          <p:cNvPr id="27" name="组合 26">
+            <a:extLst>
+              <a:ext uri="{FF2B5EF4-FFF2-40B4-BE49-F238E27FC236}">
+                <a16:creationId xmlns="" xmlns:a16="http://schemas.microsoft.com/office/drawing/2014/main" id="{435342C9-D8D0-4A0E-86A1-E177C85B967A}"/>
+              </a:ext>
+            </a:extLst>
+          </p:cNvPr>
+          <p:cNvGrpSpPr/>
+          <p:nvPr/>
+        </p:nvGrpSpPr>
+        <p:grpSpPr>
+          <a:xfrm>
+            <a:off x="799526" y="573065"/>
+            <a:ext cx="11200750" cy="5461562"/>
+            <a:chOff x="850326" y="1193800"/>
+            <a:chExt cx="11200750" cy="5461562"/>
+          </a:xfrm>
+        </p:grpSpPr>
+        <p:grpSp>
+          <p:nvGrpSpPr>
+            <p:cNvPr id="2" name="组合 1">
+              <a:extLst>
+                <a:ext uri="{FF2B5EF4-FFF2-40B4-BE49-F238E27FC236}">
+                  <a16:creationId xmlns="" xmlns:a16="http://schemas.microsoft.com/office/drawing/2014/main" id="{99C8280D-1152-407C-A9D6-7849E32201B4}"/>
+                </a:ext>
+              </a:extLst>
+            </p:cNvPr>
+            <p:cNvGrpSpPr/>
+            <p:nvPr/>
+          </p:nvGrpSpPr>
+          <p:grpSpPr>
+            <a:xfrm>
+              <a:off x="850326" y="1193800"/>
+              <a:ext cx="5588574" cy="3882485"/>
+              <a:chOff x="2209226" y="972008"/>
+              <a:chExt cx="5994236" cy="4193177"/>
+            </a:xfrm>
+          </p:grpSpPr>
+          <p:cxnSp>
+            <p:nvCxnSpPr>
+              <p:cNvPr id="7" name="直接连接符 6">
+                <a:extLst>
+                  <a:ext uri="{FF2B5EF4-FFF2-40B4-BE49-F238E27FC236}">
+                    <a16:creationId xmlns="" xmlns:a16="http://schemas.microsoft.com/office/drawing/2014/main" id="{241E5242-67E0-41F4-92A7-1A5ACF3DF1D5}"/>
+                  </a:ext>
+                </a:extLst>
+              </p:cNvPr>
+              <p:cNvCxnSpPr>
+                <a:cxnSpLocks/>
+              </p:cNvCxnSpPr>
+              <p:nvPr/>
+            </p:nvCxnSpPr>
+            <p:spPr>
+              <a:xfrm>
+                <a:off x="4119699" y="972008"/>
+                <a:ext cx="1994124" cy="4193177"/>
+              </a:xfrm>
+              <a:prstGeom prst="line">
+                <a:avLst/>
+              </a:prstGeom>
+              <a:ln w="76200">
+                <a:prstDash val="dash"/>
+              </a:ln>
+            </p:spPr>
+            <p:style>
+              <a:lnRef idx="2">
+                <a:schemeClr val="dk1"/>
+              </a:lnRef>
+              <a:fillRef idx="1">
+                <a:schemeClr val="lt1"/>
+              </a:fillRef>
+              <a:effectRef idx="0">
+                <a:schemeClr val="dk1"/>
+              </a:effectRef>
+              <a:fontRef idx="minor">
+                <a:schemeClr val="dk1"/>
+              </a:fontRef>
+            </p:style>
+          </p:cxnSp>
+          <mc:AlternateContent xmlns:mc="http://schemas.openxmlformats.org/markup-compatibility/2006" xmlns:a14="http://schemas.microsoft.com/office/drawing/2010/main">
+            <mc:Choice Requires="a14">
+              <p:sp>
+                <p:nvSpPr>
+                  <p:cNvPr id="17" name="文本框 16">
+                    <a:extLst>
+                      <a:ext uri="{FF2B5EF4-FFF2-40B4-BE49-F238E27FC236}">
+                        <a16:creationId xmlns="" xmlns:a16="http://schemas.microsoft.com/office/drawing/2014/main" id="{DE16A630-73AA-4BF2-9863-BFAC6B4D6458}"/>
+                      </a:ext>
+                    </a:extLst>
+                  </p:cNvPr>
+                  <p:cNvSpPr txBox="1"/>
+                  <p:nvPr/>
+                </p:nvSpPr>
+                <p:spPr>
+                  <a:xfrm>
+                    <a:off x="2838755" y="2514599"/>
+                    <a:ext cx="668453" cy="553998"/>
+                  </a:xfrm>
+                  <a:prstGeom prst="rect">
+                    <a:avLst/>
+                  </a:prstGeom>
+                  <a:noFill/>
+                </p:spPr>
+                <p:txBody>
+                  <a:bodyPr wrap="none" lIns="0" tIns="0" rIns="0" bIns="0" rtlCol="0">
+                    <a:spAutoFit/>
+                  </a:bodyPr>
+                  <a:lstStyle/>
+                  <a:p>
+                    <a:pPr/>
+                    <a14:m>
+                      <m:oMathPara xmlns:m="http://schemas.openxmlformats.org/officeDocument/2006/math">
+                        <m:oMathParaPr>
+                          <m:jc m:val="centerGroup"/>
+                        </m:oMathParaPr>
+                        <m:oMath xmlns:m="http://schemas.openxmlformats.org/officeDocument/2006/math">
+                          <m:r>
+                            <m:rPr>
+                              <m:sty m:val="p"/>
+                            </m:rPr>
+                            <a:rPr lang="en-US" altLang="zh-CN" sz="3600" b="0" i="0" smtClean="0">
+                              <a:latin typeface="Cambria Math" panose="02040503050406030204" pitchFamily="18" charset="0"/>
+                            </a:rPr>
+                            <m:t>Δ</m:t>
+                          </m:r>
+                          <m:r>
+                            <a:rPr lang="en-US" altLang="zh-CN" sz="3600" b="1" i="1">
+                              <a:latin typeface="Cambria Math" panose="02040503050406030204" pitchFamily="18" charset="0"/>
+                            </a:rPr>
+                            <m:t>𝒙</m:t>
+                          </m:r>
+                        </m:oMath>
+                      </m:oMathPara>
+                    </a14:m>
+                    <a:endParaRPr lang="zh-CN" altLang="en-US" sz="3600" dirty="0"/>
+                  </a:p>
+                </p:txBody>
+              </p:sp>
+            </mc:Choice>
+            <mc:Fallback xmlns="">
+              <p:sp>
+                <p:nvSpPr>
+                  <p:cNvPr id="17" name="文本框 16">
+                    <a:extLst>
+                      <a:ext uri="{FF2B5EF4-FFF2-40B4-BE49-F238E27FC236}">
+                        <a16:creationId xmlns:a16="http://schemas.microsoft.com/office/drawing/2014/main" id="{DE16A630-73AA-4BF2-9863-BFAC6B4D6458}"/>
+                      </a:ext>
+                    </a:extLst>
+                  </p:cNvPr>
+                  <p:cNvSpPr txBox="1">
+                    <a:spLocks noRot="1" noChangeAspect="1" noMove="1" noResize="1" noEditPoints="1" noAdjustHandles="1" noChangeArrowheads="1" noChangeShapeType="1" noTextEdit="1"/>
+                  </p:cNvSpPr>
+                  <p:nvPr/>
+                </p:nvSpPr>
+                <p:spPr>
+                  <a:xfrm>
+                    <a:off x="2838755" y="2514599"/>
+                    <a:ext cx="668453" cy="553998"/>
+                  </a:xfrm>
+                  <a:prstGeom prst="rect">
+                    <a:avLst/>
+                  </a:prstGeom>
+                  <a:blipFill>
+                    <a:blip r:embed="rId2"/>
+                    <a:stretch>
+                      <a:fillRect/>
+                    </a:stretch>
+                  </a:blipFill>
+                </p:spPr>
+                <p:txBody>
+                  <a:bodyPr/>
+                  <a:lstStyle/>
+                  <a:p>
+                    <a:r>
+                      <a:rPr lang="zh-CN" altLang="en-US">
+                        <a:noFill/>
+                      </a:rPr>
+                      <a:t> </a:t>
+                    </a:r>
+                  </a:p>
+                </p:txBody>
+              </p:sp>
+            </mc:Fallback>
+          </mc:AlternateContent>
+          <p:sp>
+            <p:nvSpPr>
+              <p:cNvPr id="3" name="矩形 2">
+                <a:extLst>
+                  <a:ext uri="{FF2B5EF4-FFF2-40B4-BE49-F238E27FC236}">
+                    <a16:creationId xmlns="" xmlns:a16="http://schemas.microsoft.com/office/drawing/2014/main" id="{568B263D-91A5-435B-A0AF-C3F4A650D301}"/>
+                  </a:ext>
+                </a:extLst>
+              </p:cNvPr>
+              <p:cNvSpPr/>
+              <p:nvPr/>
+            </p:nvSpPr>
+            <p:spPr>
+              <a:xfrm rot="2718230">
+                <a:off x="2209226" y="2423749"/>
+                <a:ext cx="2606040" cy="2606040"/>
+              </a:xfrm>
+              <a:prstGeom prst="rect">
+                <a:avLst/>
+              </a:prstGeom>
+              <a:ln w="76200">
+                <a:solidFill>
+                  <a:schemeClr val="tx1"/>
+                </a:solidFill>
+              </a:ln>
+            </p:spPr>
+            <p:style>
+              <a:lnRef idx="2">
+                <a:schemeClr val="accent6"/>
+              </a:lnRef>
+              <a:fillRef idx="1">
+                <a:schemeClr val="lt1"/>
+              </a:fillRef>
+              <a:effectRef idx="0">
+                <a:schemeClr val="accent6"/>
+              </a:effectRef>
+              <a:fontRef idx="minor">
+                <a:schemeClr val="dk1"/>
+              </a:fontRef>
+            </p:style>
+            <p:txBody>
+              <a:bodyPr rtlCol="0" anchor="ctr"/>
+              <a:lstStyle/>
+              <a:p>
+                <a:pPr algn="ctr"/>
+                <a:endParaRPr lang="zh-CN" altLang="en-US"/>
+              </a:p>
+            </p:txBody>
+          </p:sp>
+          <p:cxnSp>
+            <p:nvCxnSpPr>
+              <p:cNvPr id="12" name="直接箭头连接符 11">
+                <a:extLst>
+                  <a:ext uri="{FF2B5EF4-FFF2-40B4-BE49-F238E27FC236}">
+                    <a16:creationId xmlns="" xmlns:a16="http://schemas.microsoft.com/office/drawing/2014/main" id="{EC5E7836-B9CB-4221-9891-2156423A6927}"/>
+                  </a:ext>
+                </a:extLst>
+              </p:cNvPr>
+              <p:cNvCxnSpPr>
+                <a:cxnSpLocks/>
+              </p:cNvCxnSpPr>
+              <p:nvPr/>
+            </p:nvCxnSpPr>
+            <p:spPr>
+              <a:xfrm flipV="1">
+                <a:off x="3507208" y="3726769"/>
+                <a:ext cx="1847761" cy="100648"/>
+              </a:xfrm>
+              <a:prstGeom prst="straightConnector1">
+                <a:avLst/>
+              </a:prstGeom>
+              <a:ln w="76200">
+                <a:tailEnd type="triangle"/>
+              </a:ln>
+            </p:spPr>
+            <p:style>
+              <a:lnRef idx="2">
+                <a:schemeClr val="dk1"/>
+              </a:lnRef>
+              <a:fillRef idx="1">
+                <a:schemeClr val="lt1"/>
+              </a:fillRef>
+              <a:effectRef idx="0">
+                <a:schemeClr val="dk1"/>
+              </a:effectRef>
+              <a:fontRef idx="minor">
+                <a:schemeClr val="dk1"/>
+              </a:fontRef>
+            </p:style>
+          </p:cxnSp>
+          <p:cxnSp>
+            <p:nvCxnSpPr>
+              <p:cNvPr id="10" name="直接箭头连接符 9">
+                <a:extLst>
+                  <a:ext uri="{FF2B5EF4-FFF2-40B4-BE49-F238E27FC236}">
+                    <a16:creationId xmlns="" xmlns:a16="http://schemas.microsoft.com/office/drawing/2014/main" id="{763F12BA-4D3E-471A-8222-93097C54E4D0}"/>
+                  </a:ext>
+                </a:extLst>
+              </p:cNvPr>
+              <p:cNvCxnSpPr>
+                <a:cxnSpLocks/>
+              </p:cNvCxnSpPr>
+              <p:nvPr/>
+            </p:nvCxnSpPr>
+            <p:spPr>
+              <a:xfrm flipV="1">
+                <a:off x="3544946" y="2037805"/>
+                <a:ext cx="4083763" cy="1765413"/>
+              </a:xfrm>
+              <a:prstGeom prst="straightConnector1">
+                <a:avLst/>
+              </a:prstGeom>
+              <a:ln w="76200">
+                <a:tailEnd type="triangle"/>
+              </a:ln>
+            </p:spPr>
+            <p:style>
+              <a:lnRef idx="2">
+                <a:schemeClr val="dk1"/>
+              </a:lnRef>
+              <a:fillRef idx="1">
+                <a:schemeClr val="lt1"/>
+              </a:fillRef>
+              <a:effectRef idx="0">
+                <a:schemeClr val="dk1"/>
+              </a:effectRef>
+              <a:fontRef idx="minor">
+                <a:schemeClr val="dk1"/>
+              </a:fontRef>
+            </p:style>
+          </p:cxnSp>
+          <mc:AlternateContent xmlns:mc="http://schemas.openxmlformats.org/markup-compatibility/2006" xmlns:a14="http://schemas.microsoft.com/office/drawing/2010/main">
+            <mc:Choice Requires="a14">
+              <p:sp>
+                <p:nvSpPr>
+                  <p:cNvPr id="11" name="文本框 10">
+                    <a:extLst>
+                      <a:ext uri="{FF2B5EF4-FFF2-40B4-BE49-F238E27FC236}">
+                        <a16:creationId xmlns="" xmlns:a16="http://schemas.microsoft.com/office/drawing/2014/main" id="{707C873B-ED95-4D94-99F4-3401AE61E8E2}"/>
+                      </a:ext>
+                    </a:extLst>
+                  </p:cNvPr>
+                  <p:cNvSpPr txBox="1"/>
+                  <p:nvPr/>
+                </p:nvSpPr>
+                <p:spPr>
+                  <a:xfrm>
+                    <a:off x="5906166" y="2724243"/>
+                    <a:ext cx="2297296" cy="615553"/>
+                  </a:xfrm>
+                  <a:prstGeom prst="rect">
+                    <a:avLst/>
+                  </a:prstGeom>
+                  <a:noFill/>
+                </p:spPr>
+                <p:txBody>
+                  <a:bodyPr wrap="square" lIns="0" tIns="0" rIns="0" bIns="0" rtlCol="0">
+                    <a:spAutoFit/>
+                  </a:bodyPr>
+                  <a:lstStyle/>
+                  <a:p>
+                    <a:pPr/>
+                    <a14:m>
+                      <m:oMathPara xmlns:m="http://schemas.openxmlformats.org/officeDocument/2006/math">
+                        <m:oMathParaPr>
+                          <m:jc m:val="centerGroup"/>
+                        </m:oMathParaPr>
+                        <m:oMath xmlns:m="http://schemas.openxmlformats.org/officeDocument/2006/math">
+                          <m:r>
+                            <a:rPr lang="en-US" altLang="zh-CN" sz="4000" b="0" i="1" smtClean="0">
+                              <a:latin typeface="Cambria Math" panose="02040503050406030204" pitchFamily="18" charset="0"/>
+                            </a:rPr>
+                            <m:t>−</m:t>
+                          </m:r>
+                          <m:r>
+                            <a:rPr lang="en-US" altLang="zh-CN" sz="4000" b="0" i="0" smtClean="0">
+                              <a:latin typeface="Cambria Math" panose="02040503050406030204" pitchFamily="18" charset="0"/>
+                            </a:rPr>
+                            <m:t>𝛻</m:t>
+                          </m:r>
+                          <m:r>
+                            <a:rPr lang="en-US" altLang="zh-CN" sz="4000" b="0" i="1" smtClean="0">
+                              <a:latin typeface="Cambria Math" panose="02040503050406030204" pitchFamily="18" charset="0"/>
+                            </a:rPr>
+                            <m:t>𝑙</m:t>
+                          </m:r>
+                          <m:r>
+                            <a:rPr lang="en-US" altLang="zh-CN" sz="4000" b="0" i="1" smtClean="0">
+                              <a:latin typeface="Cambria Math" panose="02040503050406030204" pitchFamily="18" charset="0"/>
+                            </a:rPr>
+                            <m:t>(</m:t>
+                          </m:r>
+                          <m:r>
+                            <a:rPr lang="en-US" altLang="zh-CN" sz="4000" b="1" i="1" smtClean="0">
+                              <a:latin typeface="Cambria Math" panose="02040503050406030204" pitchFamily="18" charset="0"/>
+                            </a:rPr>
+                            <m:t>𝝎</m:t>
+                          </m:r>
+                          <m:r>
+                            <a:rPr lang="en-US" altLang="zh-CN" sz="4000" b="1" i="1" smtClean="0">
+                              <a:latin typeface="Cambria Math" panose="02040503050406030204" pitchFamily="18" charset="0"/>
+                            </a:rPr>
+                            <m:t>)</m:t>
+                          </m:r>
+                        </m:oMath>
+                      </m:oMathPara>
+                    </a14:m>
+                    <a:endParaRPr lang="zh-CN" altLang="en-US" sz="4000" dirty="0"/>
+                  </a:p>
+                </p:txBody>
+              </p:sp>
+            </mc:Choice>
+            <mc:Fallback xmlns="">
+              <p:sp>
+                <p:nvSpPr>
+                  <p:cNvPr id="11" name="文本框 10">
+                    <a:extLst>
+                      <a:ext uri="{FF2B5EF4-FFF2-40B4-BE49-F238E27FC236}">
+                        <a16:creationId xmlns:a16="http://schemas.microsoft.com/office/drawing/2014/main" id="{707C873B-ED95-4D94-99F4-3401AE61E8E2}"/>
+                      </a:ext>
+                    </a:extLst>
+                  </p:cNvPr>
+                  <p:cNvSpPr txBox="1">
+                    <a:spLocks noRot="1" noChangeAspect="1" noMove="1" noResize="1" noEditPoints="1" noAdjustHandles="1" noChangeArrowheads="1" noChangeShapeType="1" noTextEdit="1"/>
+                  </p:cNvSpPr>
+                  <p:nvPr/>
+                </p:nvSpPr>
+                <p:spPr>
+                  <a:xfrm>
+                    <a:off x="5906166" y="2724243"/>
+                    <a:ext cx="2297296" cy="615553"/>
+                  </a:xfrm>
+                  <a:prstGeom prst="rect">
+                    <a:avLst/>
+                  </a:prstGeom>
+                  <a:blipFill>
+                    <a:blip r:embed="rId4"/>
+                    <a:stretch>
+                      <a:fillRect b="-3191"/>
+                    </a:stretch>
+                  </a:blipFill>
+                </p:spPr>
+                <p:txBody>
+                  <a:bodyPr/>
+                  <a:lstStyle/>
+                  <a:p>
+                    <a:r>
+                      <a:rPr lang="zh-CN" altLang="en-US">
+                        <a:noFill/>
+                      </a:rPr>
+                      <a:t> </a:t>
+                    </a:r>
+                  </a:p>
+                </p:txBody>
+              </p:sp>
+            </mc:Fallback>
+          </mc:AlternateContent>
+        </p:grpSp>
+        <p:grpSp>
+          <p:nvGrpSpPr>
+            <p:cNvPr id="6" name="组合 5">
+              <a:extLst>
+                <a:ext uri="{FF2B5EF4-FFF2-40B4-BE49-F238E27FC236}">
+                  <a16:creationId xmlns="" xmlns:a16="http://schemas.microsoft.com/office/drawing/2014/main" id="{6741912A-55B7-4A92-97DB-9F7EAD07C83B}"/>
+                </a:ext>
+              </a:extLst>
+            </p:cNvPr>
+            <p:cNvGrpSpPr/>
+            <p:nvPr/>
+          </p:nvGrpSpPr>
+          <p:grpSpPr>
+            <a:xfrm>
+              <a:off x="6391327" y="1392894"/>
+              <a:ext cx="5659749" cy="4072211"/>
+              <a:chOff x="5623110" y="1429408"/>
+              <a:chExt cx="5659749" cy="4072211"/>
+            </a:xfrm>
+          </p:grpSpPr>
+          <mc:AlternateContent xmlns:mc="http://schemas.openxmlformats.org/markup-compatibility/2006" xmlns:a14="http://schemas.microsoft.com/office/drawing/2010/main">
+            <mc:Choice Requires="a14">
+              <p:sp>
+                <p:nvSpPr>
+                  <p:cNvPr id="23" name="文本框 22">
+                    <a:extLst>
+                      <a:ext uri="{FF2B5EF4-FFF2-40B4-BE49-F238E27FC236}">
+                        <a16:creationId xmlns="" xmlns:a16="http://schemas.microsoft.com/office/drawing/2014/main" id="{31694926-FE40-4406-8B7D-AB1016F5BEF7}"/>
+                      </a:ext>
+                    </a:extLst>
+                  </p:cNvPr>
+                  <p:cNvSpPr txBox="1"/>
+                  <p:nvPr/>
+                </p:nvSpPr>
+                <p:spPr>
+                  <a:xfrm>
+                    <a:off x="9141033" y="3248563"/>
+                    <a:ext cx="2141826" cy="569944"/>
+                  </a:xfrm>
+                  <a:prstGeom prst="rect">
+                    <a:avLst/>
+                  </a:prstGeom>
+                  <a:noFill/>
+                </p:spPr>
+                <p:txBody>
+                  <a:bodyPr wrap="square" lIns="0" tIns="0" rIns="0" bIns="0" rtlCol="0">
+                    <a:spAutoFit/>
+                  </a:bodyPr>
+                  <a:lstStyle/>
+                  <a:p>
+                    <a:pPr/>
+                    <a14:m>
+                      <m:oMathPara xmlns:m="http://schemas.openxmlformats.org/officeDocument/2006/math">
+                        <m:oMathParaPr>
+                          <m:jc m:val="centerGroup"/>
+                        </m:oMathParaPr>
+                        <m:oMath xmlns:m="http://schemas.openxmlformats.org/officeDocument/2006/math">
+                          <m:r>
+                            <a:rPr lang="en-US" altLang="zh-CN" sz="4000" b="0" i="1" smtClean="0">
+                              <a:latin typeface="Cambria Math" panose="02040503050406030204" pitchFamily="18" charset="0"/>
+                            </a:rPr>
+                            <m:t>−</m:t>
+                          </m:r>
+                          <m:r>
+                            <a:rPr lang="en-US" altLang="zh-CN" sz="4000" b="0" i="0" smtClean="0">
+                              <a:latin typeface="Cambria Math" panose="02040503050406030204" pitchFamily="18" charset="0"/>
+                            </a:rPr>
+                            <m:t>𝛻</m:t>
+                          </m:r>
+                          <m:r>
+                            <a:rPr lang="en-US" altLang="zh-CN" sz="4000" b="0" i="1" smtClean="0">
+                              <a:latin typeface="Cambria Math" panose="02040503050406030204" pitchFamily="18" charset="0"/>
+                            </a:rPr>
+                            <m:t>𝑙</m:t>
+                          </m:r>
+                          <m:r>
+                            <a:rPr lang="en-US" altLang="zh-CN" sz="4000" b="0" i="1" smtClean="0">
+                              <a:latin typeface="Cambria Math" panose="02040503050406030204" pitchFamily="18" charset="0"/>
+                            </a:rPr>
+                            <m:t>(</m:t>
+                          </m:r>
+                          <m:r>
+                            <a:rPr lang="en-US" altLang="zh-CN" sz="4000" b="1" i="1" smtClean="0">
+                              <a:latin typeface="Cambria Math" panose="02040503050406030204" pitchFamily="18" charset="0"/>
+                            </a:rPr>
+                            <m:t>𝝎</m:t>
+                          </m:r>
+                          <m:r>
+                            <a:rPr lang="en-US" altLang="zh-CN" sz="4000" b="1" i="1" smtClean="0">
+                              <a:latin typeface="Cambria Math" panose="02040503050406030204" pitchFamily="18" charset="0"/>
+                            </a:rPr>
+                            <m:t>)</m:t>
+                          </m:r>
+                        </m:oMath>
+                      </m:oMathPara>
+                    </a14:m>
+                    <a:endParaRPr lang="zh-CN" altLang="en-US" sz="4000" dirty="0"/>
+                  </a:p>
+                </p:txBody>
+              </p:sp>
+            </mc:Choice>
+            <mc:Fallback xmlns="">
+              <p:sp>
+                <p:nvSpPr>
+                  <p:cNvPr id="23" name="文本框 22">
+                    <a:extLst>
+                      <a:ext uri="{FF2B5EF4-FFF2-40B4-BE49-F238E27FC236}">
+                        <a16:creationId xmlns:a16="http://schemas.microsoft.com/office/drawing/2014/main" id="{31694926-FE40-4406-8B7D-AB1016F5BEF7}"/>
+                      </a:ext>
+                    </a:extLst>
+                  </p:cNvPr>
+                  <p:cNvSpPr txBox="1">
+                    <a:spLocks noRot="1" noChangeAspect="1" noMove="1" noResize="1" noEditPoints="1" noAdjustHandles="1" noChangeArrowheads="1" noChangeShapeType="1" noTextEdit="1"/>
+                  </p:cNvSpPr>
+                  <p:nvPr/>
+                </p:nvSpPr>
+                <p:spPr>
+                  <a:xfrm>
+                    <a:off x="9141033" y="3248563"/>
+                    <a:ext cx="2141826" cy="569944"/>
+                  </a:xfrm>
+                  <a:prstGeom prst="rect">
+                    <a:avLst/>
+                  </a:prstGeom>
+                  <a:blipFill>
+                    <a:blip r:embed="rId5"/>
+                    <a:stretch>
+                      <a:fillRect b="-3191"/>
+                    </a:stretch>
+                  </a:blipFill>
+                </p:spPr>
+                <p:txBody>
+                  <a:bodyPr/>
+                  <a:lstStyle/>
+                  <a:p>
+                    <a:r>
+                      <a:rPr lang="zh-CN" altLang="en-US">
+                        <a:noFill/>
+                      </a:rPr>
+                      <a:t> </a:t>
+                    </a:r>
+                  </a:p>
+                </p:txBody>
+              </p:sp>
+            </mc:Fallback>
+          </mc:AlternateContent>
+          <p:grpSp>
+            <p:nvGrpSpPr>
+              <p:cNvPr id="13" name="组合 12">
+                <a:extLst>
+                  <a:ext uri="{FF2B5EF4-FFF2-40B4-BE49-F238E27FC236}">
+                    <a16:creationId xmlns="" xmlns:a16="http://schemas.microsoft.com/office/drawing/2014/main" id="{CBFF6074-9BD4-4077-9C2E-48AA39D2ABD5}"/>
+                  </a:ext>
+                </a:extLst>
+              </p:cNvPr>
+              <p:cNvGrpSpPr/>
+              <p:nvPr/>
+            </p:nvGrpSpPr>
+            <p:grpSpPr>
+              <a:xfrm>
+                <a:off x="5623110" y="1429408"/>
+                <a:ext cx="5390887" cy="4072211"/>
+                <a:chOff x="1780800" y="893631"/>
+                <a:chExt cx="5847909" cy="4383763"/>
+              </a:xfrm>
+            </p:grpSpPr>
+            <p:sp>
+              <p:nvSpPr>
+                <p:cNvPr id="14" name="椭圆 13">
+                  <a:extLst>
+                    <a:ext uri="{FF2B5EF4-FFF2-40B4-BE49-F238E27FC236}">
+                      <a16:creationId xmlns="" xmlns:a16="http://schemas.microsoft.com/office/drawing/2014/main" id="{745CFD7A-F788-4051-9BD4-1E5490771D5F}"/>
+                    </a:ext>
+                  </a:extLst>
+                </p:cNvPr>
+                <p:cNvSpPr/>
+                <p:nvPr/>
+              </p:nvSpPr>
+              <p:spPr>
+                <a:xfrm rot="18622520">
+                  <a:off x="2653995" y="1405818"/>
+                  <a:ext cx="2385690" cy="4132080"/>
+                </a:xfrm>
+                <a:prstGeom prst="ellipse">
+                  <a:avLst/>
+                </a:prstGeom>
+                <a:ln w="76200"/>
+              </p:spPr>
+              <p:style>
+                <a:lnRef idx="2">
+                  <a:schemeClr val="dk1"/>
+                </a:lnRef>
+                <a:fillRef idx="1">
+                  <a:schemeClr val="lt1"/>
+                </a:fillRef>
+                <a:effectRef idx="0">
+                  <a:schemeClr val="dk1"/>
+                </a:effectRef>
+                <a:fontRef idx="minor">
+                  <a:schemeClr val="dk1"/>
+                </a:fontRef>
+              </p:style>
+              <p:txBody>
+                <a:bodyPr rtlCol="0" anchor="ctr"/>
+                <a:lstStyle/>
+                <a:p>
+                  <a:pPr algn="ctr"/>
+                  <a:endParaRPr lang="zh-CN" altLang="en-US"/>
+                </a:p>
+              </p:txBody>
+            </p:sp>
+            <p:cxnSp>
+              <p:nvCxnSpPr>
+                <p:cNvPr id="18" name="直接连接符 17">
+                  <a:extLst>
+                    <a:ext uri="{FF2B5EF4-FFF2-40B4-BE49-F238E27FC236}">
+                      <a16:creationId xmlns="" xmlns:a16="http://schemas.microsoft.com/office/drawing/2014/main" id="{A0195542-3858-41D5-9526-4617D8AB1CBB}"/>
+                    </a:ext>
+                  </a:extLst>
+                </p:cNvPr>
+                <p:cNvCxnSpPr>
+                  <a:cxnSpLocks/>
+                </p:cNvCxnSpPr>
+                <p:nvPr/>
+              </p:nvCxnSpPr>
+              <p:spPr>
+                <a:xfrm>
+                  <a:off x="4586697" y="893631"/>
+                  <a:ext cx="1524305" cy="4383763"/>
+                </a:xfrm>
+                <a:prstGeom prst="line">
+                  <a:avLst/>
+                </a:prstGeom>
+                <a:ln w="76200">
+                  <a:prstDash val="dash"/>
+                </a:ln>
+              </p:spPr>
+              <p:style>
+                <a:lnRef idx="2">
+                  <a:schemeClr val="dk1"/>
+                </a:lnRef>
+                <a:fillRef idx="1">
+                  <a:schemeClr val="lt1"/>
+                </a:fillRef>
+                <a:effectRef idx="0">
+                  <a:schemeClr val="dk1"/>
+                </a:effectRef>
+                <a:fontRef idx="minor">
+                  <a:schemeClr val="dk1"/>
+                </a:fontRef>
+              </p:style>
+            </p:cxnSp>
+            <p:cxnSp>
+              <p:nvCxnSpPr>
+                <p:cNvPr id="19" name="直接箭头连接符 18">
+                  <a:extLst>
+                    <a:ext uri="{FF2B5EF4-FFF2-40B4-BE49-F238E27FC236}">
+                      <a16:creationId xmlns="" xmlns:a16="http://schemas.microsoft.com/office/drawing/2014/main" id="{C08EB1D5-BB7D-4FA4-B0ED-AC43134C833C}"/>
+                    </a:ext>
+                  </a:extLst>
+                </p:cNvPr>
+                <p:cNvCxnSpPr/>
+                <p:nvPr/>
+              </p:nvCxnSpPr>
+              <p:spPr>
+                <a:xfrm flipV="1">
+                  <a:off x="3938451" y="2037805"/>
+                  <a:ext cx="3690258" cy="1427708"/>
+                </a:xfrm>
+                <a:prstGeom prst="straightConnector1">
+                  <a:avLst/>
+                </a:prstGeom>
+                <a:ln w="76200">
+                  <a:tailEnd type="triangle"/>
+                </a:ln>
+              </p:spPr>
+              <p:style>
+                <a:lnRef idx="2">
+                  <a:schemeClr val="dk1"/>
+                </a:lnRef>
+                <a:fillRef idx="1">
+                  <a:schemeClr val="lt1"/>
+                </a:fillRef>
+                <a:effectRef idx="0">
+                  <a:schemeClr val="dk1"/>
+                </a:effectRef>
+                <a:fontRef idx="minor">
+                  <a:schemeClr val="dk1"/>
+                </a:fontRef>
+              </p:style>
+            </p:cxnSp>
+            <p:cxnSp>
+              <p:nvCxnSpPr>
+                <p:cNvPr id="20" name="直接箭头连接符 19">
+                  <a:extLst>
+                    <a:ext uri="{FF2B5EF4-FFF2-40B4-BE49-F238E27FC236}">
+                      <a16:creationId xmlns="" xmlns:a16="http://schemas.microsoft.com/office/drawing/2014/main" id="{5CF00446-AAE6-4A72-9467-9D788E79782F}"/>
+                    </a:ext>
+                  </a:extLst>
+                </p:cNvPr>
+                <p:cNvCxnSpPr>
+                  <a:cxnSpLocks/>
+                  <a:endCxn id="14" idx="5"/>
+                </p:cNvCxnSpPr>
+                <p:nvPr/>
+              </p:nvCxnSpPr>
+              <p:spPr>
+                <a:xfrm>
+                  <a:off x="3993969" y="3465513"/>
+                  <a:ext cx="1516408" cy="302927"/>
+                </a:xfrm>
+                <a:prstGeom prst="straightConnector1">
+                  <a:avLst/>
+                </a:prstGeom>
+                <a:ln w="76200">
+                  <a:tailEnd type="triangle"/>
+                </a:ln>
+              </p:spPr>
+              <p:style>
+                <a:lnRef idx="2">
+                  <a:schemeClr val="dk1"/>
+                </a:lnRef>
+                <a:fillRef idx="1">
+                  <a:schemeClr val="lt1"/>
+                </a:fillRef>
+                <a:effectRef idx="0">
+                  <a:schemeClr val="dk1"/>
+                </a:effectRef>
+                <a:fontRef idx="minor">
+                  <a:schemeClr val="dk1"/>
+                </a:fontRef>
+              </p:style>
+            </p:cxnSp>
+          </p:grpSp>
+        </p:grpSp>
+        <p:sp>
+          <p:nvSpPr>
+            <p:cNvPr id="25" name="文本框 24">
+              <a:extLst>
+                <a:ext uri="{FF2B5EF4-FFF2-40B4-BE49-F238E27FC236}">
+                  <a16:creationId xmlns="" xmlns:a16="http://schemas.microsoft.com/office/drawing/2014/main" id="{A1E7BCAF-4C6E-4C3B-8FDA-8FE6BE42631C}"/>
+                </a:ext>
+              </a:extLst>
+            </p:cNvPr>
+            <p:cNvSpPr txBox="1"/>
+            <p:nvPr/>
+          </p:nvSpPr>
+          <p:spPr>
+            <a:xfrm>
+              <a:off x="2137740" y="5824365"/>
+              <a:ext cx="987534" cy="830997"/>
+            </a:xfrm>
+            <a:prstGeom prst="rect">
+              <a:avLst/>
+            </a:prstGeom>
+            <a:noFill/>
+          </p:spPr>
+          <p:txBody>
+            <a:bodyPr wrap="square" rtlCol="0">
+              <a:spAutoFit/>
+            </a:bodyPr>
+            <a:lstStyle/>
+            <a:p>
+              <a:r>
+                <a:rPr lang="en-US" altLang="zh-CN" sz="4800" dirty="0"/>
+                <a:t>a</a:t>
+              </a:r>
+              <a:endParaRPr lang="zh-CN" altLang="en-US" sz="2800" dirty="0"/>
+            </a:p>
+          </p:txBody>
+        </p:sp>
+        <p:sp>
+          <p:nvSpPr>
+            <p:cNvPr id="26" name="文本框 25">
+              <a:extLst>
+                <a:ext uri="{FF2B5EF4-FFF2-40B4-BE49-F238E27FC236}">
+                  <a16:creationId xmlns="" xmlns:a16="http://schemas.microsoft.com/office/drawing/2014/main" id="{2CAC448A-8802-4A11-9E48-EB172DD9A8EF}"/>
+                </a:ext>
+              </a:extLst>
+            </p:cNvPr>
+            <p:cNvSpPr txBox="1"/>
+            <p:nvPr/>
+          </p:nvSpPr>
+          <p:spPr>
+            <a:xfrm>
+              <a:off x="8791922" y="5824365"/>
+              <a:ext cx="987534" cy="830997"/>
+            </a:xfrm>
+            <a:prstGeom prst="rect">
+              <a:avLst/>
+            </a:prstGeom>
+            <a:noFill/>
+          </p:spPr>
+          <p:txBody>
+            <a:bodyPr wrap="square" rtlCol="0">
+              <a:spAutoFit/>
+            </a:bodyPr>
+            <a:lstStyle/>
+            <a:p>
+              <a:r>
+                <a:rPr lang="en-US" altLang="zh-CN" sz="4800" dirty="0"/>
+                <a:t>b</a:t>
+              </a:r>
+              <a:endParaRPr lang="zh-CN" altLang="en-US" sz="2800" dirty="0"/>
+            </a:p>
+          </p:txBody>
+        </p:sp>
+      </p:grpSp>
+      <mc:AlternateContent xmlns:mc="http://schemas.openxmlformats.org/markup-compatibility/2006" xmlns:a14="http://schemas.microsoft.com/office/drawing/2010/main">
+        <mc:Choice Requires="a14">
+          <p:sp>
+            <p:nvSpPr>
+              <p:cNvPr id="22" name="文本框 16">
+                <a:extLst>
+                  <a:ext uri="{FF2B5EF4-FFF2-40B4-BE49-F238E27FC236}">
+                    <a16:creationId xmlns="" xmlns:a16="http://schemas.microsoft.com/office/drawing/2014/main" id="{DE16A630-73AA-4BF2-9863-BFAC6B4D6458}"/>
+                  </a:ext>
+                </a:extLst>
+              </p:cNvPr>
+              <p:cNvSpPr txBox="1"/>
+              <p:nvPr/>
+            </p:nvSpPr>
+            <p:spPr>
+              <a:xfrm>
+                <a:off x="1084011" y="2157379"/>
+                <a:ext cx="1228093" cy="677108"/>
+              </a:xfrm>
+              <a:prstGeom prst="rect">
+                <a:avLst/>
+              </a:prstGeom>
+              <a:noFill/>
+            </p:spPr>
+            <p:txBody>
+              <a:bodyPr wrap="none" lIns="0" tIns="0" rIns="0" bIns="0" rtlCol="0">
+                <a:spAutoFit/>
+              </a:bodyPr>
+              <a:lstStyle/>
+              <a:p>
+                <a:pPr/>
+                <a14:m>
+                  <m:oMathPara xmlns:m="http://schemas.openxmlformats.org/officeDocument/2006/math">
+                    <m:oMathParaPr>
+                      <m:jc m:val="centerGroup"/>
+                    </m:oMathParaPr>
+                    <m:oMath xmlns:m="http://schemas.openxmlformats.org/officeDocument/2006/math">
+                      <m:sSub>
+                        <m:sSubPr>
+                          <m:ctrlPr>
+                            <a:rPr lang="en-US" altLang="zh-CN" sz="4400" b="1" i="1" smtClean="0">
+                              <a:latin typeface="Cambria Math"/>
+                            </a:rPr>
+                          </m:ctrlPr>
+                        </m:sSubPr>
+                        <m:e>
+                          <m:r>
+                            <m:rPr>
+                              <m:sty m:val="p"/>
+                            </m:rPr>
+                            <a:rPr lang="en-US" altLang="zh-CN" sz="4400" b="0" i="0" smtClean="0">
+                              <a:latin typeface="Cambria Math"/>
+                            </a:rPr>
+                            <m:t>Δ</m:t>
+                          </m:r>
+                          <m:r>
+                            <a:rPr lang="en-US" altLang="zh-CN" sz="4400" b="1" i="1" smtClean="0">
+                              <a:latin typeface="Cambria Math"/>
+                            </a:rPr>
+                            <m:t>𝝎</m:t>
+                          </m:r>
+                        </m:e>
+                        <m:sub>
+                          <m:r>
+                            <a:rPr lang="en-US" altLang="zh-CN" sz="4400" b="0" i="1" smtClean="0">
+                              <a:latin typeface="Cambria Math" panose="02040503050406030204" pitchFamily="18" charset="0"/>
+                            </a:rPr>
+                            <m:t>𝑘</m:t>
+                          </m:r>
+                        </m:sub>
+                      </m:sSub>
+                    </m:oMath>
+                  </m:oMathPara>
+                </a14:m>
+                <a:endParaRPr lang="zh-CN" altLang="en-US" sz="2400" b="1" dirty="0"/>
+              </a:p>
+            </p:txBody>
+          </p:sp>
+        </mc:Choice>
+        <mc:Fallback xmlns="">
+          <p:sp>
+            <p:nvSpPr>
+              <p:cNvPr id="22" name="文本框 16">
+                <a:extLst>
+                  <a:ext uri="{FF2B5EF4-FFF2-40B4-BE49-F238E27FC236}">
+                    <a16:creationId xmlns:a16="http://schemas.microsoft.com/office/drawing/2014/main" xmlns:a14="http://schemas.microsoft.com/office/drawing/2010/main" xmlns="" id="{DE16A630-73AA-4BF2-9863-BFAC6B4D6458}"/>
+                  </a:ext>
+                </a:extLst>
+              </p:cNvPr>
+              <p:cNvSpPr txBox="1">
+                <a:spLocks noRot="1" noChangeAspect="1" noMove="1" noResize="1" noEditPoints="1" noAdjustHandles="1" noChangeArrowheads="1" noChangeShapeType="1" noTextEdit="1"/>
+              </p:cNvSpPr>
+              <p:nvPr/>
+            </p:nvSpPr>
+            <p:spPr>
+              <a:xfrm>
+                <a:off x="1084011" y="2157379"/>
+                <a:ext cx="1228093" cy="677108"/>
+              </a:xfrm>
+              <a:prstGeom prst="rect">
+                <a:avLst/>
+              </a:prstGeom>
+              <a:blipFill rotWithShape="1">
+                <a:blip r:embed="rId6"/>
+                <a:stretch>
+                  <a:fillRect/>
+                </a:stretch>
+              </a:blipFill>
+            </p:spPr>
+            <p:txBody>
+              <a:bodyPr/>
+              <a:lstStyle/>
+              <a:p>
+                <a:r>
+                  <a:rPr lang="zh-CN" altLang="en-US">
+                    <a:noFill/>
+                  </a:rPr>
+                  <a:t> </a:t>
+                </a:r>
+              </a:p>
+            </p:txBody>
+          </p:sp>
+        </mc:Fallback>
+      </mc:AlternateContent>
+      <mc:AlternateContent xmlns:mc="http://schemas.openxmlformats.org/markup-compatibility/2006" xmlns:a14="http://schemas.microsoft.com/office/drawing/2010/main">
+        <mc:Choice Requires="a14">
+          <p:sp>
+            <p:nvSpPr>
+              <p:cNvPr id="28" name="文本框 16">
+                <a:extLst>
+                  <a:ext uri="{FF2B5EF4-FFF2-40B4-BE49-F238E27FC236}">
+                    <a16:creationId xmlns="" xmlns:a16="http://schemas.microsoft.com/office/drawing/2014/main" id="{DE16A630-73AA-4BF2-9863-BFAC6B4D6458}"/>
+                  </a:ext>
+                </a:extLst>
+              </p:cNvPr>
+              <p:cNvSpPr txBox="1"/>
+              <p:nvPr/>
+            </p:nvSpPr>
+            <p:spPr>
+              <a:xfrm>
+                <a:off x="6879970" y="2061274"/>
+                <a:ext cx="1228093" cy="677108"/>
+              </a:xfrm>
+              <a:prstGeom prst="rect">
+                <a:avLst/>
+              </a:prstGeom>
+              <a:noFill/>
+            </p:spPr>
+            <p:txBody>
+              <a:bodyPr wrap="none" lIns="0" tIns="0" rIns="0" bIns="0" rtlCol="0">
+                <a:spAutoFit/>
+              </a:bodyPr>
+              <a:lstStyle/>
+              <a:p>
+                <a:pPr/>
+                <a14:m>
+                  <m:oMathPara xmlns:m="http://schemas.openxmlformats.org/officeDocument/2006/math">
+                    <m:oMathParaPr>
+                      <m:jc m:val="centerGroup"/>
+                    </m:oMathParaPr>
+                    <m:oMath xmlns:m="http://schemas.openxmlformats.org/officeDocument/2006/math">
+                      <m:sSub>
+                        <m:sSubPr>
+                          <m:ctrlPr>
+                            <a:rPr lang="en-US" altLang="zh-CN" sz="4400" b="1" i="1" smtClean="0">
+                              <a:latin typeface="Cambria Math"/>
+                            </a:rPr>
+                          </m:ctrlPr>
+                        </m:sSubPr>
+                        <m:e>
+                          <m:r>
+                            <m:rPr>
+                              <m:sty m:val="p"/>
+                            </m:rPr>
+                            <a:rPr lang="en-US" altLang="zh-CN" sz="4400" b="0" i="0" smtClean="0">
+                              <a:latin typeface="Cambria Math"/>
+                            </a:rPr>
+                            <m:t>Δ</m:t>
+                          </m:r>
+                          <m:r>
+                            <a:rPr lang="en-US" altLang="zh-CN" sz="4400" b="1" i="1" smtClean="0">
+                              <a:latin typeface="Cambria Math"/>
+                            </a:rPr>
+                            <m:t>𝝎</m:t>
+                          </m:r>
+                        </m:e>
+                        <m:sub>
+                          <m:r>
+                            <a:rPr lang="en-US" altLang="zh-CN" sz="4400" b="0" i="1" smtClean="0">
+                              <a:latin typeface="Cambria Math" panose="02040503050406030204" pitchFamily="18" charset="0"/>
+                            </a:rPr>
+                            <m:t>𝑘</m:t>
+                          </m:r>
+                        </m:sub>
+                      </m:sSub>
+                    </m:oMath>
+                  </m:oMathPara>
+                </a14:m>
+                <a:endParaRPr lang="zh-CN" altLang="en-US" sz="2400" b="1" dirty="0"/>
+              </a:p>
+            </p:txBody>
+          </p:sp>
+        </mc:Choice>
+        <mc:Fallback xmlns="">
+          <p:sp>
+            <p:nvSpPr>
+              <p:cNvPr id="28" name="文本框 16">
+                <a:extLst>
+                  <a:ext uri="{FF2B5EF4-FFF2-40B4-BE49-F238E27FC236}">
+                    <a16:creationId xmlns:a16="http://schemas.microsoft.com/office/drawing/2014/main" xmlns:a14="http://schemas.microsoft.com/office/drawing/2010/main" xmlns="" id="{DE16A630-73AA-4BF2-9863-BFAC6B4D6458}"/>
+                  </a:ext>
+                </a:extLst>
+              </p:cNvPr>
+              <p:cNvSpPr txBox="1">
+                <a:spLocks noRot="1" noChangeAspect="1" noMove="1" noResize="1" noEditPoints="1" noAdjustHandles="1" noChangeArrowheads="1" noChangeShapeType="1" noTextEdit="1"/>
+              </p:cNvSpPr>
+              <p:nvPr/>
+            </p:nvSpPr>
+            <p:spPr>
+              <a:xfrm>
+                <a:off x="6879970" y="2061274"/>
+                <a:ext cx="1228093" cy="677108"/>
+              </a:xfrm>
+              <a:prstGeom prst="rect">
+                <a:avLst/>
+              </a:prstGeom>
+              <a:blipFill rotWithShape="1">
+                <a:blip r:embed="rId7"/>
+                <a:stretch>
+                  <a:fillRect/>
+                </a:stretch>
+              </a:blipFill>
+            </p:spPr>
+            <p:txBody>
+              <a:bodyPr/>
+              <a:lstStyle/>
+              <a:p>
+                <a:r>
+                  <a:rPr lang="zh-CN" altLang="en-US">
+                    <a:noFill/>
+                  </a:rPr>
+                  <a:t> </a:t>
+                </a:r>
+              </a:p>
+            </p:txBody>
+          </p:sp>
+        </mc:Fallback>
+      </mc:AlternateContent>
+    </p:spTree>
+    <p:extLst>
+      <p:ext uri="{BB962C8B-B14F-4D97-AF65-F5344CB8AC3E}">
+        <p14:creationId xmlns:p14="http://schemas.microsoft.com/office/powerpoint/2010/main" val="2708456576"/>
       </p:ext>
     </p:extLst>
   </p:cSld>
@@ -9020,7 +9020,7 @@
   <a:extraClrSchemeLst/>
   <a:extLst>
     <a:ext uri="{05A4C25C-085E-4340-85A3-A5531E510DB2}">
-      <thm15:themeFamily xmlns:thm15="http://schemas.microsoft.com/office/thememl/2012/main" xmlns="" name="Office Theme" id="{62F939B6-93AF-4DB8-9C6B-D6C7DFDC589F}" vid="{4A3C46E8-61CC-4603-A589-7422A47A8E4A}"/>
+      <thm15:themeFamily xmlns="" xmlns:thm15="http://schemas.microsoft.com/office/thememl/2012/main" name="Office Theme" id="{62F939B6-93AF-4DB8-9C6B-D6C7DFDC589F}" vid="{4A3C46E8-61CC-4603-A589-7422A47A8E4A}"/>
     </a:ext>
   </a:extLst>
 </a:theme>
